--- a/Reports/final.pptx
+++ b/Reports/final.pptx
@@ -4,22 +4,26 @@
   <p:sldMasterIdLst>
     <p:sldMasterId id="2147483648" r:id="rId1"/>
   </p:sldMasterIdLst>
+  <p:notesMasterIdLst>
+    <p:notesMasterId r:id="rId18"/>
+  </p:notesMasterIdLst>
   <p:sldIdLst>
     <p:sldId id="256" r:id="rId2"/>
     <p:sldId id="271" r:id="rId3"/>
     <p:sldId id="257" r:id="rId4"/>
-    <p:sldId id="258" r:id="rId5"/>
-    <p:sldId id="272" r:id="rId6"/>
-    <p:sldId id="270" r:id="rId7"/>
-    <p:sldId id="259" r:id="rId8"/>
-    <p:sldId id="264" r:id="rId9"/>
-    <p:sldId id="265" r:id="rId10"/>
-    <p:sldId id="267" r:id="rId11"/>
-    <p:sldId id="268" r:id="rId12"/>
-    <p:sldId id="269" r:id="rId13"/>
-    <p:sldId id="263" r:id="rId14"/>
-    <p:sldId id="261" r:id="rId15"/>
-    <p:sldId id="262" r:id="rId16"/>
+    <p:sldId id="273" r:id="rId5"/>
+    <p:sldId id="258" r:id="rId6"/>
+    <p:sldId id="272" r:id="rId7"/>
+    <p:sldId id="270" r:id="rId8"/>
+    <p:sldId id="259" r:id="rId9"/>
+    <p:sldId id="264" r:id="rId10"/>
+    <p:sldId id="265" r:id="rId11"/>
+    <p:sldId id="267" r:id="rId12"/>
+    <p:sldId id="274" r:id="rId13"/>
+    <p:sldId id="268" r:id="rId14"/>
+    <p:sldId id="269" r:id="rId15"/>
+    <p:sldId id="263" r:id="rId16"/>
+    <p:sldId id="262" r:id="rId17"/>
   </p:sldIdLst>
   <p:sldSz cx="12192000" cy="6858000"/>
   <p:notesSz cx="6858000" cy="9144000"/>
@@ -124,6 +128,468 @@
     </p:ext>
   </p:extLst>
 </p:presentation>
+</file>
+
+<file path=ppt/notesMasters/notesMaster1.xml><?xml version="1.0" encoding="utf-8"?>
+<p:notesMaster xmlns:a="http://schemas.openxmlformats.org/drawingml/2006/main" xmlns:r="http://schemas.openxmlformats.org/officeDocument/2006/relationships" xmlns:p="http://schemas.openxmlformats.org/presentationml/2006/main">
+  <p:cSld>
+    <p:bg>
+      <p:bgRef idx="1001">
+        <a:schemeClr val="bg1"/>
+      </p:bgRef>
+    </p:bg>
+    <p:spTree>
+      <p:nvGrpSpPr>
+        <p:cNvPr id="1" name=""/>
+        <p:cNvGrpSpPr/>
+        <p:nvPr/>
+      </p:nvGrpSpPr>
+      <p:grpSpPr>
+        <a:xfrm>
+          <a:off x="0" y="0"/>
+          <a:ext cx="0" cy="0"/>
+          <a:chOff x="0" y="0"/>
+          <a:chExt cx="0" cy="0"/>
+        </a:xfrm>
+      </p:grpSpPr>
+      <p:sp>
+        <p:nvSpPr>
+          <p:cNvPr id="2" name="ヘッダー プレースホルダー 1"/>
+          <p:cNvSpPr>
+            <a:spLocks noGrp="1"/>
+          </p:cNvSpPr>
+          <p:nvPr>
+            <p:ph type="hdr" sz="quarter"/>
+          </p:nvPr>
+        </p:nvSpPr>
+        <p:spPr>
+          <a:xfrm>
+            <a:off x="0" y="0"/>
+            <a:ext cx="2971800" cy="458788"/>
+          </a:xfrm>
+          <a:prstGeom prst="rect">
+            <a:avLst/>
+          </a:prstGeom>
+        </p:spPr>
+        <p:txBody>
+          <a:bodyPr vert="horz" lIns="91440" tIns="45720" rIns="91440" bIns="45720" rtlCol="0"/>
+          <a:lstStyle>
+            <a:lvl1pPr algn="l">
+              <a:defRPr sz="1200"/>
+            </a:lvl1pPr>
+          </a:lstStyle>
+          <a:p>
+            <a:endParaRPr kumimoji="1" lang="ja-JP" altLang="en-US"/>
+          </a:p>
+        </p:txBody>
+      </p:sp>
+      <p:sp>
+        <p:nvSpPr>
+          <p:cNvPr id="3" name="日付プレースホルダー 2"/>
+          <p:cNvSpPr>
+            <a:spLocks noGrp="1"/>
+          </p:cNvSpPr>
+          <p:nvPr>
+            <p:ph type="dt" idx="1"/>
+          </p:nvPr>
+        </p:nvSpPr>
+        <p:spPr>
+          <a:xfrm>
+            <a:off x="3884613" y="0"/>
+            <a:ext cx="2971800" cy="458788"/>
+          </a:xfrm>
+          <a:prstGeom prst="rect">
+            <a:avLst/>
+          </a:prstGeom>
+        </p:spPr>
+        <p:txBody>
+          <a:bodyPr vert="horz" lIns="91440" tIns="45720" rIns="91440" bIns="45720" rtlCol="0"/>
+          <a:lstStyle>
+            <a:lvl1pPr algn="r">
+              <a:defRPr sz="1200"/>
+            </a:lvl1pPr>
+          </a:lstStyle>
+          <a:p>
+            <a:fld id="{DE04CACF-859A-F346-AB67-37C8CA5A1CF7}" type="datetimeFigureOut">
+              <a:t>2019/7/29</a:t>
+            </a:fld>
+            <a:endParaRPr kumimoji="1" lang="ja-JP" altLang="en-US"/>
+          </a:p>
+        </p:txBody>
+      </p:sp>
+      <p:sp>
+        <p:nvSpPr>
+          <p:cNvPr id="4" name="スライド イメージ プレースホルダー 3"/>
+          <p:cNvSpPr>
+            <a:spLocks noGrp="1" noRot="1" noChangeAspect="1"/>
+          </p:cNvSpPr>
+          <p:nvPr>
+            <p:ph type="sldImg" idx="2"/>
+          </p:nvPr>
+        </p:nvSpPr>
+        <p:spPr>
+          <a:xfrm>
+            <a:off x="685800" y="1143000"/>
+            <a:ext cx="5486400" cy="3086100"/>
+          </a:xfrm>
+          <a:prstGeom prst="rect">
+            <a:avLst/>
+          </a:prstGeom>
+          <a:noFill/>
+          <a:ln w="12700">
+            <a:solidFill>
+              <a:prstClr val="black"/>
+            </a:solidFill>
+          </a:ln>
+        </p:spPr>
+        <p:txBody>
+          <a:bodyPr vert="horz" lIns="91440" tIns="45720" rIns="91440" bIns="45720" rtlCol="0" anchor="ctr"/>
+          <a:lstStyle/>
+          <a:p>
+            <a:endParaRPr lang="ja-JP" altLang="en-US"/>
+          </a:p>
+        </p:txBody>
+      </p:sp>
+      <p:sp>
+        <p:nvSpPr>
+          <p:cNvPr id="5" name="ノート プレースホルダー 4"/>
+          <p:cNvSpPr>
+            <a:spLocks noGrp="1"/>
+          </p:cNvSpPr>
+          <p:nvPr>
+            <p:ph type="body" sz="quarter" idx="3"/>
+          </p:nvPr>
+        </p:nvSpPr>
+        <p:spPr>
+          <a:xfrm>
+            <a:off x="685800" y="4400550"/>
+            <a:ext cx="5486400" cy="3600450"/>
+          </a:xfrm>
+          <a:prstGeom prst="rect">
+            <a:avLst/>
+          </a:prstGeom>
+        </p:spPr>
+        <p:txBody>
+          <a:bodyPr vert="horz" lIns="91440" tIns="45720" rIns="91440" bIns="45720" rtlCol="0"/>
+          <a:lstStyle/>
+          <a:p>
+            <a:pPr lvl="0"/>
+            <a:r>
+              <a:rPr kumimoji="1" lang="ja-JP" altLang="en-US"/>
+              <a:t>マスター テキストの書式設定</a:t>
+            </a:r>
+          </a:p>
+          <a:p>
+            <a:pPr lvl="1"/>
+            <a:r>
+              <a:rPr kumimoji="1" lang="ja-JP" altLang="en-US"/>
+              <a:t>第 </a:t>
+            </a:r>
+            <a:r>
+              <a:rPr kumimoji="1" lang="en-US" altLang="ja-JP"/>
+              <a:t>2 </a:t>
+            </a:r>
+            <a:r>
+              <a:rPr kumimoji="1" lang="ja-JP" altLang="en-US"/>
+              <a:t>レベル</a:t>
+            </a:r>
+          </a:p>
+          <a:p>
+            <a:pPr lvl="2"/>
+            <a:r>
+              <a:rPr kumimoji="1" lang="ja-JP" altLang="en-US"/>
+              <a:t>第 </a:t>
+            </a:r>
+            <a:r>
+              <a:rPr kumimoji="1" lang="en-US" altLang="ja-JP"/>
+              <a:t>3 </a:t>
+            </a:r>
+            <a:r>
+              <a:rPr kumimoji="1" lang="ja-JP" altLang="en-US"/>
+              <a:t>レベル</a:t>
+            </a:r>
+          </a:p>
+          <a:p>
+            <a:pPr lvl="3"/>
+            <a:r>
+              <a:rPr kumimoji="1" lang="ja-JP" altLang="en-US"/>
+              <a:t>第 </a:t>
+            </a:r>
+            <a:r>
+              <a:rPr kumimoji="1" lang="en-US" altLang="ja-JP"/>
+              <a:t>4 </a:t>
+            </a:r>
+            <a:r>
+              <a:rPr kumimoji="1" lang="ja-JP" altLang="en-US"/>
+              <a:t>レベル</a:t>
+            </a:r>
+          </a:p>
+          <a:p>
+            <a:pPr lvl="4"/>
+            <a:r>
+              <a:rPr kumimoji="1" lang="ja-JP" altLang="en-US"/>
+              <a:t>第 </a:t>
+            </a:r>
+            <a:r>
+              <a:rPr kumimoji="1" lang="en-US" altLang="ja-JP"/>
+              <a:t>5 </a:t>
+            </a:r>
+            <a:r>
+              <a:rPr kumimoji="1" lang="ja-JP" altLang="en-US"/>
+              <a:t>レベル</a:t>
+            </a:r>
+          </a:p>
+        </p:txBody>
+      </p:sp>
+      <p:sp>
+        <p:nvSpPr>
+          <p:cNvPr id="6" name="フッター プレースホルダー 5"/>
+          <p:cNvSpPr>
+            <a:spLocks noGrp="1"/>
+          </p:cNvSpPr>
+          <p:nvPr>
+            <p:ph type="ftr" sz="quarter" idx="4"/>
+          </p:nvPr>
+        </p:nvSpPr>
+        <p:spPr>
+          <a:xfrm>
+            <a:off x="0" y="8685213"/>
+            <a:ext cx="2971800" cy="458787"/>
+          </a:xfrm>
+          <a:prstGeom prst="rect">
+            <a:avLst/>
+          </a:prstGeom>
+        </p:spPr>
+        <p:txBody>
+          <a:bodyPr vert="horz" lIns="91440" tIns="45720" rIns="91440" bIns="45720" rtlCol="0" anchor="b"/>
+          <a:lstStyle>
+            <a:lvl1pPr algn="l">
+              <a:defRPr sz="1200"/>
+            </a:lvl1pPr>
+          </a:lstStyle>
+          <a:p>
+            <a:endParaRPr kumimoji="1" lang="ja-JP" altLang="en-US"/>
+          </a:p>
+        </p:txBody>
+      </p:sp>
+      <p:sp>
+        <p:nvSpPr>
+          <p:cNvPr id="7" name="スライド番号プレースホルダー 6"/>
+          <p:cNvSpPr>
+            <a:spLocks noGrp="1"/>
+          </p:cNvSpPr>
+          <p:nvPr>
+            <p:ph type="sldNum" sz="quarter" idx="5"/>
+          </p:nvPr>
+        </p:nvSpPr>
+        <p:spPr>
+          <a:xfrm>
+            <a:off x="3884613" y="8685213"/>
+            <a:ext cx="2971800" cy="458787"/>
+          </a:xfrm>
+          <a:prstGeom prst="rect">
+            <a:avLst/>
+          </a:prstGeom>
+        </p:spPr>
+        <p:txBody>
+          <a:bodyPr vert="horz" lIns="91440" tIns="45720" rIns="91440" bIns="45720" rtlCol="0" anchor="b"/>
+          <a:lstStyle>
+            <a:lvl1pPr algn="r">
+              <a:defRPr sz="1200"/>
+            </a:lvl1pPr>
+          </a:lstStyle>
+          <a:p>
+            <a:fld id="{3FCDAB53-57C9-F042-B46F-86E258F4C584}" type="slidenum">
+              <a:t>‹#›</a:t>
+            </a:fld>
+            <a:endParaRPr kumimoji="1" lang="ja-JP" altLang="en-US"/>
+          </a:p>
+        </p:txBody>
+      </p:sp>
+    </p:spTree>
+    <p:extLst>
+      <p:ext uri="{BB962C8B-B14F-4D97-AF65-F5344CB8AC3E}">
+        <p14:creationId xmlns:p14="http://schemas.microsoft.com/office/powerpoint/2010/main" val="3686570543"/>
+      </p:ext>
+    </p:extLst>
+  </p:cSld>
+  <p:clrMap bg1="lt1" tx1="dk1" bg2="lt2" tx2="dk2" accent1="accent1" accent2="accent2" accent3="accent3" accent4="accent4" accent5="accent5" accent6="accent6" hlink="hlink" folHlink="folHlink"/>
+  <p:notesStyle>
+    <a:lvl1pPr marL="0" algn="l" defTabSz="914400" rtl="0" eaLnBrk="1" latinLnBrk="0" hangingPunct="1">
+      <a:defRPr kumimoji="1" sz="1200" kern="1200">
+        <a:solidFill>
+          <a:schemeClr val="tx1"/>
+        </a:solidFill>
+        <a:latin typeface="+mn-lt"/>
+        <a:ea typeface="+mn-ea"/>
+        <a:cs typeface="+mn-cs"/>
+      </a:defRPr>
+    </a:lvl1pPr>
+    <a:lvl2pPr marL="457200" algn="l" defTabSz="914400" rtl="0" eaLnBrk="1" latinLnBrk="0" hangingPunct="1">
+      <a:defRPr kumimoji="1" sz="1200" kern="1200">
+        <a:solidFill>
+          <a:schemeClr val="tx1"/>
+        </a:solidFill>
+        <a:latin typeface="+mn-lt"/>
+        <a:ea typeface="+mn-ea"/>
+        <a:cs typeface="+mn-cs"/>
+      </a:defRPr>
+    </a:lvl2pPr>
+    <a:lvl3pPr marL="914400" algn="l" defTabSz="914400" rtl="0" eaLnBrk="1" latinLnBrk="0" hangingPunct="1">
+      <a:defRPr kumimoji="1" sz="1200" kern="1200">
+        <a:solidFill>
+          <a:schemeClr val="tx1"/>
+        </a:solidFill>
+        <a:latin typeface="+mn-lt"/>
+        <a:ea typeface="+mn-ea"/>
+        <a:cs typeface="+mn-cs"/>
+      </a:defRPr>
+    </a:lvl3pPr>
+    <a:lvl4pPr marL="1371600" algn="l" defTabSz="914400" rtl="0" eaLnBrk="1" latinLnBrk="0" hangingPunct="1">
+      <a:defRPr kumimoji="1" sz="1200" kern="1200">
+        <a:solidFill>
+          <a:schemeClr val="tx1"/>
+        </a:solidFill>
+        <a:latin typeface="+mn-lt"/>
+        <a:ea typeface="+mn-ea"/>
+        <a:cs typeface="+mn-cs"/>
+      </a:defRPr>
+    </a:lvl4pPr>
+    <a:lvl5pPr marL="1828800" algn="l" defTabSz="914400" rtl="0" eaLnBrk="1" latinLnBrk="0" hangingPunct="1">
+      <a:defRPr kumimoji="1" sz="1200" kern="1200">
+        <a:solidFill>
+          <a:schemeClr val="tx1"/>
+        </a:solidFill>
+        <a:latin typeface="+mn-lt"/>
+        <a:ea typeface="+mn-ea"/>
+        <a:cs typeface="+mn-cs"/>
+      </a:defRPr>
+    </a:lvl5pPr>
+    <a:lvl6pPr marL="2286000" algn="l" defTabSz="914400" rtl="0" eaLnBrk="1" latinLnBrk="0" hangingPunct="1">
+      <a:defRPr kumimoji="1" sz="1200" kern="1200">
+        <a:solidFill>
+          <a:schemeClr val="tx1"/>
+        </a:solidFill>
+        <a:latin typeface="+mn-lt"/>
+        <a:ea typeface="+mn-ea"/>
+        <a:cs typeface="+mn-cs"/>
+      </a:defRPr>
+    </a:lvl6pPr>
+    <a:lvl7pPr marL="2743200" algn="l" defTabSz="914400" rtl="0" eaLnBrk="1" latinLnBrk="0" hangingPunct="1">
+      <a:defRPr kumimoji="1" sz="1200" kern="1200">
+        <a:solidFill>
+          <a:schemeClr val="tx1"/>
+        </a:solidFill>
+        <a:latin typeface="+mn-lt"/>
+        <a:ea typeface="+mn-ea"/>
+        <a:cs typeface="+mn-cs"/>
+      </a:defRPr>
+    </a:lvl7pPr>
+    <a:lvl8pPr marL="3200400" algn="l" defTabSz="914400" rtl="0" eaLnBrk="1" latinLnBrk="0" hangingPunct="1">
+      <a:defRPr kumimoji="1" sz="1200" kern="1200">
+        <a:solidFill>
+          <a:schemeClr val="tx1"/>
+        </a:solidFill>
+        <a:latin typeface="+mn-lt"/>
+        <a:ea typeface="+mn-ea"/>
+        <a:cs typeface="+mn-cs"/>
+      </a:defRPr>
+    </a:lvl8pPr>
+    <a:lvl9pPr marL="3657600" algn="l" defTabSz="914400" rtl="0" eaLnBrk="1" latinLnBrk="0" hangingPunct="1">
+      <a:defRPr kumimoji="1" sz="1200" kern="1200">
+        <a:solidFill>
+          <a:schemeClr val="tx1"/>
+        </a:solidFill>
+        <a:latin typeface="+mn-lt"/>
+        <a:ea typeface="+mn-ea"/>
+        <a:cs typeface="+mn-cs"/>
+      </a:defRPr>
+    </a:lvl9pPr>
+  </p:notesStyle>
+</p:notesMaster>
+</file>
+
+<file path=ppt/notesSlides/notesSlide1.xml><?xml version="1.0" encoding="utf-8"?>
+<p:notes xmlns:a="http://schemas.openxmlformats.org/drawingml/2006/main" xmlns:r="http://schemas.openxmlformats.org/officeDocument/2006/relationships" xmlns:p="http://schemas.openxmlformats.org/presentationml/2006/main">
+  <p:cSld>
+    <p:spTree>
+      <p:nvGrpSpPr>
+        <p:cNvPr id="1" name=""/>
+        <p:cNvGrpSpPr/>
+        <p:nvPr/>
+      </p:nvGrpSpPr>
+      <p:grpSpPr>
+        <a:xfrm>
+          <a:off x="0" y="0"/>
+          <a:ext cx="0" cy="0"/>
+          <a:chOff x="0" y="0"/>
+          <a:chExt cx="0" cy="0"/>
+        </a:xfrm>
+      </p:grpSpPr>
+      <p:sp>
+        <p:nvSpPr>
+          <p:cNvPr id="2" name="スライド イメージ プレースホルダー 1"/>
+          <p:cNvSpPr>
+            <a:spLocks noGrp="1" noRot="1" noChangeAspect="1"/>
+          </p:cNvSpPr>
+          <p:nvPr>
+            <p:ph type="sldImg"/>
+          </p:nvPr>
+        </p:nvSpPr>
+        <p:spPr/>
+      </p:sp>
+      <p:sp>
+        <p:nvSpPr>
+          <p:cNvPr id="3" name="ノート プレースホルダー 2"/>
+          <p:cNvSpPr>
+            <a:spLocks noGrp="1"/>
+          </p:cNvSpPr>
+          <p:nvPr>
+            <p:ph type="body" idx="1"/>
+          </p:nvPr>
+        </p:nvSpPr>
+        <p:spPr/>
+        <p:txBody>
+          <a:bodyPr/>
+          <a:lstStyle/>
+          <a:p>
+            <a:endParaRPr kumimoji="1" lang="ja-JP" altLang="en-US"/>
+          </a:p>
+        </p:txBody>
+      </p:sp>
+      <p:sp>
+        <p:nvSpPr>
+          <p:cNvPr id="4" name="スライド番号プレースホルダー 3"/>
+          <p:cNvSpPr>
+            <a:spLocks noGrp="1"/>
+          </p:cNvSpPr>
+          <p:nvPr>
+            <p:ph type="sldNum" sz="quarter" idx="5"/>
+          </p:nvPr>
+        </p:nvSpPr>
+        <p:spPr/>
+        <p:txBody>
+          <a:bodyPr/>
+          <a:lstStyle/>
+          <a:p>
+            <a:fld id="{3FCDAB53-57C9-F042-B46F-86E258F4C584}" type="slidenum">
+              <a:t>16</a:t>
+            </a:fld>
+            <a:endParaRPr kumimoji="1" lang="ja-JP" altLang="en-US"/>
+          </a:p>
+        </p:txBody>
+      </p:sp>
+    </p:spTree>
+    <p:extLst>
+      <p:ext uri="{BB962C8B-B14F-4D97-AF65-F5344CB8AC3E}">
+        <p14:creationId xmlns:p14="http://schemas.microsoft.com/office/powerpoint/2010/main" val="3665831280"/>
+      </p:ext>
+    </p:extLst>
+  </p:cSld>
+  <p:clrMapOvr>
+    <a:masterClrMapping/>
+  </p:clrMapOvr>
+</p:notes>
 </file>
 
 <file path=ppt/slideLayouts/slideLayout1.xml><?xml version="1.0" encoding="utf-8"?>
@@ -3693,6 +4159,124 @@
           <p:cNvPr id="2" name="タイトル 1">
             <a:extLst>
               <a:ext uri="{FF2B5EF4-FFF2-40B4-BE49-F238E27FC236}">
+                <a16:creationId xmlns:a16="http://schemas.microsoft.com/office/drawing/2014/main" id="{D2D04897-4049-794E-B114-C4376DE92E1F}"/>
+              </a:ext>
+            </a:extLst>
+          </p:cNvPr>
+          <p:cNvSpPr>
+            <a:spLocks noGrp="1"/>
+          </p:cNvSpPr>
+          <p:nvPr>
+            <p:ph type="title"/>
+          </p:nvPr>
+        </p:nvSpPr>
+        <p:spPr/>
+        <p:txBody>
+          <a:bodyPr/>
+          <a:lstStyle/>
+          <a:p>
+            <a:r>
+              <a:rPr lang="en-US" altLang="ja-JP"/>
+              <a:t>Improvement efficiency</a:t>
+            </a:r>
+            <a:endParaRPr kumimoji="1" lang="ja-JP" altLang="en-US"/>
+          </a:p>
+        </p:txBody>
+      </p:sp>
+      <p:sp>
+        <p:nvSpPr>
+          <p:cNvPr id="3" name="コンテンツ プレースホルダー 2">
+            <a:extLst>
+              <a:ext uri="{FF2B5EF4-FFF2-40B4-BE49-F238E27FC236}">
+                <a16:creationId xmlns:a16="http://schemas.microsoft.com/office/drawing/2014/main" id="{D28DC560-FF1A-DD45-8697-680F5C7A2136}"/>
+              </a:ext>
+            </a:extLst>
+          </p:cNvPr>
+          <p:cNvSpPr>
+            <a:spLocks noGrp="1"/>
+          </p:cNvSpPr>
+          <p:nvPr>
+            <p:ph idx="1"/>
+          </p:nvPr>
+        </p:nvSpPr>
+        <p:spPr/>
+        <p:txBody>
+          <a:bodyPr/>
+          <a:lstStyle/>
+          <a:p>
+            <a:pPr marL="514350" indent="-514350">
+              <a:buFont typeface="+mj-lt"/>
+              <a:buAutoNum type="arabicPeriod"/>
+            </a:pPr>
+            <a:endParaRPr lang="en-US" altLang="ja-JP"/>
+          </a:p>
+          <a:p>
+            <a:pPr marL="514350" indent="-514350">
+              <a:buFont typeface="+mj-lt"/>
+              <a:buAutoNum type="arabicPeriod"/>
+            </a:pPr>
+            <a:r>
+              <a:rPr lang="en-US" altLang="ja-JP"/>
+              <a:t>Recursive function has distance information(start -&gt; now position), so if the distance is bigger than roots[K].distance, stop the recursive. -&gt; Waste recursive has been minimized.</a:t>
+            </a:r>
+          </a:p>
+          <a:p>
+            <a:pPr marL="514350" indent="-514350">
+              <a:buFont typeface="+mj-lt"/>
+              <a:buAutoNum type="arabicPeriod"/>
+            </a:pPr>
+            <a:r>
+              <a:rPr lang="en-US" altLang="ja-JP"/>
+              <a:t>High priority segments and points is going ahead.</a:t>
+            </a:r>
+          </a:p>
+          <a:p>
+            <a:pPr marL="514350" indent="-514350">
+              <a:buFont typeface="+mj-lt"/>
+              <a:buAutoNum type="arabicPeriod"/>
+            </a:pPr>
+            <a:r>
+              <a:rPr lang="en-US" altLang="ja-JP"/>
+              <a:t>If goal points have no contacted segments, Do not run recursive func.</a:t>
+            </a:r>
+          </a:p>
+        </p:txBody>
+      </p:sp>
+    </p:spTree>
+    <p:extLst>
+      <p:ext uri="{BB962C8B-B14F-4D97-AF65-F5344CB8AC3E}">
+        <p14:creationId xmlns:p14="http://schemas.microsoft.com/office/powerpoint/2010/main" val="612854101"/>
+      </p:ext>
+    </p:extLst>
+  </p:cSld>
+  <p:clrMapOvr>
+    <a:masterClrMapping/>
+  </p:clrMapOvr>
+</p:sld>
+</file>
+
+<file path=ppt/slides/slide11.xml><?xml version="1.0" encoding="utf-8"?>
+<p:sld xmlns:a="http://schemas.openxmlformats.org/drawingml/2006/main" xmlns:r="http://schemas.openxmlformats.org/officeDocument/2006/relationships" xmlns:p="http://schemas.openxmlformats.org/presentationml/2006/main">
+  <p:cSld>
+    <p:spTree>
+      <p:nvGrpSpPr>
+        <p:cNvPr id="1" name=""/>
+        <p:cNvGrpSpPr/>
+        <p:nvPr/>
+      </p:nvGrpSpPr>
+      <p:grpSpPr>
+        <a:xfrm>
+          <a:off x="0" y="0"/>
+          <a:ext cx="0" cy="0"/>
+          <a:chOff x="0" y="0"/>
+          <a:chExt cx="0" cy="0"/>
+        </a:xfrm>
+      </p:grpSpPr>
+      <p:sp>
+        <p:nvSpPr>
+          <p:cNvPr id="2" name="タイトル 1">
+            <a:extLst>
+              <a:ext uri="{FF2B5EF4-FFF2-40B4-BE49-F238E27FC236}">
                 <a16:creationId xmlns:a16="http://schemas.microsoft.com/office/drawing/2014/main" id="{5E849E72-EDB4-8A47-86D4-F6B3CDABBAF2}"/>
               </a:ext>
             </a:extLst>
@@ -3710,7 +4294,7 @@
           <a:lstStyle/>
           <a:p>
             <a:r>
-              <a:rPr lang="en" altLang="ja-JP" b="1"/>
+              <a:rPr lang="en" altLang="ja-JP"/>
               <a:t>Algorithms: Adding new point to network</a:t>
             </a:r>
             <a:endParaRPr kumimoji="1" lang="ja-JP" altLang="en-US"/>
@@ -3828,7 +4412,91 @@
 </p:sld>
 </file>
 
-<file path=ppt/slides/slide11.xml><?xml version="1.0" encoding="utf-8"?>
+<file path=ppt/slides/slide12.xml><?xml version="1.0" encoding="utf-8"?>
+<p:sld xmlns:a="http://schemas.openxmlformats.org/drawingml/2006/main" xmlns:r="http://schemas.openxmlformats.org/officeDocument/2006/relationships" xmlns:p="http://schemas.openxmlformats.org/presentationml/2006/main">
+  <p:cSld>
+    <p:spTree>
+      <p:nvGrpSpPr>
+        <p:cNvPr id="1" name=""/>
+        <p:cNvGrpSpPr/>
+        <p:nvPr/>
+      </p:nvGrpSpPr>
+      <p:grpSpPr>
+        <a:xfrm>
+          <a:off x="0" y="0"/>
+          <a:ext cx="0" cy="0"/>
+          <a:chOff x="0" y="0"/>
+          <a:chExt cx="0" cy="0"/>
+        </a:xfrm>
+      </p:grpSpPr>
+      <p:sp>
+        <p:nvSpPr>
+          <p:cNvPr id="2" name="タイトル 1">
+            <a:extLst>
+              <a:ext uri="{FF2B5EF4-FFF2-40B4-BE49-F238E27FC236}">
+                <a16:creationId xmlns:a16="http://schemas.microsoft.com/office/drawing/2014/main" id="{3E5E3CCC-D57A-2241-B4AB-186634CC942E}"/>
+              </a:ext>
+            </a:extLst>
+          </p:cNvPr>
+          <p:cNvSpPr>
+            <a:spLocks noGrp="1"/>
+          </p:cNvSpPr>
+          <p:nvPr>
+            <p:ph type="title"/>
+          </p:nvPr>
+        </p:nvSpPr>
+        <p:spPr/>
+        <p:txBody>
+          <a:bodyPr/>
+          <a:lstStyle/>
+          <a:p>
+            <a:r>
+              <a:rPr kumimoji="1" lang="en-US" altLang="ja-JP"/>
+              <a:t>Orders</a:t>
+            </a:r>
+            <a:endParaRPr kumimoji="1" lang="ja-JP" altLang="en-US"/>
+          </a:p>
+        </p:txBody>
+      </p:sp>
+      <p:sp>
+        <p:nvSpPr>
+          <p:cNvPr id="3" name="コンテンツ プレースホルダー 2">
+            <a:extLst>
+              <a:ext uri="{FF2B5EF4-FFF2-40B4-BE49-F238E27FC236}">
+                <a16:creationId xmlns:a16="http://schemas.microsoft.com/office/drawing/2014/main" id="{3DDE05F9-B9B7-2644-9CAF-9F76660F8B4F}"/>
+              </a:ext>
+            </a:extLst>
+          </p:cNvPr>
+          <p:cNvSpPr>
+            <a:spLocks noGrp="1"/>
+          </p:cNvSpPr>
+          <p:nvPr>
+            <p:ph idx="1"/>
+          </p:nvPr>
+        </p:nvSpPr>
+        <p:spPr/>
+        <p:txBody>
+          <a:bodyPr/>
+          <a:lstStyle/>
+          <a:p>
+            <a:endParaRPr kumimoji="1" lang="ja-JP" altLang="en-US"/>
+          </a:p>
+        </p:txBody>
+      </p:sp>
+    </p:spTree>
+    <p:extLst>
+      <p:ext uri="{BB962C8B-B14F-4D97-AF65-F5344CB8AC3E}">
+        <p14:creationId xmlns:p14="http://schemas.microsoft.com/office/powerpoint/2010/main" val="3193439304"/>
+      </p:ext>
+    </p:extLst>
+  </p:cSld>
+  <p:clrMapOvr>
+    <a:masterClrMapping/>
+  </p:clrMapOvr>
+</p:sld>
+</file>
+
+<file path=ppt/slides/slide13.xml><?xml version="1.0" encoding="utf-8"?>
 <p:sld xmlns:a="http://schemas.openxmlformats.org/drawingml/2006/main" xmlns:r="http://schemas.openxmlformats.org/officeDocument/2006/relationships" xmlns:p="http://schemas.openxmlformats.org/presentationml/2006/main">
   <p:cSld>
     <p:spTree>
@@ -3988,184 +4656,6 @@
 </p:sld>
 </file>
 
-<file path=ppt/slides/slide12.xml><?xml version="1.0" encoding="utf-8"?>
-<p:sld xmlns:a="http://schemas.openxmlformats.org/drawingml/2006/main" xmlns:r="http://schemas.openxmlformats.org/officeDocument/2006/relationships" xmlns:p="http://schemas.openxmlformats.org/presentationml/2006/main">
-  <p:cSld>
-    <p:spTree>
-      <p:nvGrpSpPr>
-        <p:cNvPr id="1" name=""/>
-        <p:cNvGrpSpPr/>
-        <p:nvPr/>
-      </p:nvGrpSpPr>
-      <p:grpSpPr>
-        <a:xfrm>
-          <a:off x="0" y="0"/>
-          <a:ext cx="0" cy="0"/>
-          <a:chOff x="0" y="0"/>
-          <a:chExt cx="0" cy="0"/>
-        </a:xfrm>
-      </p:grpSpPr>
-      <p:sp>
-        <p:nvSpPr>
-          <p:cNvPr id="2" name="タイトル 1">
-            <a:extLst>
-              <a:ext uri="{FF2B5EF4-FFF2-40B4-BE49-F238E27FC236}">
-                <a16:creationId xmlns:a16="http://schemas.microsoft.com/office/drawing/2014/main" id="{E5276993-FED4-164D-AA5C-EC17E7957903}"/>
-              </a:ext>
-            </a:extLst>
-          </p:cNvPr>
-          <p:cNvSpPr>
-            <a:spLocks noGrp="1"/>
-          </p:cNvSpPr>
-          <p:nvPr>
-            <p:ph type="title"/>
-          </p:nvPr>
-        </p:nvSpPr>
-        <p:spPr/>
-        <p:txBody>
-          <a:bodyPr/>
-          <a:lstStyle/>
-          <a:p>
-            <a:r>
-              <a:rPr kumimoji="1" lang="en-US" altLang="ja-JP"/>
-              <a:t>Testdata generator</a:t>
-            </a:r>
-            <a:endParaRPr kumimoji="1" lang="ja-JP" altLang="en-US"/>
-          </a:p>
-        </p:txBody>
-      </p:sp>
-      <p:sp>
-        <p:nvSpPr>
-          <p:cNvPr id="3" name="コンテンツ プレースホルダー 2">
-            <a:extLst>
-              <a:ext uri="{FF2B5EF4-FFF2-40B4-BE49-F238E27FC236}">
-                <a16:creationId xmlns:a16="http://schemas.microsoft.com/office/drawing/2014/main" id="{FE6067C5-CA75-754B-9259-7B81259EBD2C}"/>
-              </a:ext>
-            </a:extLst>
-          </p:cNvPr>
-          <p:cNvSpPr>
-            <a:spLocks noGrp="1"/>
-          </p:cNvSpPr>
-          <p:nvPr>
-            <p:ph idx="1"/>
-          </p:nvPr>
-        </p:nvSpPr>
-        <p:spPr/>
-        <p:txBody>
-          <a:bodyPr/>
-          <a:lstStyle/>
-          <a:p>
-            <a:r>
-              <a:rPr kumimoji="1" lang="en-US" altLang="ja-JP"/>
-              <a:t>We made testdata Generator for max input and minimun input.</a:t>
-            </a:r>
-          </a:p>
-          <a:p>
-            <a:r>
-              <a:rPr lang="en-US" altLang="ja-JP"/>
-              <a:t>We created other testdatas(for normal and special cases) by hand.</a:t>
-            </a:r>
-            <a:endParaRPr kumimoji="1" lang="ja-JP" altLang="en-US"/>
-          </a:p>
-        </p:txBody>
-      </p:sp>
-    </p:spTree>
-    <p:extLst>
-      <p:ext uri="{BB962C8B-B14F-4D97-AF65-F5344CB8AC3E}">
-        <p14:creationId xmlns:p14="http://schemas.microsoft.com/office/powerpoint/2010/main" val="2223965813"/>
-      </p:ext>
-    </p:extLst>
-  </p:cSld>
-  <p:clrMapOvr>
-    <a:masterClrMapping/>
-  </p:clrMapOvr>
-</p:sld>
-</file>
-
-<file path=ppt/slides/slide13.xml><?xml version="1.0" encoding="utf-8"?>
-<p:sld xmlns:a="http://schemas.openxmlformats.org/drawingml/2006/main" xmlns:r="http://schemas.openxmlformats.org/officeDocument/2006/relationships" xmlns:p="http://schemas.openxmlformats.org/presentationml/2006/main">
-  <p:cSld>
-    <p:spTree>
-      <p:nvGrpSpPr>
-        <p:cNvPr id="1" name=""/>
-        <p:cNvGrpSpPr/>
-        <p:nvPr/>
-      </p:nvGrpSpPr>
-      <p:grpSpPr>
-        <a:xfrm>
-          <a:off x="0" y="0"/>
-          <a:ext cx="0" cy="0"/>
-          <a:chOff x="0" y="0"/>
-          <a:chExt cx="0" cy="0"/>
-        </a:xfrm>
-      </p:grpSpPr>
-      <p:sp>
-        <p:nvSpPr>
-          <p:cNvPr id="2" name="タイトル 1">
-            <a:extLst>
-              <a:ext uri="{FF2B5EF4-FFF2-40B4-BE49-F238E27FC236}">
-                <a16:creationId xmlns:a16="http://schemas.microsoft.com/office/drawing/2014/main" id="{665EDAAD-51D2-B54F-B379-F758A2C61CBD}"/>
-              </a:ext>
-            </a:extLst>
-          </p:cNvPr>
-          <p:cNvSpPr>
-            <a:spLocks noGrp="1"/>
-          </p:cNvSpPr>
-          <p:nvPr>
-            <p:ph type="title"/>
-          </p:nvPr>
-        </p:nvSpPr>
-        <p:spPr/>
-        <p:txBody>
-          <a:bodyPr/>
-          <a:lstStyle/>
-          <a:p>
-            <a:r>
-              <a:rPr kumimoji="1" lang="en-US" altLang="ja-JP"/>
-              <a:t>Contribution(Git Contributors)</a:t>
-            </a:r>
-            <a:endParaRPr kumimoji="1" lang="ja-JP" altLang="en-US"/>
-          </a:p>
-        </p:txBody>
-      </p:sp>
-      <p:sp>
-        <p:nvSpPr>
-          <p:cNvPr id="3" name="コンテンツ プレースホルダー 2">
-            <a:extLst>
-              <a:ext uri="{FF2B5EF4-FFF2-40B4-BE49-F238E27FC236}">
-                <a16:creationId xmlns:a16="http://schemas.microsoft.com/office/drawing/2014/main" id="{94183684-3FBC-0B4A-951F-094DA5929343}"/>
-              </a:ext>
-            </a:extLst>
-          </p:cNvPr>
-          <p:cNvSpPr>
-            <a:spLocks noGrp="1"/>
-          </p:cNvSpPr>
-          <p:nvPr>
-            <p:ph idx="1"/>
-          </p:nvPr>
-        </p:nvSpPr>
-        <p:spPr/>
-        <p:txBody>
-          <a:bodyPr/>
-          <a:lstStyle/>
-          <a:p>
-            <a:endParaRPr kumimoji="1" lang="ja-JP" altLang="en-US"/>
-          </a:p>
-        </p:txBody>
-      </p:sp>
-    </p:spTree>
-    <p:extLst>
-      <p:ext uri="{BB962C8B-B14F-4D97-AF65-F5344CB8AC3E}">
-        <p14:creationId xmlns:p14="http://schemas.microsoft.com/office/powerpoint/2010/main" val="1595393690"/>
-      </p:ext>
-    </p:extLst>
-  </p:cSld>
-  <p:clrMapOvr>
-    <a:masterClrMapping/>
-  </p:clrMapOvr>
-</p:sld>
-</file>
-
 <file path=ppt/slides/slide14.xml><?xml version="1.0" encoding="utf-8"?>
 <p:sld xmlns:a="http://schemas.openxmlformats.org/drawingml/2006/main" xmlns:r="http://schemas.openxmlformats.org/officeDocument/2006/relationships" xmlns:p="http://schemas.openxmlformats.org/presentationml/2006/main">
   <p:cSld>
@@ -4188,7 +4678,7 @@
           <p:cNvPr id="2" name="タイトル 1">
             <a:extLst>
               <a:ext uri="{FF2B5EF4-FFF2-40B4-BE49-F238E27FC236}">
-                <a16:creationId xmlns:a16="http://schemas.microsoft.com/office/drawing/2014/main" id="{BA6A3530-5383-0647-97BF-3CA66069A9BC}"/>
+                <a16:creationId xmlns:a16="http://schemas.microsoft.com/office/drawing/2014/main" id="{E5276993-FED4-164D-AA5C-EC17E7957903}"/>
               </a:ext>
             </a:extLst>
           </p:cNvPr>
@@ -4205,502 +4695,52 @@
           <a:lstStyle/>
           <a:p>
             <a:r>
+              <a:rPr kumimoji="1" lang="en-US" altLang="ja-JP"/>
+              <a:t>Testdata generator</a:t>
+            </a:r>
+            <a:endParaRPr kumimoji="1" lang="ja-JP" altLang="en-US"/>
+          </a:p>
+        </p:txBody>
+      </p:sp>
+      <p:sp>
+        <p:nvSpPr>
+          <p:cNvPr id="3" name="コンテンツ プレースホルダー 2">
+            <a:extLst>
+              <a:ext uri="{FF2B5EF4-FFF2-40B4-BE49-F238E27FC236}">
+                <a16:creationId xmlns:a16="http://schemas.microsoft.com/office/drawing/2014/main" id="{FE6067C5-CA75-754B-9259-7B81259EBD2C}"/>
+              </a:ext>
+            </a:extLst>
+          </p:cNvPr>
+          <p:cNvSpPr>
+            <a:spLocks noGrp="1"/>
+          </p:cNvSpPr>
+          <p:nvPr>
+            <p:ph idx="1"/>
+          </p:nvPr>
+        </p:nvSpPr>
+        <p:spPr/>
+        <p:txBody>
+          <a:bodyPr/>
+          <a:lstStyle/>
+          <a:p>
+            <a:r>
+              <a:rPr kumimoji="1" lang="en-US" altLang="ja-JP"/>
+              <a:t>We made testdata Generator for max input and minimun input.</a:t>
+            </a:r>
+          </a:p>
+          <a:p>
+            <a:r>
               <a:rPr lang="en-US" altLang="ja-JP"/>
-              <a:t>Contribution(LOC)</a:t>
+              <a:t>We created other testdatas(for normal and special cases) by hand.</a:t>
             </a:r>
             <a:endParaRPr kumimoji="1" lang="ja-JP" altLang="en-US"/>
           </a:p>
         </p:txBody>
       </p:sp>
-      <p:graphicFrame>
-        <p:nvGraphicFramePr>
-          <p:cNvPr id="4" name="コンテンツ プレースホルダー 3">
-            <a:extLst>
-              <a:ext uri="{FF2B5EF4-FFF2-40B4-BE49-F238E27FC236}">
-                <a16:creationId xmlns:a16="http://schemas.microsoft.com/office/drawing/2014/main" id="{BAE7CC69-FD7B-434E-9484-D2A32A6EF1C8}"/>
-              </a:ext>
-            </a:extLst>
-          </p:cNvPr>
-          <p:cNvGraphicFramePr>
-            <a:graphicFrameLocks noGrp="1"/>
-          </p:cNvGraphicFramePr>
-          <p:nvPr>
-            <p:ph idx="1"/>
-            <p:extLst>
-              <p:ext uri="{D42A27DB-BD31-4B8C-83A1-F6EECF244321}">
-                <p14:modId xmlns:p14="http://schemas.microsoft.com/office/powerpoint/2010/main" val="2097172118"/>
-              </p:ext>
-            </p:extLst>
-          </p:nvPr>
-        </p:nvGraphicFramePr>
-        <p:xfrm>
-          <a:off x="838200" y="2169153"/>
-          <a:ext cx="9388547" cy="1964499"/>
-        </p:xfrm>
-        <a:graphic>
-          <a:graphicData uri="http://schemas.openxmlformats.org/drawingml/2006/table">
-            <a:tbl>
-              <a:tblPr firstRow="1" bandRow="1">
-                <a:tableStyleId>{5C22544A-7EE6-4342-B048-85BDC9FD1C3A}</a:tableStyleId>
-              </a:tblPr>
-              <a:tblGrid>
-                <a:gridCol w="1341221">
-                  <a:extLst>
-                    <a:ext uri="{9D8B030D-6E8A-4147-A177-3AD203B41FA5}">
-                      <a16:colId xmlns:a16="http://schemas.microsoft.com/office/drawing/2014/main" val="3217993574"/>
-                    </a:ext>
-                  </a:extLst>
-                </a:gridCol>
-                <a:gridCol w="1341221">
-                  <a:extLst>
-                    <a:ext uri="{9D8B030D-6E8A-4147-A177-3AD203B41FA5}">
-                      <a16:colId xmlns:a16="http://schemas.microsoft.com/office/drawing/2014/main" val="633593776"/>
-                    </a:ext>
-                  </a:extLst>
-                </a:gridCol>
-                <a:gridCol w="1341221">
-                  <a:extLst>
-                    <a:ext uri="{9D8B030D-6E8A-4147-A177-3AD203B41FA5}">
-                      <a16:colId xmlns:a16="http://schemas.microsoft.com/office/drawing/2014/main" val="2257799984"/>
-                    </a:ext>
-                  </a:extLst>
-                </a:gridCol>
-                <a:gridCol w="1341221">
-                  <a:extLst>
-                    <a:ext uri="{9D8B030D-6E8A-4147-A177-3AD203B41FA5}">
-                      <a16:colId xmlns:a16="http://schemas.microsoft.com/office/drawing/2014/main" val="4033584841"/>
-                    </a:ext>
-                  </a:extLst>
-                </a:gridCol>
-                <a:gridCol w="1341221">
-                  <a:extLst>
-                    <a:ext uri="{9D8B030D-6E8A-4147-A177-3AD203B41FA5}">
-                      <a16:colId xmlns:a16="http://schemas.microsoft.com/office/drawing/2014/main" val="1843364640"/>
-                    </a:ext>
-                  </a:extLst>
-                </a:gridCol>
-                <a:gridCol w="1341221">
-                  <a:extLst>
-                    <a:ext uri="{9D8B030D-6E8A-4147-A177-3AD203B41FA5}">
-                      <a16:colId xmlns:a16="http://schemas.microsoft.com/office/drawing/2014/main" val="1805274098"/>
-                    </a:ext>
-                  </a:extLst>
-                </a:gridCol>
-                <a:gridCol w="1341221">
-                  <a:extLst>
-                    <a:ext uri="{9D8B030D-6E8A-4147-A177-3AD203B41FA5}">
-                      <a16:colId xmlns:a16="http://schemas.microsoft.com/office/drawing/2014/main" val="4155658919"/>
-                    </a:ext>
-                  </a:extLst>
-                </a:gridCol>
-              </a:tblGrid>
-              <a:tr h="587966">
-                <a:tc>
-                  <a:txBody>
-                    <a:bodyPr/>
-                    <a:lstStyle/>
-                    <a:p>
-                      <a:r>
-                        <a:rPr kumimoji="1" lang="ja-JP" altLang="en-US"/>
-                        <a:t>メンバー</a:t>
-                      </a:r>
-                    </a:p>
-                  </a:txBody>
-                  <a:tcPr/>
-                </a:tc>
-                <a:tc>
-                  <a:txBody>
-                    <a:bodyPr/>
-                    <a:lstStyle/>
-                    <a:p>
-                      <a:r>
-                        <a:rPr kumimoji="1" lang="ja-JP" altLang="en-US"/>
-                        <a:t>設計</a:t>
-                      </a:r>
-                      <a:r>
-                        <a:rPr kumimoji="1" lang="en-US" altLang="ja-JP"/>
-                        <a:t>(</a:t>
-                      </a:r>
-                      <a:r>
-                        <a:rPr kumimoji="1" lang="ja-JP" altLang="en-US"/>
-                        <a:t>時間</a:t>
-                      </a:r>
-                      <a:r>
-                        <a:rPr kumimoji="1" lang="en-US" altLang="ja-JP"/>
-                        <a:t>)</a:t>
-                      </a:r>
-                      <a:endParaRPr kumimoji="1" lang="ja-JP" altLang="en-US"/>
-                    </a:p>
-                  </a:txBody>
-                  <a:tcPr/>
-                </a:tc>
-                <a:tc>
-                  <a:txBody>
-                    <a:bodyPr/>
-                    <a:lstStyle/>
-                    <a:p>
-                      <a:r>
-                        <a:rPr kumimoji="1" lang="ja-JP" altLang="en-US"/>
-                        <a:t>実装</a:t>
-                      </a:r>
-                      <a:r>
-                        <a:rPr kumimoji="1" lang="en-US" altLang="ja-JP"/>
-                        <a:t>(</a:t>
-                      </a:r>
-                      <a:r>
-                        <a:rPr kumimoji="1" lang="ja-JP" altLang="en-US"/>
-                        <a:t>時間</a:t>
-                      </a:r>
-                      <a:r>
-                        <a:rPr kumimoji="1" lang="en-US" altLang="ja-JP"/>
-                        <a:t>)</a:t>
-                      </a:r>
-                      <a:endParaRPr kumimoji="1" lang="ja-JP" altLang="en-US"/>
-                    </a:p>
-                  </a:txBody>
-                  <a:tcPr/>
-                </a:tc>
-                <a:tc>
-                  <a:txBody>
-                    <a:bodyPr/>
-                    <a:lstStyle/>
-                    <a:p>
-                      <a:r>
-                        <a:rPr kumimoji="1" lang="ja-JP" altLang="en-US"/>
-                        <a:t>テスト</a:t>
-                      </a:r>
-                      <a:r>
-                        <a:rPr kumimoji="1" lang="en-US" altLang="ja-JP"/>
-                        <a:t>(</a:t>
-                      </a:r>
-                      <a:r>
-                        <a:rPr kumimoji="1" lang="ja-JP" altLang="en-US"/>
-                        <a:t>時間</a:t>
-                      </a:r>
-                      <a:r>
-                        <a:rPr kumimoji="1" lang="en-US" altLang="ja-JP"/>
-                        <a:t>)</a:t>
-                      </a:r>
-                      <a:endParaRPr kumimoji="1" lang="ja-JP" altLang="en-US"/>
-                    </a:p>
-                  </a:txBody>
-                  <a:tcPr/>
-                </a:tc>
-                <a:tc>
-                  <a:txBody>
-                    <a:bodyPr/>
-                    <a:lstStyle/>
-                    <a:p>
-                      <a:r>
-                        <a:rPr kumimoji="1" lang="ja-JP" altLang="en-US"/>
-                        <a:t>合計</a:t>
-                      </a:r>
-                      <a:r>
-                        <a:rPr kumimoji="1" lang="en-US" altLang="ja-JP"/>
-                        <a:t>(</a:t>
-                      </a:r>
-                      <a:r>
-                        <a:rPr kumimoji="1" lang="ja-JP" altLang="en-US"/>
-                        <a:t>時間</a:t>
-                      </a:r>
-                      <a:r>
-                        <a:rPr kumimoji="1" lang="en-US" altLang="ja-JP"/>
-                        <a:t>)</a:t>
-                      </a:r>
-                      <a:endParaRPr kumimoji="1" lang="ja-JP" altLang="en-US"/>
-                    </a:p>
-                  </a:txBody>
-                  <a:tcPr/>
-                </a:tc>
-                <a:tc>
-                  <a:txBody>
-                    <a:bodyPr/>
-                    <a:lstStyle/>
-                    <a:p>
-                      <a:r>
-                        <a:rPr kumimoji="1" lang="ja-JP" altLang="en-US"/>
-                        <a:t>行数</a:t>
-                      </a:r>
-                    </a:p>
-                  </a:txBody>
-                  <a:tcPr/>
-                </a:tc>
-                <a:tc>
-                  <a:txBody>
-                    <a:bodyPr/>
-                    <a:lstStyle/>
-                    <a:p>
-                      <a:r>
-                        <a:rPr kumimoji="1" lang="ja-JP" altLang="en-US"/>
-                        <a:t>効率</a:t>
-                      </a:r>
-                    </a:p>
-                  </a:txBody>
-                  <a:tcPr/>
-                </a:tc>
-                <a:extLst>
-                  <a:ext uri="{0D108BD9-81ED-4DB2-BD59-A6C34878D82A}">
-                    <a16:rowId xmlns:a16="http://schemas.microsoft.com/office/drawing/2014/main" val="3058682369"/>
-                  </a:ext>
-                </a:extLst>
-              </a:tr>
-              <a:tr h="441473">
-                <a:tc>
-                  <a:txBody>
-                    <a:bodyPr/>
-                    <a:lstStyle/>
-                    <a:p>
-                      <a:r>
-                        <a:rPr kumimoji="1" lang="ja-JP" altLang="en-US"/>
-                        <a:t>越川空</a:t>
-                      </a:r>
-                    </a:p>
-                  </a:txBody>
-                  <a:tcPr/>
-                </a:tc>
-                <a:tc>
-                  <a:txBody>
-                    <a:bodyPr/>
-                    <a:lstStyle/>
-                    <a:p>
-                      <a:endParaRPr kumimoji="1" lang="ja-JP" altLang="en-US"/>
-                    </a:p>
-                  </a:txBody>
-                  <a:tcPr/>
-                </a:tc>
-                <a:tc>
-                  <a:txBody>
-                    <a:bodyPr/>
-                    <a:lstStyle/>
-                    <a:p>
-                      <a:endParaRPr kumimoji="1" lang="ja-JP" altLang="en-US"/>
-                    </a:p>
-                  </a:txBody>
-                  <a:tcPr/>
-                </a:tc>
-                <a:tc>
-                  <a:txBody>
-                    <a:bodyPr/>
-                    <a:lstStyle/>
-                    <a:p>
-                      <a:endParaRPr kumimoji="1" lang="ja-JP" altLang="en-US"/>
-                    </a:p>
-                  </a:txBody>
-                  <a:tcPr/>
-                </a:tc>
-                <a:tc>
-                  <a:txBody>
-                    <a:bodyPr/>
-                    <a:lstStyle/>
-                    <a:p>
-                      <a:endParaRPr kumimoji="1" lang="ja-JP" altLang="en-US"/>
-                    </a:p>
-                  </a:txBody>
-                  <a:tcPr/>
-                </a:tc>
-                <a:tc>
-                  <a:txBody>
-                    <a:bodyPr/>
-                    <a:lstStyle/>
-                    <a:p>
-                      <a:r>
-                        <a:rPr kumimoji="1" lang="en-US" altLang="ja-JP"/>
-                        <a:t>76</a:t>
-                      </a:r>
-                      <a:endParaRPr kumimoji="1" lang="ja-JP" altLang="en-US"/>
-                    </a:p>
-                  </a:txBody>
-                  <a:tcPr/>
-                </a:tc>
-                <a:tc>
-                  <a:txBody>
-                    <a:bodyPr/>
-                    <a:lstStyle/>
-                    <a:p>
-                      <a:endParaRPr kumimoji="1" lang="ja-JP" altLang="en-US"/>
-                    </a:p>
-                  </a:txBody>
-                  <a:tcPr/>
-                </a:tc>
-                <a:extLst>
-                  <a:ext uri="{0D108BD9-81ED-4DB2-BD59-A6C34878D82A}">
-                    <a16:rowId xmlns:a16="http://schemas.microsoft.com/office/drawing/2014/main" val="3433945557"/>
-                  </a:ext>
-                </a:extLst>
-              </a:tr>
-              <a:tr h="441473">
-                <a:tc>
-                  <a:txBody>
-                    <a:bodyPr/>
-                    <a:lstStyle/>
-                    <a:p>
-                      <a:r>
-                        <a:rPr kumimoji="1" lang="ja-JP" altLang="en-US"/>
-                        <a:t>木村魁人</a:t>
-                      </a:r>
-                      <a:endParaRPr kumimoji="1" lang="en-US" altLang="ja-JP"/>
-                    </a:p>
-                  </a:txBody>
-                  <a:tcPr/>
-                </a:tc>
-                <a:tc>
-                  <a:txBody>
-                    <a:bodyPr/>
-                    <a:lstStyle/>
-                    <a:p>
-                      <a:endParaRPr kumimoji="1" lang="ja-JP" altLang="en-US"/>
-                    </a:p>
-                  </a:txBody>
-                  <a:tcPr/>
-                </a:tc>
-                <a:tc>
-                  <a:txBody>
-                    <a:bodyPr/>
-                    <a:lstStyle/>
-                    <a:p>
-                      <a:endParaRPr kumimoji="1" lang="ja-JP" altLang="en-US"/>
-                    </a:p>
-                  </a:txBody>
-                  <a:tcPr/>
-                </a:tc>
-                <a:tc>
-                  <a:txBody>
-                    <a:bodyPr/>
-                    <a:lstStyle/>
-                    <a:p>
-                      <a:endParaRPr kumimoji="1" lang="ja-JP" altLang="en-US"/>
-                    </a:p>
-                  </a:txBody>
-                  <a:tcPr/>
-                </a:tc>
-                <a:tc>
-                  <a:txBody>
-                    <a:bodyPr/>
-                    <a:lstStyle/>
-                    <a:p>
-                      <a:endParaRPr kumimoji="1" lang="ja-JP" altLang="en-US"/>
-                    </a:p>
-                  </a:txBody>
-                  <a:tcPr/>
-                </a:tc>
-                <a:tc>
-                  <a:txBody>
-                    <a:bodyPr/>
-                    <a:lstStyle/>
-                    <a:p>
-                      <a:r>
-                        <a:rPr kumimoji="1" lang="en-US" altLang="ja-JP"/>
-                        <a:t>1544</a:t>
-                      </a:r>
-                      <a:endParaRPr kumimoji="1" lang="ja-JP" altLang="en-US"/>
-                    </a:p>
-                  </a:txBody>
-                  <a:tcPr/>
-                </a:tc>
-                <a:tc>
-                  <a:txBody>
-                    <a:bodyPr/>
-                    <a:lstStyle/>
-                    <a:p>
-                      <a:endParaRPr kumimoji="1" lang="ja-JP" altLang="en-US"/>
-                    </a:p>
-                  </a:txBody>
-                  <a:tcPr/>
-                </a:tc>
-                <a:extLst>
-                  <a:ext uri="{0D108BD9-81ED-4DB2-BD59-A6C34878D82A}">
-                    <a16:rowId xmlns:a16="http://schemas.microsoft.com/office/drawing/2014/main" val="4262136984"/>
-                  </a:ext>
-                </a:extLst>
-              </a:tr>
-              <a:tr h="441473">
-                <a:tc>
-                  <a:txBody>
-                    <a:bodyPr/>
-                    <a:lstStyle/>
-                    <a:p>
-                      <a:r>
-                        <a:rPr kumimoji="1" lang="ja-JP" altLang="en-US"/>
-                        <a:t>合計</a:t>
-                      </a:r>
-                    </a:p>
-                  </a:txBody>
-                  <a:tcPr/>
-                </a:tc>
-                <a:tc>
-                  <a:txBody>
-                    <a:bodyPr/>
-                    <a:lstStyle/>
-                    <a:p>
-                      <a:endParaRPr kumimoji="1" lang="ja-JP" altLang="en-US"/>
-                    </a:p>
-                  </a:txBody>
-                  <a:tcPr/>
-                </a:tc>
-                <a:tc>
-                  <a:txBody>
-                    <a:bodyPr/>
-                    <a:lstStyle/>
-                    <a:p>
-                      <a:endParaRPr kumimoji="1" lang="ja-JP" altLang="en-US"/>
-                    </a:p>
-                  </a:txBody>
-                  <a:tcPr/>
-                </a:tc>
-                <a:tc>
-                  <a:txBody>
-                    <a:bodyPr/>
-                    <a:lstStyle/>
-                    <a:p>
-                      <a:endParaRPr kumimoji="1" lang="ja-JP" altLang="en-US"/>
-                    </a:p>
-                  </a:txBody>
-                  <a:tcPr/>
-                </a:tc>
-                <a:tc>
-                  <a:txBody>
-                    <a:bodyPr/>
-                    <a:lstStyle/>
-                    <a:p>
-                      <a:endParaRPr kumimoji="1" lang="ja-JP" altLang="en-US"/>
-                    </a:p>
-                  </a:txBody>
-                  <a:tcPr/>
-                </a:tc>
-                <a:tc>
-                  <a:txBody>
-                    <a:bodyPr/>
-                    <a:lstStyle/>
-                    <a:p>
-                      <a:endParaRPr kumimoji="1" lang="ja-JP" altLang="en-US"/>
-                    </a:p>
-                  </a:txBody>
-                  <a:tcPr/>
-                </a:tc>
-                <a:tc>
-                  <a:txBody>
-                    <a:bodyPr/>
-                    <a:lstStyle/>
-                    <a:p>
-                      <a:endParaRPr kumimoji="1" lang="ja-JP" altLang="en-US"/>
-                    </a:p>
-                  </a:txBody>
-                  <a:tcPr/>
-                </a:tc>
-                <a:extLst>
-                  <a:ext uri="{0D108BD9-81ED-4DB2-BD59-A6C34878D82A}">
-                    <a16:rowId xmlns:a16="http://schemas.microsoft.com/office/drawing/2014/main" val="1204365760"/>
-                  </a:ext>
-                </a:extLst>
-              </a:tr>
-            </a:tbl>
-          </a:graphicData>
-        </a:graphic>
-      </p:graphicFrame>
     </p:spTree>
     <p:extLst>
       <p:ext uri="{BB962C8B-B14F-4D97-AF65-F5344CB8AC3E}">
-        <p14:creationId xmlns:p14="http://schemas.microsoft.com/office/powerpoint/2010/main" val="3152484462"/>
+        <p14:creationId xmlns:p14="http://schemas.microsoft.com/office/powerpoint/2010/main" val="2223965813"/>
       </p:ext>
     </p:extLst>
   </p:cSld>
@@ -4732,6 +4772,213 @@
           <p:cNvPr id="2" name="タイトル 1">
             <a:extLst>
               <a:ext uri="{FF2B5EF4-FFF2-40B4-BE49-F238E27FC236}">
+                <a16:creationId xmlns:a16="http://schemas.microsoft.com/office/drawing/2014/main" id="{665EDAAD-51D2-B54F-B379-F758A2C61CBD}"/>
+              </a:ext>
+            </a:extLst>
+          </p:cNvPr>
+          <p:cNvSpPr>
+            <a:spLocks noGrp="1"/>
+          </p:cNvSpPr>
+          <p:nvPr>
+            <p:ph type="title"/>
+          </p:nvPr>
+        </p:nvSpPr>
+        <p:spPr/>
+        <p:txBody>
+          <a:bodyPr/>
+          <a:lstStyle/>
+          <a:p>
+            <a:r>
+              <a:rPr kumimoji="1" lang="en-US" altLang="ja-JP"/>
+              <a:t>Contribution</a:t>
+            </a:r>
+            <a:endParaRPr kumimoji="1" lang="ja-JP" altLang="en-US"/>
+          </a:p>
+        </p:txBody>
+      </p:sp>
+      <p:pic>
+        <p:nvPicPr>
+          <p:cNvPr id="5" name="コンテンツ プレースホルダー 4" descr="スクリーンショット が含まれている画像&#10;&#10;自動的に生成された説明">
+            <a:extLst>
+              <a:ext uri="{FF2B5EF4-FFF2-40B4-BE49-F238E27FC236}">
+                <a16:creationId xmlns:a16="http://schemas.microsoft.com/office/drawing/2014/main" id="{0C4C2A21-9694-5543-8BDE-C2FBCFB51CDA}"/>
+              </a:ext>
+            </a:extLst>
+          </p:cNvPr>
+          <p:cNvPicPr>
+            <a:picLocks noGrp="1" noChangeAspect="1"/>
+          </p:cNvPicPr>
+          <p:nvPr>
+            <p:ph idx="1"/>
+          </p:nvPr>
+        </p:nvPicPr>
+        <p:blipFill>
+          <a:blip r:embed="rId2"/>
+          <a:stretch>
+            <a:fillRect/>
+          </a:stretch>
+        </p:blipFill>
+        <p:spPr>
+          <a:xfrm>
+            <a:off x="838200" y="1371600"/>
+            <a:ext cx="5678996" cy="3763814"/>
+          </a:xfrm>
+        </p:spPr>
+      </p:pic>
+      <p:pic>
+        <p:nvPicPr>
+          <p:cNvPr id="6" name="図 5" descr="スクリーンショット が含まれている画像&#10;&#10;自動的に生成された説明">
+            <a:extLst>
+              <a:ext uri="{FF2B5EF4-FFF2-40B4-BE49-F238E27FC236}">
+                <a16:creationId xmlns:a16="http://schemas.microsoft.com/office/drawing/2014/main" id="{23E88CF0-5678-6848-BA83-CC6C234FE985}"/>
+              </a:ext>
+            </a:extLst>
+          </p:cNvPr>
+          <p:cNvPicPr>
+            <a:picLocks noChangeAspect="1"/>
+          </p:cNvPicPr>
+          <p:nvPr/>
+        </p:nvPicPr>
+        <p:blipFill>
+          <a:blip r:embed="rId3"/>
+          <a:stretch>
+            <a:fillRect/>
+          </a:stretch>
+        </p:blipFill>
+        <p:spPr>
+          <a:xfrm>
+            <a:off x="731874" y="5241739"/>
+            <a:ext cx="9956800" cy="1460500"/>
+          </a:xfrm>
+          <a:prstGeom prst="rect">
+            <a:avLst/>
+          </a:prstGeom>
+        </p:spPr>
+      </p:pic>
+      <p:sp>
+        <p:nvSpPr>
+          <p:cNvPr id="7" name="テキスト ボックス 6">
+            <a:extLst>
+              <a:ext uri="{FF2B5EF4-FFF2-40B4-BE49-F238E27FC236}">
+                <a16:creationId xmlns:a16="http://schemas.microsoft.com/office/drawing/2014/main" id="{4B881C3A-1181-8C49-AC21-483D3D6CF977}"/>
+              </a:ext>
+            </a:extLst>
+          </p:cNvPr>
+          <p:cNvSpPr txBox="1"/>
+          <p:nvPr/>
+        </p:nvSpPr>
+        <p:spPr>
+          <a:xfrm>
+            <a:off x="7124996" y="2583655"/>
+            <a:ext cx="3563678" cy="2031325"/>
+          </a:xfrm>
+          <a:prstGeom prst="rect">
+            <a:avLst/>
+          </a:prstGeom>
+          <a:noFill/>
+        </p:spPr>
+        <p:txBody>
+          <a:bodyPr wrap="square" rtlCol="0">
+            <a:spAutoFit/>
+          </a:bodyPr>
+          <a:lstStyle/>
+          <a:p>
+            <a:r>
+              <a:rPr kumimoji="1" lang="en-US" altLang="ja-JP" b="1"/>
+              <a:t>Sora Koshikawa</a:t>
+            </a:r>
+          </a:p>
+          <a:p>
+            <a:pPr marL="285750" indent="-285750">
+              <a:buFont typeface="Arial" panose="020B0604020202020204" pitchFamily="34" charset="0"/>
+              <a:buChar char="•"/>
+            </a:pPr>
+            <a:r>
+              <a:rPr lang="en-US" altLang="ja-JP"/>
+              <a:t>73 lines per 46hours</a:t>
+            </a:r>
+          </a:p>
+          <a:p>
+            <a:pPr marL="285750" indent="-285750">
+              <a:buFont typeface="Arial" panose="020B0604020202020204" pitchFamily="34" charset="0"/>
+              <a:buChar char="•"/>
+            </a:pPr>
+            <a:r>
+              <a:rPr kumimoji="1" lang="en-US" altLang="ja-JP"/>
+              <a:t>LOC is 1.58</a:t>
+            </a:r>
+          </a:p>
+          <a:p>
+            <a:pPr marL="285750" indent="-285750">
+              <a:buFont typeface="Arial" panose="020B0604020202020204" pitchFamily="34" charset="0"/>
+              <a:buChar char="•"/>
+            </a:pPr>
+            <a:endParaRPr lang="en-US" altLang="ja-JP"/>
+          </a:p>
+          <a:p>
+            <a:r>
+              <a:rPr kumimoji="1" lang="en-US" altLang="ja-JP" b="1"/>
+              <a:t>Kaito Kimura</a:t>
+            </a:r>
+          </a:p>
+          <a:p>
+            <a:pPr marL="285750" indent="-285750">
+              <a:buFont typeface="Arial" panose="020B0604020202020204" pitchFamily="34" charset="0"/>
+              <a:buChar char="•"/>
+            </a:pPr>
+            <a:r>
+              <a:rPr lang="en-US" altLang="ja-JP"/>
+              <a:t>1544 lines per 60 hours</a:t>
+            </a:r>
+          </a:p>
+          <a:p>
+            <a:pPr marL="285750" indent="-285750">
+              <a:buFont typeface="Arial" panose="020B0604020202020204" pitchFamily="34" charset="0"/>
+              <a:buChar char="•"/>
+            </a:pPr>
+            <a:r>
+              <a:rPr kumimoji="1" lang="en-US" altLang="ja-JP"/>
+              <a:t>LOC is 25.73</a:t>
+            </a:r>
+            <a:endParaRPr kumimoji="1" lang="ja-JP" altLang="en-US"/>
+          </a:p>
+        </p:txBody>
+      </p:sp>
+    </p:spTree>
+    <p:extLst>
+      <p:ext uri="{BB962C8B-B14F-4D97-AF65-F5344CB8AC3E}">
+        <p14:creationId xmlns:p14="http://schemas.microsoft.com/office/powerpoint/2010/main" val="1595393690"/>
+      </p:ext>
+    </p:extLst>
+  </p:cSld>
+  <p:clrMapOvr>
+    <a:masterClrMapping/>
+  </p:clrMapOvr>
+</p:sld>
+</file>
+
+<file path=ppt/slides/slide16.xml><?xml version="1.0" encoding="utf-8"?>
+<p:sld xmlns:a="http://schemas.openxmlformats.org/drawingml/2006/main" xmlns:r="http://schemas.openxmlformats.org/officeDocument/2006/relationships" xmlns:p="http://schemas.openxmlformats.org/presentationml/2006/main">
+  <p:cSld>
+    <p:spTree>
+      <p:nvGrpSpPr>
+        <p:cNvPr id="1" name=""/>
+        <p:cNvGrpSpPr/>
+        <p:nvPr/>
+      </p:nvGrpSpPr>
+      <p:grpSpPr>
+        <a:xfrm>
+          <a:off x="0" y="0"/>
+          <a:ext cx="0" cy="0"/>
+          <a:chOff x="0" y="0"/>
+          <a:chExt cx="0" cy="0"/>
+        </a:xfrm>
+      </p:grpSpPr>
+      <p:sp>
+        <p:nvSpPr>
+          <p:cNvPr id="2" name="タイトル 1">
+            <a:extLst>
+              <a:ext uri="{FF2B5EF4-FFF2-40B4-BE49-F238E27FC236}">
                 <a16:creationId xmlns:a16="http://schemas.microsoft.com/office/drawing/2014/main" id="{58C42460-3C29-014C-A0A9-B5A1BB589EFD}"/>
               </a:ext>
             </a:extLst>
@@ -4777,7 +5024,50 @@
           <a:bodyPr/>
           <a:lstStyle/>
           <a:p>
-            <a:endParaRPr kumimoji="1" lang="ja-JP" altLang="en-US"/>
+            <a:endParaRPr kumimoji="1" lang="en-US" altLang="ja-JP"/>
+          </a:p>
+          <a:p>
+            <a:r>
+              <a:rPr kumimoji="1" lang="en-US" altLang="ja-JP"/>
+              <a:t>We thohght and impremented algorithm(Recursive) by self.</a:t>
+            </a:r>
+          </a:p>
+          <a:p>
+            <a:pPr lvl="1"/>
+            <a:r>
+              <a:rPr lang="en-US" altLang="ja-JP"/>
+              <a:t>Difficult, but it would be a good experience</a:t>
+            </a:r>
+          </a:p>
+          <a:p>
+            <a:pPr lvl="1"/>
+            <a:r>
+              <a:rPr kumimoji="1" lang="en-US" altLang="ja-JP"/>
+              <a:t>We could design the system well </a:t>
+            </a:r>
+            <a:r>
+              <a:rPr kumimoji="1" lang="ja-JP" altLang="en-US"/>
+              <a:t>➜</a:t>
+            </a:r>
+            <a:r>
+              <a:rPr kumimoji="1" lang="en-US" altLang="ja-JP"/>
+              <a:t> Imprement system efficiently</a:t>
+            </a:r>
+          </a:p>
+          <a:p>
+            <a:pPr lvl="1"/>
+            <a:r>
+              <a:rPr kumimoji="1" lang="en-US" altLang="ja-JP"/>
+              <a:t>Algorithm efficiency was so bad that the system could not treat the big size input(ex10, ex11)</a:t>
+            </a:r>
+            <a:endParaRPr lang="en-US" altLang="ja-JP"/>
+          </a:p>
+          <a:p>
+            <a:r>
+              <a:rPr lang="en-US" altLang="ja-JP"/>
+              <a:t>We should have think deeply about what algorithm we use</a:t>
+            </a:r>
+            <a:endParaRPr kumimoji="1" lang="en-US" altLang="ja-JP"/>
           </a:p>
         </p:txBody>
       </p:sp>
@@ -4833,10 +5123,10 @@
           <a:lstStyle/>
           <a:p>
             <a:r>
-              <a:rPr kumimoji="1" lang="en-US" altLang="ja-JP" b="1"/>
+              <a:rPr kumimoji="1" lang="en-US" altLang="ja-JP"/>
               <a:t>Team: SKYS</a:t>
             </a:r>
-            <a:endParaRPr kumimoji="1" lang="ja-JP" altLang="en-US" b="1"/>
+            <a:endParaRPr kumimoji="1" lang="ja-JP" altLang="en-US"/>
           </a:p>
         </p:txBody>
       </p:sp>
@@ -5048,6 +5338,109 @@
           <p:cNvPr id="2" name="タイトル 1">
             <a:extLst>
               <a:ext uri="{FF2B5EF4-FFF2-40B4-BE49-F238E27FC236}">
+                <a16:creationId xmlns:a16="http://schemas.microsoft.com/office/drawing/2014/main" id="{E5521801-31A3-B042-89C9-475F0D4CD40B}"/>
+              </a:ext>
+            </a:extLst>
+          </p:cNvPr>
+          <p:cNvSpPr>
+            <a:spLocks noGrp="1"/>
+          </p:cNvSpPr>
+          <p:nvPr>
+            <p:ph type="title"/>
+          </p:nvPr>
+        </p:nvSpPr>
+        <p:spPr/>
+        <p:txBody>
+          <a:bodyPr/>
+          <a:lstStyle/>
+          <a:p>
+            <a:r>
+              <a:rPr kumimoji="1" lang="en-US" altLang="ja-JP"/>
+              <a:t>Project abstract</a:t>
+            </a:r>
+            <a:endParaRPr kumimoji="1" lang="ja-JP" altLang="en-US"/>
+          </a:p>
+        </p:txBody>
+      </p:sp>
+      <p:sp>
+        <p:nvSpPr>
+          <p:cNvPr id="3" name="コンテンツ プレースホルダー 2">
+            <a:extLst>
+              <a:ext uri="{FF2B5EF4-FFF2-40B4-BE49-F238E27FC236}">
+                <a16:creationId xmlns:a16="http://schemas.microsoft.com/office/drawing/2014/main" id="{70AB633E-0A70-BD48-AEEB-0B8E6CC2F84B}"/>
+              </a:ext>
+            </a:extLst>
+          </p:cNvPr>
+          <p:cNvSpPr>
+            <a:spLocks noGrp="1"/>
+          </p:cNvSpPr>
+          <p:nvPr>
+            <p:ph idx="1"/>
+          </p:nvPr>
+        </p:nvSpPr>
+        <p:spPr/>
+        <p:txBody>
+          <a:bodyPr/>
+          <a:lstStyle/>
+          <a:p>
+            <a:endParaRPr lang="en-US" altLang="ja-JP"/>
+          </a:p>
+          <a:p>
+            <a:r>
+              <a:rPr lang="en-US" altLang="ja-JP"/>
+              <a:t>The system constructs “roots network” and searchs root any point to any point or adds some points to network efficiently.</a:t>
+            </a:r>
+            <a:endParaRPr kumimoji="1" lang="en-US" altLang="ja-JP"/>
+          </a:p>
+          <a:p>
+            <a:r>
+              <a:rPr lang="en-US" altLang="ja-JP"/>
+              <a:t>Main algorithm is recursive function. </a:t>
+            </a:r>
+          </a:p>
+          <a:p>
+            <a:r>
+              <a:rPr lang="en-US" altLang="ja-JP"/>
+              <a:t>Improvement of the final phase is introduced in each algorithms part.</a:t>
+            </a:r>
+          </a:p>
+        </p:txBody>
+      </p:sp>
+    </p:spTree>
+    <p:extLst>
+      <p:ext uri="{BB962C8B-B14F-4D97-AF65-F5344CB8AC3E}">
+        <p14:creationId xmlns:p14="http://schemas.microsoft.com/office/powerpoint/2010/main" val="757628360"/>
+      </p:ext>
+    </p:extLst>
+  </p:cSld>
+  <p:clrMapOvr>
+    <a:masterClrMapping/>
+  </p:clrMapOvr>
+</p:sld>
+</file>
+
+<file path=ppt/slides/slide5.xml><?xml version="1.0" encoding="utf-8"?>
+<p:sld xmlns:a="http://schemas.openxmlformats.org/drawingml/2006/main" xmlns:r="http://schemas.openxmlformats.org/officeDocument/2006/relationships" xmlns:p="http://schemas.openxmlformats.org/presentationml/2006/main">
+  <p:cSld>
+    <p:spTree>
+      <p:nvGrpSpPr>
+        <p:cNvPr id="1" name=""/>
+        <p:cNvGrpSpPr/>
+        <p:nvPr/>
+      </p:nvGrpSpPr>
+      <p:grpSpPr>
+        <a:xfrm>
+          <a:off x="0" y="0"/>
+          <a:ext cx="0" cy="0"/>
+          <a:chOff x="0" y="0"/>
+          <a:chExt cx="0" cy="0"/>
+        </a:xfrm>
+      </p:grpSpPr>
+      <p:sp>
+        <p:nvSpPr>
+          <p:cNvPr id="2" name="タイトル 1">
+            <a:extLst>
+              <a:ext uri="{FF2B5EF4-FFF2-40B4-BE49-F238E27FC236}">
                 <a16:creationId xmlns:a16="http://schemas.microsoft.com/office/drawing/2014/main" id="{E451730B-412D-1F46-ACE9-B15BD50748DE}"/>
               </a:ext>
             </a:extLst>
@@ -5066,7 +5459,7 @@
           <a:p>
             <a:r>
               <a:rPr kumimoji="1" lang="en-US" altLang="ja-JP"/>
-              <a:t>Class Diagrams1(abstract of source code)</a:t>
+              <a:t>Class Diagrams 1(abstract of source code)</a:t>
             </a:r>
             <a:endParaRPr kumimoji="1" lang="ja-JP" altLang="en-US"/>
           </a:p>
@@ -5174,7 +5567,7 @@
 </p:sld>
 </file>
 
-<file path=ppt/slides/slide5.xml><?xml version="1.0" encoding="utf-8"?>
+<file path=ppt/slides/slide6.xml><?xml version="1.0" encoding="utf-8"?>
 <p:sld xmlns:a="http://schemas.openxmlformats.org/drawingml/2006/main" xmlns:r="http://schemas.openxmlformats.org/officeDocument/2006/relationships" xmlns:p="http://schemas.openxmlformats.org/presentationml/2006/main">
   <p:cSld>
     <p:spTree>
@@ -5262,93 +5655,6 @@
 </p:sld>
 </file>
 
-<file path=ppt/slides/slide6.xml><?xml version="1.0" encoding="utf-8"?>
-<p:sld xmlns:a="http://schemas.openxmlformats.org/drawingml/2006/main" xmlns:r="http://schemas.openxmlformats.org/officeDocument/2006/relationships" xmlns:p="http://schemas.openxmlformats.org/presentationml/2006/main">
-  <p:cSld>
-    <p:spTree>
-      <p:nvGrpSpPr>
-        <p:cNvPr id="1" name=""/>
-        <p:cNvGrpSpPr/>
-        <p:nvPr/>
-      </p:nvGrpSpPr>
-      <p:grpSpPr>
-        <a:xfrm>
-          <a:off x="0" y="0"/>
-          <a:ext cx="0" cy="0"/>
-          <a:chOff x="0" y="0"/>
-          <a:chExt cx="0" cy="0"/>
-        </a:xfrm>
-      </p:grpSpPr>
-      <p:sp>
-        <p:nvSpPr>
-          <p:cNvPr id="2" name="タイトル 1">
-            <a:extLst>
-              <a:ext uri="{FF2B5EF4-FFF2-40B4-BE49-F238E27FC236}">
-                <a16:creationId xmlns:a16="http://schemas.microsoft.com/office/drawing/2014/main" id="{121F334F-6F99-7B48-A02F-7E503EF3A6BE}"/>
-              </a:ext>
-            </a:extLst>
-          </p:cNvPr>
-          <p:cNvSpPr>
-            <a:spLocks noGrp="1"/>
-          </p:cNvSpPr>
-          <p:nvPr>
-            <p:ph type="title"/>
-          </p:nvPr>
-        </p:nvSpPr>
-        <p:spPr/>
-        <p:txBody>
-          <a:bodyPr/>
-          <a:lstStyle/>
-          <a:p>
-            <a:r>
-              <a:rPr kumimoji="1" lang="en-US" altLang="ja-JP"/>
-              <a:t>Demonstration</a:t>
-            </a:r>
-            <a:endParaRPr kumimoji="1" lang="ja-JP" altLang="en-US"/>
-          </a:p>
-        </p:txBody>
-      </p:sp>
-      <p:sp>
-        <p:nvSpPr>
-          <p:cNvPr id="3" name="コンテンツ プレースホルダー 2">
-            <a:extLst>
-              <a:ext uri="{FF2B5EF4-FFF2-40B4-BE49-F238E27FC236}">
-                <a16:creationId xmlns:a16="http://schemas.microsoft.com/office/drawing/2014/main" id="{0AA5F2EB-2275-7C46-8000-DCD3C2A5003E}"/>
-              </a:ext>
-            </a:extLst>
-          </p:cNvPr>
-          <p:cNvSpPr>
-            <a:spLocks noGrp="1"/>
-          </p:cNvSpPr>
-          <p:nvPr>
-            <p:ph idx="1"/>
-          </p:nvPr>
-        </p:nvSpPr>
-        <p:spPr/>
-        <p:txBody>
-          <a:bodyPr/>
-          <a:lstStyle/>
-          <a:p>
-            <a:r>
-              <a:rPr kumimoji="1" lang="ja-JP" altLang="en-US"/>
-              <a:t>映像貼る</a:t>
-            </a:r>
-          </a:p>
-        </p:txBody>
-      </p:sp>
-    </p:spTree>
-    <p:extLst>
-      <p:ext uri="{BB962C8B-B14F-4D97-AF65-F5344CB8AC3E}">
-        <p14:creationId xmlns:p14="http://schemas.microsoft.com/office/powerpoint/2010/main" val="1188554558"/>
-      </p:ext>
-    </p:extLst>
-  </p:cSld>
-  <p:clrMapOvr>
-    <a:masterClrMapping/>
-  </p:clrMapOvr>
-</p:sld>
-</file>
-
 <file path=ppt/slides/slide7.xml><?xml version="1.0" encoding="utf-8"?>
 <p:sld xmlns:a="http://schemas.openxmlformats.org/drawingml/2006/main" xmlns:r="http://schemas.openxmlformats.org/officeDocument/2006/relationships" xmlns:p="http://schemas.openxmlformats.org/presentationml/2006/main">
   <p:cSld>
@@ -5371,7 +5677,7 @@
           <p:cNvPr id="2" name="タイトル 1">
             <a:extLst>
               <a:ext uri="{FF2B5EF4-FFF2-40B4-BE49-F238E27FC236}">
-                <a16:creationId xmlns:a16="http://schemas.microsoft.com/office/drawing/2014/main" id="{3627DBE9-9343-B644-AD34-612E17C6470A}"/>
+                <a16:creationId xmlns:a16="http://schemas.microsoft.com/office/drawing/2014/main" id="{121F334F-6F99-7B48-A02F-7E503EF3A6BE}"/>
               </a:ext>
             </a:extLst>
           </p:cNvPr>
@@ -5388,12 +5694,8 @@
           <a:lstStyle/>
           <a:p>
             <a:r>
-              <a:rPr lang="en" altLang="ja-JP" b="1"/>
-              <a:t>Algorithms: Searching all in</a:t>
-            </a:r>
-            <a:r>
-              <a:rPr lang="en-US" altLang="ja-JP" b="1"/>
-              <a:t>tersections</a:t>
+              <a:rPr kumimoji="1" lang="en-US" altLang="ja-JP"/>
+              <a:t>Demonstration</a:t>
             </a:r>
             <a:endParaRPr kumimoji="1" lang="ja-JP" altLang="en-US"/>
           </a:p>
@@ -5404,7 +5706,7 @@
           <p:cNvPr id="3" name="コンテンツ プレースホルダー 2">
             <a:extLst>
               <a:ext uri="{FF2B5EF4-FFF2-40B4-BE49-F238E27FC236}">
-                <a16:creationId xmlns:a16="http://schemas.microsoft.com/office/drawing/2014/main" id="{2E9AF24B-2D53-A948-AEA0-7AF7F0222F7B}"/>
+                <a16:creationId xmlns:a16="http://schemas.microsoft.com/office/drawing/2014/main" id="{0AA5F2EB-2275-7C46-8000-DCD3C2A5003E}"/>
               </a:ext>
             </a:extLst>
           </p:cNvPr>
@@ -5420,70 +5722,25 @@
           <a:bodyPr/>
           <a:lstStyle/>
           <a:p>
-            <a:pPr marL="514350" indent="-514350">
-              <a:buFont typeface="+mj-lt"/>
-              <a:buAutoNum type="arabicPeriod"/>
-            </a:pPr>
+            <a:r>
+              <a:rPr kumimoji="1" lang="ja-JP" altLang="en-US"/>
+              <a:t>映像貼る</a:t>
+            </a:r>
+            <a:endParaRPr lang="en-US" altLang="ja-JP"/>
+          </a:p>
+          <a:p>
+            <a:r>
+              <a:rPr kumimoji="1" lang="ja-JP" altLang="en-US"/>
+              <a:t>どこで挟むかは考えておく</a:t>
+            </a:r>
             <a:endParaRPr kumimoji="1" lang="en-US" altLang="ja-JP"/>
-          </a:p>
-          <a:p>
-            <a:pPr marL="514350" indent="-514350">
-              <a:buFont typeface="+mj-lt"/>
-              <a:buAutoNum type="arabicPeriod"/>
-            </a:pPr>
-            <a:r>
-              <a:rPr kumimoji="1" lang="en-US" altLang="ja-JP"/>
-              <a:t>Find the intersection of 2 segments</a:t>
-            </a:r>
-          </a:p>
-          <a:p>
-            <a:pPr marL="514350" indent="-514350">
-              <a:buFont typeface="+mj-lt"/>
-              <a:buAutoNum type="arabicPeriod"/>
-            </a:pPr>
-            <a:r>
-              <a:rPr lang="en-US" altLang="ja-JP"/>
-              <a:t>Remove intersection if the point is end point</a:t>
-            </a:r>
-          </a:p>
-          <a:p>
-            <a:pPr marL="514350" indent="-514350">
-              <a:buFont typeface="+mj-lt"/>
-              <a:buAutoNum type="arabicPeriod"/>
-            </a:pPr>
-            <a:r>
-              <a:rPr lang="en-US" altLang="ja-JP"/>
-              <a:t>Append intersection to intersections list(sorted)</a:t>
-            </a:r>
-          </a:p>
-          <a:p>
-            <a:pPr marL="514350" indent="-514350">
-              <a:buFont typeface="+mj-lt"/>
-              <a:buAutoNum type="arabicPeriod"/>
-            </a:pPr>
-            <a:endParaRPr lang="en-US" altLang="ja-JP"/>
-          </a:p>
-          <a:p>
-            <a:pPr marL="0" indent="0">
-              <a:buNone/>
-            </a:pPr>
-            <a:r>
-              <a:rPr lang="en-US" altLang="ja-JP"/>
-              <a:t>Improve efficiency</a:t>
-            </a:r>
-          </a:p>
-          <a:p>
-            <a:r>
-              <a:rPr lang="en-US" altLang="ja-JP"/>
-              <a:t>Using binary search for sort intersections list</a:t>
-            </a:r>
           </a:p>
         </p:txBody>
       </p:sp>
     </p:spTree>
     <p:extLst>
       <p:ext uri="{BB962C8B-B14F-4D97-AF65-F5344CB8AC3E}">
-        <p14:creationId xmlns:p14="http://schemas.microsoft.com/office/powerpoint/2010/main" val="474697545"/>
+        <p14:creationId xmlns:p14="http://schemas.microsoft.com/office/powerpoint/2010/main" val="1188554558"/>
       </p:ext>
     </p:extLst>
   </p:cSld>
@@ -5515,6 +5772,150 @@
           <p:cNvPr id="2" name="タイトル 1">
             <a:extLst>
               <a:ext uri="{FF2B5EF4-FFF2-40B4-BE49-F238E27FC236}">
+                <a16:creationId xmlns:a16="http://schemas.microsoft.com/office/drawing/2014/main" id="{3627DBE9-9343-B644-AD34-612E17C6470A}"/>
+              </a:ext>
+            </a:extLst>
+          </p:cNvPr>
+          <p:cNvSpPr>
+            <a:spLocks noGrp="1"/>
+          </p:cNvSpPr>
+          <p:nvPr>
+            <p:ph type="title"/>
+          </p:nvPr>
+        </p:nvSpPr>
+        <p:spPr/>
+        <p:txBody>
+          <a:bodyPr/>
+          <a:lstStyle/>
+          <a:p>
+            <a:r>
+              <a:rPr lang="en" altLang="ja-JP"/>
+              <a:t>Algorithms: Searching all in</a:t>
+            </a:r>
+            <a:r>
+              <a:rPr lang="en-US" altLang="ja-JP"/>
+              <a:t>tersections</a:t>
+            </a:r>
+            <a:endParaRPr kumimoji="1" lang="ja-JP" altLang="en-US"/>
+          </a:p>
+        </p:txBody>
+      </p:sp>
+      <p:sp>
+        <p:nvSpPr>
+          <p:cNvPr id="3" name="コンテンツ プレースホルダー 2">
+            <a:extLst>
+              <a:ext uri="{FF2B5EF4-FFF2-40B4-BE49-F238E27FC236}">
+                <a16:creationId xmlns:a16="http://schemas.microsoft.com/office/drawing/2014/main" id="{2E9AF24B-2D53-A948-AEA0-7AF7F0222F7B}"/>
+              </a:ext>
+            </a:extLst>
+          </p:cNvPr>
+          <p:cNvSpPr>
+            <a:spLocks noGrp="1"/>
+          </p:cNvSpPr>
+          <p:nvPr>
+            <p:ph idx="1"/>
+          </p:nvPr>
+        </p:nvSpPr>
+        <p:spPr/>
+        <p:txBody>
+          <a:bodyPr/>
+          <a:lstStyle/>
+          <a:p>
+            <a:pPr marL="514350" indent="-514350">
+              <a:buFont typeface="+mj-lt"/>
+              <a:buAutoNum type="arabicPeriod"/>
+            </a:pPr>
+            <a:endParaRPr kumimoji="1" lang="en-US" altLang="ja-JP"/>
+          </a:p>
+          <a:p>
+            <a:pPr marL="514350" indent="-514350">
+              <a:buFont typeface="+mj-lt"/>
+              <a:buAutoNum type="arabicPeriod"/>
+            </a:pPr>
+            <a:r>
+              <a:rPr kumimoji="1" lang="en-US" altLang="ja-JP"/>
+              <a:t>Find the intersection of 2 segments</a:t>
+            </a:r>
+          </a:p>
+          <a:p>
+            <a:pPr marL="514350" indent="-514350">
+              <a:buFont typeface="+mj-lt"/>
+              <a:buAutoNum type="arabicPeriod"/>
+            </a:pPr>
+            <a:r>
+              <a:rPr lang="en-US" altLang="ja-JP"/>
+              <a:t>Remove intersection if the point is end point</a:t>
+            </a:r>
+          </a:p>
+          <a:p>
+            <a:pPr marL="514350" indent="-514350">
+              <a:buFont typeface="+mj-lt"/>
+              <a:buAutoNum type="arabicPeriod"/>
+            </a:pPr>
+            <a:r>
+              <a:rPr lang="en-US" altLang="ja-JP"/>
+              <a:t>Append intersection to intersections list(sorted) and sort</a:t>
+            </a:r>
+          </a:p>
+          <a:p>
+            <a:pPr marL="514350" indent="-514350">
+              <a:buFont typeface="+mj-lt"/>
+              <a:buAutoNum type="arabicPeriod"/>
+            </a:pPr>
+            <a:endParaRPr lang="en-US" altLang="ja-JP"/>
+          </a:p>
+          <a:p>
+            <a:pPr marL="0" indent="0">
+              <a:buNone/>
+            </a:pPr>
+            <a:r>
+              <a:rPr lang="en-US" altLang="ja-JP"/>
+              <a:t>Improve efficiency</a:t>
+            </a:r>
+          </a:p>
+          <a:p>
+            <a:r>
+              <a:rPr lang="en-US" altLang="ja-JP"/>
+              <a:t>Using binary search for sort intersections list</a:t>
+            </a:r>
+          </a:p>
+        </p:txBody>
+      </p:sp>
+    </p:spTree>
+    <p:extLst>
+      <p:ext uri="{BB962C8B-B14F-4D97-AF65-F5344CB8AC3E}">
+        <p14:creationId xmlns:p14="http://schemas.microsoft.com/office/powerpoint/2010/main" val="474697545"/>
+      </p:ext>
+    </p:extLst>
+  </p:cSld>
+  <p:clrMapOvr>
+    <a:masterClrMapping/>
+  </p:clrMapOvr>
+</p:sld>
+</file>
+
+<file path=ppt/slides/slide9.xml><?xml version="1.0" encoding="utf-8"?>
+<p:sld xmlns:a="http://schemas.openxmlformats.org/drawingml/2006/main" xmlns:r="http://schemas.openxmlformats.org/officeDocument/2006/relationships" xmlns:p="http://schemas.openxmlformats.org/presentationml/2006/main">
+  <p:cSld>
+    <p:spTree>
+      <p:nvGrpSpPr>
+        <p:cNvPr id="1" name=""/>
+        <p:cNvGrpSpPr/>
+        <p:nvPr/>
+      </p:nvGrpSpPr>
+      <p:grpSpPr>
+        <a:xfrm>
+          <a:off x="0" y="0"/>
+          <a:ext cx="0" cy="0"/>
+          <a:chOff x="0" y="0"/>
+          <a:chExt cx="0" cy="0"/>
+        </a:xfrm>
+      </p:grpSpPr>
+      <p:sp>
+        <p:nvSpPr>
+          <p:cNvPr id="2" name="タイトル 1">
+            <a:extLst>
+              <a:ext uri="{FF2B5EF4-FFF2-40B4-BE49-F238E27FC236}">
                 <a16:creationId xmlns:a16="http://schemas.microsoft.com/office/drawing/2014/main" id="{FF3976AD-FFAD-724C-ACF5-2CDB78115B08}"/>
               </a:ext>
             </a:extLst>
@@ -5532,7 +5933,7 @@
           <a:lstStyle/>
           <a:p>
             <a:r>
-              <a:rPr lang="en" altLang="ja-JP" b="1"/>
+              <a:rPr lang="en" altLang="ja-JP"/>
               <a:t>Algorithms: Searching roots</a:t>
             </a:r>
             <a:endParaRPr kumimoji="1" lang="ja-JP" altLang="en-US"/>
@@ -6737,117 +7138,6 @@
 </p:sld>
 </file>
 
-<file path=ppt/slides/slide9.xml><?xml version="1.0" encoding="utf-8"?>
-<p:sld xmlns:a="http://schemas.openxmlformats.org/drawingml/2006/main" xmlns:r="http://schemas.openxmlformats.org/officeDocument/2006/relationships" xmlns:p="http://schemas.openxmlformats.org/presentationml/2006/main">
-  <p:cSld>
-    <p:spTree>
-      <p:nvGrpSpPr>
-        <p:cNvPr id="1" name=""/>
-        <p:cNvGrpSpPr/>
-        <p:nvPr/>
-      </p:nvGrpSpPr>
-      <p:grpSpPr>
-        <a:xfrm>
-          <a:off x="0" y="0"/>
-          <a:ext cx="0" cy="0"/>
-          <a:chOff x="0" y="0"/>
-          <a:chExt cx="0" cy="0"/>
-        </a:xfrm>
-      </p:grpSpPr>
-      <p:sp>
-        <p:nvSpPr>
-          <p:cNvPr id="2" name="タイトル 1">
-            <a:extLst>
-              <a:ext uri="{FF2B5EF4-FFF2-40B4-BE49-F238E27FC236}">
-                <a16:creationId xmlns:a16="http://schemas.microsoft.com/office/drawing/2014/main" id="{D2D04897-4049-794E-B114-C4376DE92E1F}"/>
-              </a:ext>
-            </a:extLst>
-          </p:cNvPr>
-          <p:cNvSpPr>
-            <a:spLocks noGrp="1"/>
-          </p:cNvSpPr>
-          <p:nvPr>
-            <p:ph type="title"/>
-          </p:nvPr>
-        </p:nvSpPr>
-        <p:spPr/>
-        <p:txBody>
-          <a:bodyPr/>
-          <a:lstStyle/>
-          <a:p>
-            <a:r>
-              <a:rPr lang="en-US" altLang="ja-JP"/>
-              <a:t>Improvement efficiency</a:t>
-            </a:r>
-            <a:endParaRPr kumimoji="1" lang="ja-JP" altLang="en-US"/>
-          </a:p>
-        </p:txBody>
-      </p:sp>
-      <p:sp>
-        <p:nvSpPr>
-          <p:cNvPr id="3" name="コンテンツ プレースホルダー 2">
-            <a:extLst>
-              <a:ext uri="{FF2B5EF4-FFF2-40B4-BE49-F238E27FC236}">
-                <a16:creationId xmlns:a16="http://schemas.microsoft.com/office/drawing/2014/main" id="{D28DC560-FF1A-DD45-8697-680F5C7A2136}"/>
-              </a:ext>
-            </a:extLst>
-          </p:cNvPr>
-          <p:cNvSpPr>
-            <a:spLocks noGrp="1"/>
-          </p:cNvSpPr>
-          <p:nvPr>
-            <p:ph idx="1"/>
-          </p:nvPr>
-        </p:nvSpPr>
-        <p:spPr/>
-        <p:txBody>
-          <a:bodyPr/>
-          <a:lstStyle/>
-          <a:p>
-            <a:pPr marL="514350" indent="-514350">
-              <a:buFont typeface="+mj-lt"/>
-              <a:buAutoNum type="arabicPeriod"/>
-            </a:pPr>
-            <a:r>
-              <a:rPr lang="en-US" altLang="ja-JP"/>
-              <a:t>Recursive function has distance information(start -&gt; now position), so if the distance is bigger than roots[K].distance, stop the recursive. -&gt; Waste recursive has been minimized.</a:t>
-            </a:r>
-          </a:p>
-          <a:p>
-            <a:pPr marL="514350" indent="-514350">
-              <a:buFont typeface="+mj-lt"/>
-              <a:buAutoNum type="arabicPeriod"/>
-            </a:pPr>
-            <a:r>
-              <a:rPr lang="en-US" altLang="ja-JP"/>
-              <a:t>High priority segments and points is going ahead.</a:t>
-            </a:r>
-          </a:p>
-          <a:p>
-            <a:pPr marL="514350" indent="-514350">
-              <a:buFont typeface="+mj-lt"/>
-              <a:buAutoNum type="arabicPeriod"/>
-            </a:pPr>
-            <a:r>
-              <a:rPr lang="en-US" altLang="ja-JP"/>
-              <a:t>If goal points have no contacted segments, Do not run recursive func.</a:t>
-            </a:r>
-          </a:p>
-        </p:txBody>
-      </p:sp>
-    </p:spTree>
-    <p:extLst>
-      <p:ext uri="{BB962C8B-B14F-4D97-AF65-F5344CB8AC3E}">
-        <p14:creationId xmlns:p14="http://schemas.microsoft.com/office/powerpoint/2010/main" val="612854101"/>
-      </p:ext>
-    </p:extLst>
-  </p:cSld>
-  <p:clrMapOvr>
-    <a:masterClrMapping/>
-  </p:clrMapOvr>
-</p:sld>
-</file>
-
 <file path=ppt/theme/theme1.xml><?xml version="1.0" encoding="utf-8"?>
 <a:theme xmlns:a="http://schemas.openxmlformats.org/drawingml/2006/main" name="Office テーマ">
   <a:themeElements>
@@ -7141,4 +7431,299 @@
     </a:ext>
   </a:extLst>
 </a:theme>
+</file>
+
+<file path=ppt/theme/theme2.xml><?xml version="1.0" encoding="utf-8"?>
+<a:theme xmlns:a="http://schemas.openxmlformats.org/drawingml/2006/main" name="Office テーマ">
+  <a:themeElements>
+    <a:clrScheme name="Office">
+      <a:dk1>
+        <a:sysClr val="windowText" lastClr="000000"/>
+      </a:dk1>
+      <a:lt1>
+        <a:sysClr val="window" lastClr="FFFFFF"/>
+      </a:lt1>
+      <a:dk2>
+        <a:srgbClr val="44546A"/>
+      </a:dk2>
+      <a:lt2>
+        <a:srgbClr val="E7E6E6"/>
+      </a:lt2>
+      <a:accent1>
+        <a:srgbClr val="4472C4"/>
+      </a:accent1>
+      <a:accent2>
+        <a:srgbClr val="ED7D31"/>
+      </a:accent2>
+      <a:accent3>
+        <a:srgbClr val="A5A5A5"/>
+      </a:accent3>
+      <a:accent4>
+        <a:srgbClr val="FFC000"/>
+      </a:accent4>
+      <a:accent5>
+        <a:srgbClr val="5B9BD5"/>
+      </a:accent5>
+      <a:accent6>
+        <a:srgbClr val="70AD47"/>
+      </a:accent6>
+      <a:hlink>
+        <a:srgbClr val="0563C1"/>
+      </a:hlink>
+      <a:folHlink>
+        <a:srgbClr val="954F72"/>
+      </a:folHlink>
+    </a:clrScheme>
+    <a:fontScheme name="Office">
+      <a:majorFont>
+        <a:latin typeface="游ゴシック Light" panose="020F0302020204030204"/>
+        <a:ea typeface=""/>
+        <a:cs typeface=""/>
+        <a:font script="Jpan" typeface="游ゴシック Light"/>
+        <a:font script="Hang" typeface="맑은 고딕"/>
+        <a:font script="Hans" typeface="等线 Light"/>
+        <a:font script="Hant" typeface="新細明體"/>
+        <a:font script="Arab" typeface="Times New Roman"/>
+        <a:font script="Hebr" typeface="Times New Roman"/>
+        <a:font script="Thai" typeface="Angsana New"/>
+        <a:font script="Ethi" typeface="Nyala"/>
+        <a:font script="Beng" typeface="Vrinda"/>
+        <a:font script="Gujr" typeface="Shruti"/>
+        <a:font script="Khmr" typeface="MoolBoran"/>
+        <a:font script="Knda" typeface="Tunga"/>
+        <a:font script="Guru" typeface="Raavi"/>
+        <a:font script="Cans" typeface="Euphemia"/>
+        <a:font script="Cher" typeface="Plantagenet Cherokee"/>
+        <a:font script="Yiii" typeface="Microsoft Yi Baiti"/>
+        <a:font script="Tibt" typeface="Microsoft Himalaya"/>
+        <a:font script="Thaa" typeface="MV Boli"/>
+        <a:font script="Deva" typeface="Mangal"/>
+        <a:font script="Telu" typeface="Gautami"/>
+        <a:font script="Taml" typeface="Latha"/>
+        <a:font script="Syrc" typeface="Estrangelo Edessa"/>
+        <a:font script="Orya" typeface="Kalinga"/>
+        <a:font script="Mlym" typeface="Kartika"/>
+        <a:font script="Laoo" typeface="DokChampa"/>
+        <a:font script="Sinh" typeface="Iskoola Pota"/>
+        <a:font script="Mong" typeface="Mongolian Baiti"/>
+        <a:font script="Viet" typeface="Times New Roman"/>
+        <a:font script="Uigh" typeface="Microsoft Uighur"/>
+        <a:font script="Geor" typeface="Sylfaen"/>
+        <a:font script="Armn" typeface="Arial"/>
+        <a:font script="Bugi" typeface="Leelawadee UI"/>
+        <a:font script="Bopo" typeface="Microsoft JhengHei"/>
+        <a:font script="Java" typeface="Javanese Text"/>
+        <a:font script="Lisu" typeface="Segoe UI"/>
+        <a:font script="Mymr" typeface="Myanmar Text"/>
+        <a:font script="Nkoo" typeface="Ebrima"/>
+        <a:font script="Olck" typeface="Nirmala UI"/>
+        <a:font script="Osma" typeface="Ebrima"/>
+        <a:font script="Phag" typeface="Phagspa"/>
+        <a:font script="Syrn" typeface="Estrangelo Edessa"/>
+        <a:font script="Syrj" typeface="Estrangelo Edessa"/>
+        <a:font script="Syre" typeface="Estrangelo Edessa"/>
+        <a:font script="Sora" typeface="Nirmala UI"/>
+        <a:font script="Tale" typeface="Microsoft Tai Le"/>
+        <a:font script="Talu" typeface="Microsoft New Tai Lue"/>
+        <a:font script="Tfng" typeface="Ebrima"/>
+      </a:majorFont>
+      <a:minorFont>
+        <a:latin typeface="游ゴシック" panose="020F0502020204030204"/>
+        <a:ea typeface=""/>
+        <a:cs typeface=""/>
+        <a:font script="Jpan" typeface="游ゴシック"/>
+        <a:font script="Hang" typeface="맑은 고딕"/>
+        <a:font script="Hans" typeface="等线"/>
+        <a:font script="Hant" typeface="新細明體"/>
+        <a:font script="Arab" typeface="Arial"/>
+        <a:font script="Hebr" typeface="Arial"/>
+        <a:font script="Thai" typeface="Cordia New"/>
+        <a:font script="Ethi" typeface="Nyala"/>
+        <a:font script="Beng" typeface="Vrinda"/>
+        <a:font script="Gujr" typeface="Shruti"/>
+        <a:font script="Khmr" typeface="DaunPenh"/>
+        <a:font script="Knda" typeface="Tunga"/>
+        <a:font script="Guru" typeface="Raavi"/>
+        <a:font script="Cans" typeface="Euphemia"/>
+        <a:font script="Cher" typeface="Plantagenet Cherokee"/>
+        <a:font script="Yiii" typeface="Microsoft Yi Baiti"/>
+        <a:font script="Tibt" typeface="Microsoft Himalaya"/>
+        <a:font script="Thaa" typeface="MV Boli"/>
+        <a:font script="Deva" typeface="Mangal"/>
+        <a:font script="Telu" typeface="Gautami"/>
+        <a:font script="Taml" typeface="Latha"/>
+        <a:font script="Syrc" typeface="Estrangelo Edessa"/>
+        <a:font script="Orya" typeface="Kalinga"/>
+        <a:font script="Mlym" typeface="Kartika"/>
+        <a:font script="Laoo" typeface="DokChampa"/>
+        <a:font script="Sinh" typeface="Iskoola Pota"/>
+        <a:font script="Mong" typeface="Mongolian Baiti"/>
+        <a:font script="Viet" typeface="Arial"/>
+        <a:font script="Uigh" typeface="Microsoft Uighur"/>
+        <a:font script="Geor" typeface="Sylfaen"/>
+        <a:font script="Armn" typeface="Arial"/>
+        <a:font script="Bugi" typeface="Leelawadee UI"/>
+        <a:font script="Bopo" typeface="Microsoft JhengHei"/>
+        <a:font script="Java" typeface="Javanese Text"/>
+        <a:font script="Lisu" typeface="Segoe UI"/>
+        <a:font script="Mymr" typeface="Myanmar Text"/>
+        <a:font script="Nkoo" typeface="Ebrima"/>
+        <a:font script="Olck" typeface="Nirmala UI"/>
+        <a:font script="Osma" typeface="Ebrima"/>
+        <a:font script="Phag" typeface="Phagspa"/>
+        <a:font script="Syrn" typeface="Estrangelo Edessa"/>
+        <a:font script="Syrj" typeface="Estrangelo Edessa"/>
+        <a:font script="Syre" typeface="Estrangelo Edessa"/>
+        <a:font script="Sora" typeface="Nirmala UI"/>
+        <a:font script="Tale" typeface="Microsoft Tai Le"/>
+        <a:font script="Talu" typeface="Microsoft New Tai Lue"/>
+        <a:font script="Tfng" typeface="Ebrima"/>
+      </a:minorFont>
+    </a:fontScheme>
+    <a:fmtScheme name="Office">
+      <a:fillStyleLst>
+        <a:solidFill>
+          <a:schemeClr val="phClr"/>
+        </a:solidFill>
+        <a:gradFill rotWithShape="1">
+          <a:gsLst>
+            <a:gs pos="0">
+              <a:schemeClr val="phClr">
+                <a:lumMod val="110000"/>
+                <a:satMod val="105000"/>
+                <a:tint val="67000"/>
+              </a:schemeClr>
+            </a:gs>
+            <a:gs pos="50000">
+              <a:schemeClr val="phClr">
+                <a:lumMod val="105000"/>
+                <a:satMod val="103000"/>
+                <a:tint val="73000"/>
+              </a:schemeClr>
+            </a:gs>
+            <a:gs pos="100000">
+              <a:schemeClr val="phClr">
+                <a:lumMod val="105000"/>
+                <a:satMod val="109000"/>
+                <a:tint val="81000"/>
+              </a:schemeClr>
+            </a:gs>
+          </a:gsLst>
+          <a:lin ang="5400000" scaled="0"/>
+        </a:gradFill>
+        <a:gradFill rotWithShape="1">
+          <a:gsLst>
+            <a:gs pos="0">
+              <a:schemeClr val="phClr">
+                <a:satMod val="103000"/>
+                <a:lumMod val="102000"/>
+                <a:tint val="94000"/>
+              </a:schemeClr>
+            </a:gs>
+            <a:gs pos="50000">
+              <a:schemeClr val="phClr">
+                <a:satMod val="110000"/>
+                <a:lumMod val="100000"/>
+                <a:shade val="100000"/>
+              </a:schemeClr>
+            </a:gs>
+            <a:gs pos="100000">
+              <a:schemeClr val="phClr">
+                <a:lumMod val="99000"/>
+                <a:satMod val="120000"/>
+                <a:shade val="78000"/>
+              </a:schemeClr>
+            </a:gs>
+          </a:gsLst>
+          <a:lin ang="5400000" scaled="0"/>
+        </a:gradFill>
+      </a:fillStyleLst>
+      <a:lnStyleLst>
+        <a:ln w="6350" cap="flat" cmpd="sng" algn="ctr">
+          <a:solidFill>
+            <a:schemeClr val="phClr"/>
+          </a:solidFill>
+          <a:prstDash val="solid"/>
+          <a:miter lim="800000"/>
+        </a:ln>
+        <a:ln w="12700" cap="flat" cmpd="sng" algn="ctr">
+          <a:solidFill>
+            <a:schemeClr val="phClr"/>
+          </a:solidFill>
+          <a:prstDash val="solid"/>
+          <a:miter lim="800000"/>
+        </a:ln>
+        <a:ln w="19050" cap="flat" cmpd="sng" algn="ctr">
+          <a:solidFill>
+            <a:schemeClr val="phClr"/>
+          </a:solidFill>
+          <a:prstDash val="solid"/>
+          <a:miter lim="800000"/>
+        </a:ln>
+      </a:lnStyleLst>
+      <a:effectStyleLst>
+        <a:effectStyle>
+          <a:effectLst/>
+        </a:effectStyle>
+        <a:effectStyle>
+          <a:effectLst/>
+        </a:effectStyle>
+        <a:effectStyle>
+          <a:effectLst>
+            <a:outerShdw blurRad="57150" dist="19050" dir="5400000" algn="ctr" rotWithShape="0">
+              <a:srgbClr val="000000">
+                <a:alpha val="63000"/>
+              </a:srgbClr>
+            </a:outerShdw>
+          </a:effectLst>
+        </a:effectStyle>
+      </a:effectStyleLst>
+      <a:bgFillStyleLst>
+        <a:solidFill>
+          <a:schemeClr val="phClr"/>
+        </a:solidFill>
+        <a:solidFill>
+          <a:schemeClr val="phClr">
+            <a:tint val="95000"/>
+            <a:satMod val="170000"/>
+          </a:schemeClr>
+        </a:solidFill>
+        <a:gradFill rotWithShape="1">
+          <a:gsLst>
+            <a:gs pos="0">
+              <a:schemeClr val="phClr">
+                <a:tint val="93000"/>
+                <a:satMod val="150000"/>
+                <a:shade val="98000"/>
+                <a:lumMod val="102000"/>
+              </a:schemeClr>
+            </a:gs>
+            <a:gs pos="50000">
+              <a:schemeClr val="phClr">
+                <a:tint val="98000"/>
+                <a:satMod val="130000"/>
+                <a:shade val="90000"/>
+                <a:lumMod val="103000"/>
+              </a:schemeClr>
+            </a:gs>
+            <a:gs pos="100000">
+              <a:schemeClr val="phClr">
+                <a:shade val="63000"/>
+                <a:satMod val="120000"/>
+              </a:schemeClr>
+            </a:gs>
+          </a:gsLst>
+          <a:lin ang="5400000" scaled="0"/>
+        </a:gradFill>
+      </a:bgFillStyleLst>
+    </a:fmtScheme>
+  </a:themeElements>
+  <a:objectDefaults/>
+  <a:extraClrSchemeLst/>
+  <a:extLst>
+    <a:ext uri="{05A4C25C-085E-4340-85A3-A5531E510DB2}">
+      <thm15:themeFamily xmlns:thm15="http://schemas.microsoft.com/office/thememl/2012/main" name="Office Theme" id="{62F939B6-93AF-4DB8-9C6B-D6C7DFDC589F}" vid="{4A3C46E8-61CC-4603-A589-7422A47A8E4A}"/>
+    </a:ext>
+  </a:extLst>
+</a:theme>
 </file>
--- a/Reports/final.pptx
+++ b/Reports/final.pptx
@@ -5,25 +5,28 @@
     <p:sldMasterId id="2147483648" r:id="rId1"/>
   </p:sldMasterIdLst>
   <p:notesMasterIdLst>
-    <p:notesMasterId r:id="rId18"/>
+    <p:notesMasterId r:id="rId21"/>
   </p:notesMasterIdLst>
   <p:sldIdLst>
-    <p:sldId id="256" r:id="rId2"/>
-    <p:sldId id="271" r:id="rId3"/>
-    <p:sldId id="257" r:id="rId4"/>
-    <p:sldId id="273" r:id="rId5"/>
-    <p:sldId id="258" r:id="rId6"/>
-    <p:sldId id="272" r:id="rId7"/>
-    <p:sldId id="270" r:id="rId8"/>
-    <p:sldId id="259" r:id="rId9"/>
-    <p:sldId id="264" r:id="rId10"/>
-    <p:sldId id="265" r:id="rId11"/>
-    <p:sldId id="267" r:id="rId12"/>
-    <p:sldId id="274" r:id="rId13"/>
-    <p:sldId id="268" r:id="rId14"/>
-    <p:sldId id="269" r:id="rId15"/>
-    <p:sldId id="263" r:id="rId16"/>
-    <p:sldId id="262" r:id="rId17"/>
+    <p:sldId id="277" r:id="rId2"/>
+    <p:sldId id="256" r:id="rId3"/>
+    <p:sldId id="271" r:id="rId4"/>
+    <p:sldId id="257" r:id="rId5"/>
+    <p:sldId id="273" r:id="rId6"/>
+    <p:sldId id="258" r:id="rId7"/>
+    <p:sldId id="272" r:id="rId8"/>
+    <p:sldId id="270" r:id="rId9"/>
+    <p:sldId id="259" r:id="rId10"/>
+    <p:sldId id="264" r:id="rId11"/>
+    <p:sldId id="265" r:id="rId12"/>
+    <p:sldId id="267" r:id="rId13"/>
+    <p:sldId id="276" r:id="rId14"/>
+    <p:sldId id="274" r:id="rId15"/>
+    <p:sldId id="268" r:id="rId16"/>
+    <p:sldId id="269" r:id="rId17"/>
+    <p:sldId id="263" r:id="rId18"/>
+    <p:sldId id="262" r:id="rId19"/>
+    <p:sldId id="275" r:id="rId20"/>
   </p:sldIdLst>
   <p:sldSz cx="12192000" cy="6858000"/>
   <p:notesSz cx="6858000" cy="9144000"/>
@@ -573,7 +576,7 @@
           <a:lstStyle/>
           <a:p>
             <a:fld id="{3FCDAB53-57C9-F042-B46F-86E258F4C584}" type="slidenum">
-              <a:t>16</a:t>
+              <a:t>18</a:t>
             </a:fld>
             <a:endParaRPr kumimoji="1" lang="ja-JP" altLang="en-US"/>
           </a:p>
@@ -4072,62 +4075,94 @@
       </p:grpSpPr>
       <p:sp>
         <p:nvSpPr>
-          <p:cNvPr id="2" name="タイトル 1">
-            <a:extLst>
-              <a:ext uri="{FF2B5EF4-FFF2-40B4-BE49-F238E27FC236}">
-                <a16:creationId xmlns:a16="http://schemas.microsoft.com/office/drawing/2014/main" id="{64E7B43B-7957-9847-A975-029EC8BA7E2A}"/>
-              </a:ext>
-            </a:extLst>
-          </p:cNvPr>
-          <p:cNvSpPr>
-            <a:spLocks noGrp="1"/>
-          </p:cNvSpPr>
-          <p:nvPr>
-            <p:ph type="ctrTitle"/>
-          </p:nvPr>
-        </p:nvSpPr>
-        <p:spPr/>
+          <p:cNvPr id="3" name="コンテンツ プレースホルダー 2">
+            <a:extLst>
+              <a:ext uri="{FF2B5EF4-FFF2-40B4-BE49-F238E27FC236}">
+                <a16:creationId xmlns:a16="http://schemas.microsoft.com/office/drawing/2014/main" id="{12374A7A-E51D-6C44-875C-A1847948C468}"/>
+              </a:ext>
+            </a:extLst>
+          </p:cNvPr>
+          <p:cNvSpPr>
+            <a:spLocks noGrp="1"/>
+          </p:cNvSpPr>
+          <p:nvPr>
+            <p:ph idx="1"/>
+          </p:nvPr>
+        </p:nvSpPr>
+        <p:spPr>
+          <a:xfrm>
+            <a:off x="838200" y="742950"/>
+            <a:ext cx="10515600" cy="5434013"/>
+          </a:xfrm>
+        </p:spPr>
         <p:txBody>
           <a:bodyPr/>
           <a:lstStyle/>
           <a:p>
+            <a:pPr marL="0" indent="0">
+              <a:buNone/>
+            </a:pPr>
+            <a:r>
+              <a:rPr kumimoji="1" lang="ja-JP" altLang="en-US"/>
+              <a:t>こしかわへ</a:t>
+            </a:r>
+            <a:endParaRPr kumimoji="1" lang="en-US" altLang="ja-JP"/>
+          </a:p>
+          <a:p>
+            <a:r>
+              <a:rPr lang="ja-JP" altLang="en-US"/>
+              <a:t>まとめのとこなにか足しといてけろ</a:t>
+            </a:r>
+            <a:endParaRPr lang="en-US" altLang="ja-JP"/>
+          </a:p>
+          <a:p>
+            <a:r>
+              <a:rPr kumimoji="1" lang="ja-JP" altLang="en-US"/>
+              <a:t>テストデータ周りつけたしたかったら</a:t>
+            </a:r>
+            <a:r>
+              <a:rPr lang="ja-JP" altLang="en-US"/>
+              <a:t>つけたしといて</a:t>
+            </a:r>
+            <a:endParaRPr lang="en-US" altLang="ja-JP"/>
+          </a:p>
+          <a:p>
+            <a:r>
+              <a:rPr kumimoji="1" lang="ja-JP" altLang="en-US"/>
+              <a:t>あと</a:t>
+            </a:r>
             <a:r>
               <a:rPr kumimoji="1" lang="en-US" altLang="ja-JP"/>
-              <a:t>Final Presentation</a:t>
-            </a:r>
-            <a:endParaRPr kumimoji="1" lang="ja-JP" altLang="en-US"/>
-          </a:p>
-        </p:txBody>
-      </p:sp>
-      <p:sp>
-        <p:nvSpPr>
-          <p:cNvPr id="3" name="字幕 2">
-            <a:extLst>
-              <a:ext uri="{FF2B5EF4-FFF2-40B4-BE49-F238E27FC236}">
-                <a16:creationId xmlns:a16="http://schemas.microsoft.com/office/drawing/2014/main" id="{1EA4710F-DC2F-9A46-BC29-95D9C10DB908}"/>
-              </a:ext>
-            </a:extLst>
-          </p:cNvPr>
-          <p:cNvSpPr>
-            <a:spLocks noGrp="1"/>
-          </p:cNvSpPr>
-          <p:nvPr>
-            <p:ph type="subTitle" idx="1"/>
-          </p:nvPr>
-        </p:nvSpPr>
-        <p:spPr/>
-        <p:txBody>
-          <a:bodyPr/>
-          <a:lstStyle/>
-          <a:p>
-            <a:endParaRPr kumimoji="1" lang="en-US" altLang="ja-JP"/>
+              <a:t>,</a:t>
+            </a:r>
+            <a:r>
+              <a:rPr kumimoji="1" lang="ja-JP" altLang="en-US"/>
+              <a:t> </a:t>
+            </a:r>
+            <a:r>
+              <a:rPr kumimoji="1" lang="en-US" altLang="ja-JP"/>
+              <a:t>Keynote</a:t>
+            </a:r>
+            <a:r>
+              <a:rPr kumimoji="1" lang="ja-JP" altLang="en-US"/>
+              <a:t>で開いてもいいけど</a:t>
+            </a:r>
+            <a:r>
+              <a:rPr kumimoji="1" lang="en-US" altLang="ja-JP"/>
+              <a:t>pptx</a:t>
+            </a:r>
+            <a:r>
+              <a:rPr kumimoji="1" lang="ja-JP" altLang="en-US"/>
+              <a:t>で保存し直してね</a:t>
+            </a:r>
+            <a:endParaRPr lang="en-US" altLang="ja-JP"/>
           </a:p>
         </p:txBody>
       </p:sp>
     </p:spTree>
     <p:extLst>
       <p:ext uri="{BB962C8B-B14F-4D97-AF65-F5344CB8AC3E}">
-        <p14:creationId xmlns:p14="http://schemas.microsoft.com/office/powerpoint/2010/main" val="2600026600"/>
+        <p14:creationId xmlns:p14="http://schemas.microsoft.com/office/powerpoint/2010/main" val="1767461990"/>
       </p:ext>
     </p:extLst>
   </p:cSld>
@@ -4159,1763 +4194,6 @@
           <p:cNvPr id="2" name="タイトル 1">
             <a:extLst>
               <a:ext uri="{FF2B5EF4-FFF2-40B4-BE49-F238E27FC236}">
-                <a16:creationId xmlns:a16="http://schemas.microsoft.com/office/drawing/2014/main" id="{D2D04897-4049-794E-B114-C4376DE92E1F}"/>
-              </a:ext>
-            </a:extLst>
-          </p:cNvPr>
-          <p:cNvSpPr>
-            <a:spLocks noGrp="1"/>
-          </p:cNvSpPr>
-          <p:nvPr>
-            <p:ph type="title"/>
-          </p:nvPr>
-        </p:nvSpPr>
-        <p:spPr/>
-        <p:txBody>
-          <a:bodyPr/>
-          <a:lstStyle/>
-          <a:p>
-            <a:r>
-              <a:rPr lang="en-US" altLang="ja-JP"/>
-              <a:t>Improvement efficiency</a:t>
-            </a:r>
-            <a:endParaRPr kumimoji="1" lang="ja-JP" altLang="en-US"/>
-          </a:p>
-        </p:txBody>
-      </p:sp>
-      <p:sp>
-        <p:nvSpPr>
-          <p:cNvPr id="3" name="コンテンツ プレースホルダー 2">
-            <a:extLst>
-              <a:ext uri="{FF2B5EF4-FFF2-40B4-BE49-F238E27FC236}">
-                <a16:creationId xmlns:a16="http://schemas.microsoft.com/office/drawing/2014/main" id="{D28DC560-FF1A-DD45-8697-680F5C7A2136}"/>
-              </a:ext>
-            </a:extLst>
-          </p:cNvPr>
-          <p:cNvSpPr>
-            <a:spLocks noGrp="1"/>
-          </p:cNvSpPr>
-          <p:nvPr>
-            <p:ph idx="1"/>
-          </p:nvPr>
-        </p:nvSpPr>
-        <p:spPr/>
-        <p:txBody>
-          <a:bodyPr/>
-          <a:lstStyle/>
-          <a:p>
-            <a:pPr marL="514350" indent="-514350">
-              <a:buFont typeface="+mj-lt"/>
-              <a:buAutoNum type="arabicPeriod"/>
-            </a:pPr>
-            <a:endParaRPr lang="en-US" altLang="ja-JP"/>
-          </a:p>
-          <a:p>
-            <a:pPr marL="514350" indent="-514350">
-              <a:buFont typeface="+mj-lt"/>
-              <a:buAutoNum type="arabicPeriod"/>
-            </a:pPr>
-            <a:r>
-              <a:rPr lang="en-US" altLang="ja-JP"/>
-              <a:t>Recursive function has distance information(start -&gt; now position), so if the distance is bigger than roots[K].distance, stop the recursive. -&gt; Waste recursive has been minimized.</a:t>
-            </a:r>
-          </a:p>
-          <a:p>
-            <a:pPr marL="514350" indent="-514350">
-              <a:buFont typeface="+mj-lt"/>
-              <a:buAutoNum type="arabicPeriod"/>
-            </a:pPr>
-            <a:r>
-              <a:rPr lang="en-US" altLang="ja-JP"/>
-              <a:t>High priority segments and points is going ahead.</a:t>
-            </a:r>
-          </a:p>
-          <a:p>
-            <a:pPr marL="514350" indent="-514350">
-              <a:buFont typeface="+mj-lt"/>
-              <a:buAutoNum type="arabicPeriod"/>
-            </a:pPr>
-            <a:r>
-              <a:rPr lang="en-US" altLang="ja-JP"/>
-              <a:t>If goal points have no contacted segments, Do not run recursive func.</a:t>
-            </a:r>
-          </a:p>
-        </p:txBody>
-      </p:sp>
-    </p:spTree>
-    <p:extLst>
-      <p:ext uri="{BB962C8B-B14F-4D97-AF65-F5344CB8AC3E}">
-        <p14:creationId xmlns:p14="http://schemas.microsoft.com/office/powerpoint/2010/main" val="612854101"/>
-      </p:ext>
-    </p:extLst>
-  </p:cSld>
-  <p:clrMapOvr>
-    <a:masterClrMapping/>
-  </p:clrMapOvr>
-</p:sld>
-</file>
-
-<file path=ppt/slides/slide11.xml><?xml version="1.0" encoding="utf-8"?>
-<p:sld xmlns:a="http://schemas.openxmlformats.org/drawingml/2006/main" xmlns:r="http://schemas.openxmlformats.org/officeDocument/2006/relationships" xmlns:p="http://schemas.openxmlformats.org/presentationml/2006/main">
-  <p:cSld>
-    <p:spTree>
-      <p:nvGrpSpPr>
-        <p:cNvPr id="1" name=""/>
-        <p:cNvGrpSpPr/>
-        <p:nvPr/>
-      </p:nvGrpSpPr>
-      <p:grpSpPr>
-        <a:xfrm>
-          <a:off x="0" y="0"/>
-          <a:ext cx="0" cy="0"/>
-          <a:chOff x="0" y="0"/>
-          <a:chExt cx="0" cy="0"/>
-        </a:xfrm>
-      </p:grpSpPr>
-      <p:sp>
-        <p:nvSpPr>
-          <p:cNvPr id="2" name="タイトル 1">
-            <a:extLst>
-              <a:ext uri="{FF2B5EF4-FFF2-40B4-BE49-F238E27FC236}">
-                <a16:creationId xmlns:a16="http://schemas.microsoft.com/office/drawing/2014/main" id="{5E849E72-EDB4-8A47-86D4-F6B3CDABBAF2}"/>
-              </a:ext>
-            </a:extLst>
-          </p:cNvPr>
-          <p:cNvSpPr>
-            <a:spLocks noGrp="1"/>
-          </p:cNvSpPr>
-          <p:nvPr>
-            <p:ph type="title"/>
-          </p:nvPr>
-        </p:nvSpPr>
-        <p:spPr/>
-        <p:txBody>
-          <a:bodyPr/>
-          <a:lstStyle/>
-          <a:p>
-            <a:r>
-              <a:rPr lang="en" altLang="ja-JP"/>
-              <a:t>Algorithms: Adding new point to network</a:t>
-            </a:r>
-            <a:endParaRPr kumimoji="1" lang="ja-JP" altLang="en-US"/>
-          </a:p>
-        </p:txBody>
-      </p:sp>
-      <p:sp>
-        <p:nvSpPr>
-          <p:cNvPr id="3" name="コンテンツ プレースホルダー 2">
-            <a:extLst>
-              <a:ext uri="{FF2B5EF4-FFF2-40B4-BE49-F238E27FC236}">
-                <a16:creationId xmlns:a16="http://schemas.microsoft.com/office/drawing/2014/main" id="{CCB6769D-A636-6E40-BB09-39C245935870}"/>
-              </a:ext>
-            </a:extLst>
-          </p:cNvPr>
-          <p:cNvSpPr>
-            <a:spLocks noGrp="1"/>
-          </p:cNvSpPr>
-          <p:nvPr>
-            <p:ph idx="1"/>
-          </p:nvPr>
-        </p:nvSpPr>
-        <p:spPr/>
-        <p:txBody>
-          <a:bodyPr/>
-          <a:lstStyle/>
-          <a:p>
-            <a:pPr marL="514350" indent="-514350">
-              <a:buFont typeface="+mj-lt"/>
-              <a:buAutoNum type="arabicPeriod"/>
-            </a:pPr>
-            <a:r>
-              <a:rPr lang="en-US" altLang="ja-JP"/>
-              <a:t>for segment in segments:</a:t>
-            </a:r>
-          </a:p>
-          <a:p>
-            <a:pPr marL="971550" lvl="1" indent="-514350">
-              <a:buFont typeface="+mj-lt"/>
-              <a:buAutoNum type="arabicPeriod"/>
-            </a:pPr>
-            <a:r>
-              <a:rPr lang="en-US" altLang="ja-JP"/>
-              <a:t>Find the straight line which cross segment with 90 degree</a:t>
-            </a:r>
-          </a:p>
-          <a:p>
-            <a:pPr marL="971550" lvl="1" indent="-514350">
-              <a:buFont typeface="+mj-lt"/>
-              <a:buAutoNum type="arabicPeriod"/>
-            </a:pPr>
-            <a:r>
-              <a:rPr lang="en-US" altLang="ja-JP"/>
-              <a:t>Find the intersection of the straight line and segment</a:t>
-            </a:r>
-          </a:p>
-          <a:p>
-            <a:pPr marL="971550" lvl="1" indent="-514350">
-              <a:buFont typeface="+mj-lt"/>
-              <a:buAutoNum type="arabicPeriod"/>
-            </a:pPr>
-            <a:r>
-              <a:rPr lang="en-US" altLang="ja-JP"/>
-              <a:t>if the intersection is not on segment, update intersetion to closer point between start point and end point of segment</a:t>
-            </a:r>
-          </a:p>
-          <a:p>
-            <a:pPr marL="971550" lvl="1" indent="-514350">
-              <a:buFont typeface="+mj-lt"/>
-              <a:buAutoNum type="arabicPeriod"/>
-            </a:pPr>
-            <a:r>
-              <a:rPr lang="en-US" altLang="ja-JP"/>
-              <a:t>append the intersection to intersrctions list</a:t>
-            </a:r>
-          </a:p>
-          <a:p>
-            <a:pPr marL="457200" indent="-457200">
-              <a:buFont typeface="+mj-lt"/>
-              <a:buAutoNum type="arabicPeriod"/>
-            </a:pPr>
-            <a:r>
-              <a:rPr lang="en-US" altLang="ja-JP"/>
-              <a:t>Find the point which has the minimum distance in intersections list</a:t>
-            </a:r>
-          </a:p>
-          <a:p>
-            <a:pPr marL="457200" indent="-457200">
-              <a:buFont typeface="+mj-lt"/>
-              <a:buAutoNum type="arabicPeriod"/>
-            </a:pPr>
-            <a:r>
-              <a:rPr lang="en-US" altLang="ja-JP"/>
-              <a:t>Add the intersection and segment to the network</a:t>
-            </a:r>
-          </a:p>
-          <a:p>
-            <a:pPr marL="0" indent="0">
-              <a:buNone/>
-            </a:pPr>
-            <a:endParaRPr kumimoji="1" lang="ja-JP" altLang="en-US"/>
-          </a:p>
-        </p:txBody>
-      </p:sp>
-    </p:spTree>
-    <p:extLst>
-      <p:ext uri="{BB962C8B-B14F-4D97-AF65-F5344CB8AC3E}">
-        <p14:creationId xmlns:p14="http://schemas.microsoft.com/office/powerpoint/2010/main" val="2049444118"/>
-      </p:ext>
-    </p:extLst>
-  </p:cSld>
-  <p:clrMapOvr>
-    <a:masterClrMapping/>
-  </p:clrMapOvr>
-</p:sld>
-</file>
-
-<file path=ppt/slides/slide12.xml><?xml version="1.0" encoding="utf-8"?>
-<p:sld xmlns:a="http://schemas.openxmlformats.org/drawingml/2006/main" xmlns:r="http://schemas.openxmlformats.org/officeDocument/2006/relationships" xmlns:p="http://schemas.openxmlformats.org/presentationml/2006/main">
-  <p:cSld>
-    <p:spTree>
-      <p:nvGrpSpPr>
-        <p:cNvPr id="1" name=""/>
-        <p:cNvGrpSpPr/>
-        <p:nvPr/>
-      </p:nvGrpSpPr>
-      <p:grpSpPr>
-        <a:xfrm>
-          <a:off x="0" y="0"/>
-          <a:ext cx="0" cy="0"/>
-          <a:chOff x="0" y="0"/>
-          <a:chExt cx="0" cy="0"/>
-        </a:xfrm>
-      </p:grpSpPr>
-      <p:sp>
-        <p:nvSpPr>
-          <p:cNvPr id="2" name="タイトル 1">
-            <a:extLst>
-              <a:ext uri="{FF2B5EF4-FFF2-40B4-BE49-F238E27FC236}">
-                <a16:creationId xmlns:a16="http://schemas.microsoft.com/office/drawing/2014/main" id="{3E5E3CCC-D57A-2241-B4AB-186634CC942E}"/>
-              </a:ext>
-            </a:extLst>
-          </p:cNvPr>
-          <p:cNvSpPr>
-            <a:spLocks noGrp="1"/>
-          </p:cNvSpPr>
-          <p:nvPr>
-            <p:ph type="title"/>
-          </p:nvPr>
-        </p:nvSpPr>
-        <p:spPr/>
-        <p:txBody>
-          <a:bodyPr/>
-          <a:lstStyle/>
-          <a:p>
-            <a:r>
-              <a:rPr kumimoji="1" lang="en-US" altLang="ja-JP"/>
-              <a:t>Orders</a:t>
-            </a:r>
-            <a:endParaRPr kumimoji="1" lang="ja-JP" altLang="en-US"/>
-          </a:p>
-        </p:txBody>
-      </p:sp>
-      <p:sp>
-        <p:nvSpPr>
-          <p:cNvPr id="3" name="コンテンツ プレースホルダー 2">
-            <a:extLst>
-              <a:ext uri="{FF2B5EF4-FFF2-40B4-BE49-F238E27FC236}">
-                <a16:creationId xmlns:a16="http://schemas.microsoft.com/office/drawing/2014/main" id="{3DDE05F9-B9B7-2644-9CAF-9F76660F8B4F}"/>
-              </a:ext>
-            </a:extLst>
-          </p:cNvPr>
-          <p:cNvSpPr>
-            <a:spLocks noGrp="1"/>
-          </p:cNvSpPr>
-          <p:nvPr>
-            <p:ph idx="1"/>
-          </p:nvPr>
-        </p:nvSpPr>
-        <p:spPr/>
-        <p:txBody>
-          <a:bodyPr/>
-          <a:lstStyle/>
-          <a:p>
-            <a:endParaRPr kumimoji="1" lang="ja-JP" altLang="en-US"/>
-          </a:p>
-        </p:txBody>
-      </p:sp>
-    </p:spTree>
-    <p:extLst>
-      <p:ext uri="{BB962C8B-B14F-4D97-AF65-F5344CB8AC3E}">
-        <p14:creationId xmlns:p14="http://schemas.microsoft.com/office/powerpoint/2010/main" val="3193439304"/>
-      </p:ext>
-    </p:extLst>
-  </p:cSld>
-  <p:clrMapOvr>
-    <a:masterClrMapping/>
-  </p:clrMapOvr>
-</p:sld>
-</file>
-
-<file path=ppt/slides/slide13.xml><?xml version="1.0" encoding="utf-8"?>
-<p:sld xmlns:a="http://schemas.openxmlformats.org/drawingml/2006/main" xmlns:r="http://schemas.openxmlformats.org/officeDocument/2006/relationships" xmlns:p="http://schemas.openxmlformats.org/presentationml/2006/main">
-  <p:cSld>
-    <p:spTree>
-      <p:nvGrpSpPr>
-        <p:cNvPr id="1" name=""/>
-        <p:cNvGrpSpPr/>
-        <p:nvPr/>
-      </p:nvGrpSpPr>
-      <p:grpSpPr>
-        <a:xfrm>
-          <a:off x="0" y="0"/>
-          <a:ext cx="0" cy="0"/>
-          <a:chOff x="0" y="0"/>
-          <a:chExt cx="0" cy="0"/>
-        </a:xfrm>
-      </p:grpSpPr>
-      <p:sp>
-        <p:nvSpPr>
-          <p:cNvPr id="2" name="タイトル 1">
-            <a:extLst>
-              <a:ext uri="{FF2B5EF4-FFF2-40B4-BE49-F238E27FC236}">
-                <a16:creationId xmlns:a16="http://schemas.microsoft.com/office/drawing/2014/main" id="{1CE9DE30-B94F-BC42-ABDA-AA82443594CD}"/>
-              </a:ext>
-            </a:extLst>
-          </p:cNvPr>
-          <p:cNvSpPr>
-            <a:spLocks noGrp="1"/>
-          </p:cNvSpPr>
-          <p:nvPr>
-            <p:ph type="title"/>
-          </p:nvPr>
-        </p:nvSpPr>
-        <p:spPr/>
-        <p:txBody>
-          <a:bodyPr/>
-          <a:lstStyle/>
-          <a:p>
-            <a:r>
-              <a:rPr kumimoji="1" lang="en-US" altLang="ja-JP"/>
-              <a:t>Visualization</a:t>
-            </a:r>
-            <a:endParaRPr kumimoji="1" lang="ja-JP" altLang="en-US"/>
-          </a:p>
-        </p:txBody>
-      </p:sp>
-      <p:sp>
-        <p:nvSpPr>
-          <p:cNvPr id="5" name="テキスト ボックス 4">
-            <a:extLst>
-              <a:ext uri="{FF2B5EF4-FFF2-40B4-BE49-F238E27FC236}">
-                <a16:creationId xmlns:a16="http://schemas.microsoft.com/office/drawing/2014/main" id="{9741E0B2-2CB8-454A-99CA-41B53CC01626}"/>
-              </a:ext>
-            </a:extLst>
-          </p:cNvPr>
-          <p:cNvSpPr txBox="1"/>
-          <p:nvPr/>
-        </p:nvSpPr>
-        <p:spPr>
-          <a:xfrm>
-            <a:off x="6230217" y="2691588"/>
-            <a:ext cx="4561367" cy="1938992"/>
-          </a:xfrm>
-          <a:prstGeom prst="rect">
-            <a:avLst/>
-          </a:prstGeom>
-          <a:noFill/>
-        </p:spPr>
-        <p:txBody>
-          <a:bodyPr wrap="square" rtlCol="0">
-            <a:spAutoFit/>
-          </a:bodyPr>
-          <a:lstStyle/>
-          <a:p>
-            <a:r>
-              <a:rPr lang="en-US" altLang="ja-JP" sz="2400"/>
-              <a:t>Used Matplotlib for visualizing!</a:t>
-            </a:r>
-          </a:p>
-          <a:p>
-            <a:r>
-              <a:rPr lang="en-US" altLang="ja-JP" sz="2400"/>
-              <a:t>Plot:</a:t>
-            </a:r>
-          </a:p>
-          <a:p>
-            <a:pPr marL="342900" indent="-342900">
-              <a:buFont typeface="Arial" panose="020B0604020202020204" pitchFamily="34" charset="0"/>
-              <a:buChar char="•"/>
-            </a:pPr>
-            <a:r>
-              <a:rPr kumimoji="1" lang="en-US" altLang="ja-JP" sz="2400"/>
-              <a:t>Segments(Blue lines)</a:t>
-            </a:r>
-          </a:p>
-          <a:p>
-            <a:pPr marL="342900" indent="-342900">
-              <a:buFont typeface="Arial" panose="020B0604020202020204" pitchFamily="34" charset="0"/>
-              <a:buChar char="•"/>
-            </a:pPr>
-            <a:r>
-              <a:rPr lang="en-US" altLang="ja-JP" sz="2400"/>
-              <a:t>Points(Red points)</a:t>
-            </a:r>
-          </a:p>
-          <a:p>
-            <a:pPr marL="342900" indent="-342900">
-              <a:buFont typeface="Arial" panose="020B0604020202020204" pitchFamily="34" charset="0"/>
-              <a:buChar char="•"/>
-            </a:pPr>
-            <a:r>
-              <a:rPr kumimoji="1" lang="en-US" altLang="ja-JP" sz="2400"/>
-              <a:t>Intersetcions(Pink points)</a:t>
-            </a:r>
-            <a:endParaRPr kumimoji="1" lang="ja-JP" altLang="en-US" sz="2400"/>
-          </a:p>
-        </p:txBody>
-      </p:sp>
-      <p:pic>
-        <p:nvPicPr>
-          <p:cNvPr id="9" name="コンテンツ プレースホルダー 8" descr="地図, テキスト が含まれている画像&#10;&#10;自動的に生成された説明">
-            <a:extLst>
-              <a:ext uri="{FF2B5EF4-FFF2-40B4-BE49-F238E27FC236}">
-                <a16:creationId xmlns:a16="http://schemas.microsoft.com/office/drawing/2014/main" id="{C8264193-0144-5F43-B14D-0ADA121A57C9}"/>
-              </a:ext>
-            </a:extLst>
-          </p:cNvPr>
-          <p:cNvPicPr>
-            <a:picLocks noGrp="1" noChangeAspect="1"/>
-          </p:cNvPicPr>
-          <p:nvPr>
-            <p:ph idx="1"/>
-          </p:nvPr>
-        </p:nvPicPr>
-        <p:blipFill>
-          <a:blip r:embed="rId2"/>
-          <a:stretch>
-            <a:fillRect/>
-          </a:stretch>
-        </p:blipFill>
-        <p:spPr>
-          <a:xfrm>
-            <a:off x="277781" y="1867517"/>
-            <a:ext cx="5818219" cy="4351338"/>
-          </a:xfrm>
-        </p:spPr>
-      </p:pic>
-    </p:spTree>
-    <p:extLst>
-      <p:ext uri="{BB962C8B-B14F-4D97-AF65-F5344CB8AC3E}">
-        <p14:creationId xmlns:p14="http://schemas.microsoft.com/office/powerpoint/2010/main" val="293231606"/>
-      </p:ext>
-    </p:extLst>
-  </p:cSld>
-  <p:clrMapOvr>
-    <a:masterClrMapping/>
-  </p:clrMapOvr>
-</p:sld>
-</file>
-
-<file path=ppt/slides/slide14.xml><?xml version="1.0" encoding="utf-8"?>
-<p:sld xmlns:a="http://schemas.openxmlformats.org/drawingml/2006/main" xmlns:r="http://schemas.openxmlformats.org/officeDocument/2006/relationships" xmlns:p="http://schemas.openxmlformats.org/presentationml/2006/main">
-  <p:cSld>
-    <p:spTree>
-      <p:nvGrpSpPr>
-        <p:cNvPr id="1" name=""/>
-        <p:cNvGrpSpPr/>
-        <p:nvPr/>
-      </p:nvGrpSpPr>
-      <p:grpSpPr>
-        <a:xfrm>
-          <a:off x="0" y="0"/>
-          <a:ext cx="0" cy="0"/>
-          <a:chOff x="0" y="0"/>
-          <a:chExt cx="0" cy="0"/>
-        </a:xfrm>
-      </p:grpSpPr>
-      <p:sp>
-        <p:nvSpPr>
-          <p:cNvPr id="2" name="タイトル 1">
-            <a:extLst>
-              <a:ext uri="{FF2B5EF4-FFF2-40B4-BE49-F238E27FC236}">
-                <a16:creationId xmlns:a16="http://schemas.microsoft.com/office/drawing/2014/main" id="{E5276993-FED4-164D-AA5C-EC17E7957903}"/>
-              </a:ext>
-            </a:extLst>
-          </p:cNvPr>
-          <p:cNvSpPr>
-            <a:spLocks noGrp="1"/>
-          </p:cNvSpPr>
-          <p:nvPr>
-            <p:ph type="title"/>
-          </p:nvPr>
-        </p:nvSpPr>
-        <p:spPr/>
-        <p:txBody>
-          <a:bodyPr/>
-          <a:lstStyle/>
-          <a:p>
-            <a:r>
-              <a:rPr kumimoji="1" lang="en-US" altLang="ja-JP"/>
-              <a:t>Testdata generator</a:t>
-            </a:r>
-            <a:endParaRPr kumimoji="1" lang="ja-JP" altLang="en-US"/>
-          </a:p>
-        </p:txBody>
-      </p:sp>
-      <p:sp>
-        <p:nvSpPr>
-          <p:cNvPr id="3" name="コンテンツ プレースホルダー 2">
-            <a:extLst>
-              <a:ext uri="{FF2B5EF4-FFF2-40B4-BE49-F238E27FC236}">
-                <a16:creationId xmlns:a16="http://schemas.microsoft.com/office/drawing/2014/main" id="{FE6067C5-CA75-754B-9259-7B81259EBD2C}"/>
-              </a:ext>
-            </a:extLst>
-          </p:cNvPr>
-          <p:cNvSpPr>
-            <a:spLocks noGrp="1"/>
-          </p:cNvSpPr>
-          <p:nvPr>
-            <p:ph idx="1"/>
-          </p:nvPr>
-        </p:nvSpPr>
-        <p:spPr/>
-        <p:txBody>
-          <a:bodyPr/>
-          <a:lstStyle/>
-          <a:p>
-            <a:r>
-              <a:rPr kumimoji="1" lang="en-US" altLang="ja-JP"/>
-              <a:t>We made testdata Generator for max input and minimun input.</a:t>
-            </a:r>
-          </a:p>
-          <a:p>
-            <a:r>
-              <a:rPr lang="en-US" altLang="ja-JP"/>
-              <a:t>We created other testdatas(for normal and special cases) by hand.</a:t>
-            </a:r>
-            <a:endParaRPr kumimoji="1" lang="ja-JP" altLang="en-US"/>
-          </a:p>
-        </p:txBody>
-      </p:sp>
-    </p:spTree>
-    <p:extLst>
-      <p:ext uri="{BB962C8B-B14F-4D97-AF65-F5344CB8AC3E}">
-        <p14:creationId xmlns:p14="http://schemas.microsoft.com/office/powerpoint/2010/main" val="2223965813"/>
-      </p:ext>
-    </p:extLst>
-  </p:cSld>
-  <p:clrMapOvr>
-    <a:masterClrMapping/>
-  </p:clrMapOvr>
-</p:sld>
-</file>
-
-<file path=ppt/slides/slide15.xml><?xml version="1.0" encoding="utf-8"?>
-<p:sld xmlns:a="http://schemas.openxmlformats.org/drawingml/2006/main" xmlns:r="http://schemas.openxmlformats.org/officeDocument/2006/relationships" xmlns:p="http://schemas.openxmlformats.org/presentationml/2006/main">
-  <p:cSld>
-    <p:spTree>
-      <p:nvGrpSpPr>
-        <p:cNvPr id="1" name=""/>
-        <p:cNvGrpSpPr/>
-        <p:nvPr/>
-      </p:nvGrpSpPr>
-      <p:grpSpPr>
-        <a:xfrm>
-          <a:off x="0" y="0"/>
-          <a:ext cx="0" cy="0"/>
-          <a:chOff x="0" y="0"/>
-          <a:chExt cx="0" cy="0"/>
-        </a:xfrm>
-      </p:grpSpPr>
-      <p:sp>
-        <p:nvSpPr>
-          <p:cNvPr id="2" name="タイトル 1">
-            <a:extLst>
-              <a:ext uri="{FF2B5EF4-FFF2-40B4-BE49-F238E27FC236}">
-                <a16:creationId xmlns:a16="http://schemas.microsoft.com/office/drawing/2014/main" id="{665EDAAD-51D2-B54F-B379-F758A2C61CBD}"/>
-              </a:ext>
-            </a:extLst>
-          </p:cNvPr>
-          <p:cNvSpPr>
-            <a:spLocks noGrp="1"/>
-          </p:cNvSpPr>
-          <p:nvPr>
-            <p:ph type="title"/>
-          </p:nvPr>
-        </p:nvSpPr>
-        <p:spPr/>
-        <p:txBody>
-          <a:bodyPr/>
-          <a:lstStyle/>
-          <a:p>
-            <a:r>
-              <a:rPr kumimoji="1" lang="en-US" altLang="ja-JP"/>
-              <a:t>Contribution</a:t>
-            </a:r>
-            <a:endParaRPr kumimoji="1" lang="ja-JP" altLang="en-US"/>
-          </a:p>
-        </p:txBody>
-      </p:sp>
-      <p:pic>
-        <p:nvPicPr>
-          <p:cNvPr id="5" name="コンテンツ プレースホルダー 4" descr="スクリーンショット が含まれている画像&#10;&#10;自動的に生成された説明">
-            <a:extLst>
-              <a:ext uri="{FF2B5EF4-FFF2-40B4-BE49-F238E27FC236}">
-                <a16:creationId xmlns:a16="http://schemas.microsoft.com/office/drawing/2014/main" id="{0C4C2A21-9694-5543-8BDE-C2FBCFB51CDA}"/>
-              </a:ext>
-            </a:extLst>
-          </p:cNvPr>
-          <p:cNvPicPr>
-            <a:picLocks noGrp="1" noChangeAspect="1"/>
-          </p:cNvPicPr>
-          <p:nvPr>
-            <p:ph idx="1"/>
-          </p:nvPr>
-        </p:nvPicPr>
-        <p:blipFill>
-          <a:blip r:embed="rId2"/>
-          <a:stretch>
-            <a:fillRect/>
-          </a:stretch>
-        </p:blipFill>
-        <p:spPr>
-          <a:xfrm>
-            <a:off x="838200" y="1371600"/>
-            <a:ext cx="5678996" cy="3763814"/>
-          </a:xfrm>
-        </p:spPr>
-      </p:pic>
-      <p:pic>
-        <p:nvPicPr>
-          <p:cNvPr id="6" name="図 5" descr="スクリーンショット が含まれている画像&#10;&#10;自動的に生成された説明">
-            <a:extLst>
-              <a:ext uri="{FF2B5EF4-FFF2-40B4-BE49-F238E27FC236}">
-                <a16:creationId xmlns:a16="http://schemas.microsoft.com/office/drawing/2014/main" id="{23E88CF0-5678-6848-BA83-CC6C234FE985}"/>
-              </a:ext>
-            </a:extLst>
-          </p:cNvPr>
-          <p:cNvPicPr>
-            <a:picLocks noChangeAspect="1"/>
-          </p:cNvPicPr>
-          <p:nvPr/>
-        </p:nvPicPr>
-        <p:blipFill>
-          <a:blip r:embed="rId3"/>
-          <a:stretch>
-            <a:fillRect/>
-          </a:stretch>
-        </p:blipFill>
-        <p:spPr>
-          <a:xfrm>
-            <a:off x="731874" y="5241739"/>
-            <a:ext cx="9956800" cy="1460500"/>
-          </a:xfrm>
-          <a:prstGeom prst="rect">
-            <a:avLst/>
-          </a:prstGeom>
-        </p:spPr>
-      </p:pic>
-      <p:sp>
-        <p:nvSpPr>
-          <p:cNvPr id="7" name="テキスト ボックス 6">
-            <a:extLst>
-              <a:ext uri="{FF2B5EF4-FFF2-40B4-BE49-F238E27FC236}">
-                <a16:creationId xmlns:a16="http://schemas.microsoft.com/office/drawing/2014/main" id="{4B881C3A-1181-8C49-AC21-483D3D6CF977}"/>
-              </a:ext>
-            </a:extLst>
-          </p:cNvPr>
-          <p:cNvSpPr txBox="1"/>
-          <p:nvPr/>
-        </p:nvSpPr>
-        <p:spPr>
-          <a:xfrm>
-            <a:off x="7124996" y="2583655"/>
-            <a:ext cx="3563678" cy="2031325"/>
-          </a:xfrm>
-          <a:prstGeom prst="rect">
-            <a:avLst/>
-          </a:prstGeom>
-          <a:noFill/>
-        </p:spPr>
-        <p:txBody>
-          <a:bodyPr wrap="square" rtlCol="0">
-            <a:spAutoFit/>
-          </a:bodyPr>
-          <a:lstStyle/>
-          <a:p>
-            <a:r>
-              <a:rPr kumimoji="1" lang="en-US" altLang="ja-JP" b="1"/>
-              <a:t>Sora Koshikawa</a:t>
-            </a:r>
-          </a:p>
-          <a:p>
-            <a:pPr marL="285750" indent="-285750">
-              <a:buFont typeface="Arial" panose="020B0604020202020204" pitchFamily="34" charset="0"/>
-              <a:buChar char="•"/>
-            </a:pPr>
-            <a:r>
-              <a:rPr lang="en-US" altLang="ja-JP"/>
-              <a:t>73 lines per 46hours</a:t>
-            </a:r>
-          </a:p>
-          <a:p>
-            <a:pPr marL="285750" indent="-285750">
-              <a:buFont typeface="Arial" panose="020B0604020202020204" pitchFamily="34" charset="0"/>
-              <a:buChar char="•"/>
-            </a:pPr>
-            <a:r>
-              <a:rPr kumimoji="1" lang="en-US" altLang="ja-JP"/>
-              <a:t>LOC is 1.58</a:t>
-            </a:r>
-          </a:p>
-          <a:p>
-            <a:pPr marL="285750" indent="-285750">
-              <a:buFont typeface="Arial" panose="020B0604020202020204" pitchFamily="34" charset="0"/>
-              <a:buChar char="•"/>
-            </a:pPr>
-            <a:endParaRPr lang="en-US" altLang="ja-JP"/>
-          </a:p>
-          <a:p>
-            <a:r>
-              <a:rPr kumimoji="1" lang="en-US" altLang="ja-JP" b="1"/>
-              <a:t>Kaito Kimura</a:t>
-            </a:r>
-          </a:p>
-          <a:p>
-            <a:pPr marL="285750" indent="-285750">
-              <a:buFont typeface="Arial" panose="020B0604020202020204" pitchFamily="34" charset="0"/>
-              <a:buChar char="•"/>
-            </a:pPr>
-            <a:r>
-              <a:rPr lang="en-US" altLang="ja-JP"/>
-              <a:t>1544 lines per 60 hours</a:t>
-            </a:r>
-          </a:p>
-          <a:p>
-            <a:pPr marL="285750" indent="-285750">
-              <a:buFont typeface="Arial" panose="020B0604020202020204" pitchFamily="34" charset="0"/>
-              <a:buChar char="•"/>
-            </a:pPr>
-            <a:r>
-              <a:rPr kumimoji="1" lang="en-US" altLang="ja-JP"/>
-              <a:t>LOC is 25.73</a:t>
-            </a:r>
-            <a:endParaRPr kumimoji="1" lang="ja-JP" altLang="en-US"/>
-          </a:p>
-        </p:txBody>
-      </p:sp>
-    </p:spTree>
-    <p:extLst>
-      <p:ext uri="{BB962C8B-B14F-4D97-AF65-F5344CB8AC3E}">
-        <p14:creationId xmlns:p14="http://schemas.microsoft.com/office/powerpoint/2010/main" val="1595393690"/>
-      </p:ext>
-    </p:extLst>
-  </p:cSld>
-  <p:clrMapOvr>
-    <a:masterClrMapping/>
-  </p:clrMapOvr>
-</p:sld>
-</file>
-
-<file path=ppt/slides/slide16.xml><?xml version="1.0" encoding="utf-8"?>
-<p:sld xmlns:a="http://schemas.openxmlformats.org/drawingml/2006/main" xmlns:r="http://schemas.openxmlformats.org/officeDocument/2006/relationships" xmlns:p="http://schemas.openxmlformats.org/presentationml/2006/main">
-  <p:cSld>
-    <p:spTree>
-      <p:nvGrpSpPr>
-        <p:cNvPr id="1" name=""/>
-        <p:cNvGrpSpPr/>
-        <p:nvPr/>
-      </p:nvGrpSpPr>
-      <p:grpSpPr>
-        <a:xfrm>
-          <a:off x="0" y="0"/>
-          <a:ext cx="0" cy="0"/>
-          <a:chOff x="0" y="0"/>
-          <a:chExt cx="0" cy="0"/>
-        </a:xfrm>
-      </p:grpSpPr>
-      <p:sp>
-        <p:nvSpPr>
-          <p:cNvPr id="2" name="タイトル 1">
-            <a:extLst>
-              <a:ext uri="{FF2B5EF4-FFF2-40B4-BE49-F238E27FC236}">
-                <a16:creationId xmlns:a16="http://schemas.microsoft.com/office/drawing/2014/main" id="{58C42460-3C29-014C-A0A9-B5A1BB589EFD}"/>
-              </a:ext>
-            </a:extLst>
-          </p:cNvPr>
-          <p:cNvSpPr>
-            <a:spLocks noGrp="1"/>
-          </p:cNvSpPr>
-          <p:nvPr>
-            <p:ph type="title"/>
-          </p:nvPr>
-        </p:nvSpPr>
-        <p:spPr/>
-        <p:txBody>
-          <a:bodyPr/>
-          <a:lstStyle/>
-          <a:p>
-            <a:r>
-              <a:rPr kumimoji="1" lang="en-US" altLang="ja-JP"/>
-              <a:t>Summary</a:t>
-            </a:r>
-            <a:endParaRPr kumimoji="1" lang="ja-JP" altLang="en-US"/>
-          </a:p>
-        </p:txBody>
-      </p:sp>
-      <p:sp>
-        <p:nvSpPr>
-          <p:cNvPr id="3" name="コンテンツ プレースホルダー 2">
-            <a:extLst>
-              <a:ext uri="{FF2B5EF4-FFF2-40B4-BE49-F238E27FC236}">
-                <a16:creationId xmlns:a16="http://schemas.microsoft.com/office/drawing/2014/main" id="{96132756-7891-1342-97C6-4DDCAA9EE6DF}"/>
-              </a:ext>
-            </a:extLst>
-          </p:cNvPr>
-          <p:cNvSpPr>
-            <a:spLocks noGrp="1"/>
-          </p:cNvSpPr>
-          <p:nvPr>
-            <p:ph idx="1"/>
-          </p:nvPr>
-        </p:nvSpPr>
-        <p:spPr/>
-        <p:txBody>
-          <a:bodyPr/>
-          <a:lstStyle/>
-          <a:p>
-            <a:endParaRPr kumimoji="1" lang="en-US" altLang="ja-JP"/>
-          </a:p>
-          <a:p>
-            <a:r>
-              <a:rPr kumimoji="1" lang="en-US" altLang="ja-JP"/>
-              <a:t>We thohght and impremented algorithm(Recursive) by self.</a:t>
-            </a:r>
-          </a:p>
-          <a:p>
-            <a:pPr lvl="1"/>
-            <a:r>
-              <a:rPr lang="en-US" altLang="ja-JP"/>
-              <a:t>Difficult, but it would be a good experience</a:t>
-            </a:r>
-          </a:p>
-          <a:p>
-            <a:pPr lvl="1"/>
-            <a:r>
-              <a:rPr kumimoji="1" lang="en-US" altLang="ja-JP"/>
-              <a:t>We could design the system well </a:t>
-            </a:r>
-            <a:r>
-              <a:rPr kumimoji="1" lang="ja-JP" altLang="en-US"/>
-              <a:t>➜</a:t>
-            </a:r>
-            <a:r>
-              <a:rPr kumimoji="1" lang="en-US" altLang="ja-JP"/>
-              <a:t> Imprement system efficiently</a:t>
-            </a:r>
-          </a:p>
-          <a:p>
-            <a:pPr lvl="1"/>
-            <a:r>
-              <a:rPr kumimoji="1" lang="en-US" altLang="ja-JP"/>
-              <a:t>Algorithm efficiency was so bad that the system could not treat the big size input(ex10, ex11)</a:t>
-            </a:r>
-            <a:endParaRPr lang="en-US" altLang="ja-JP"/>
-          </a:p>
-          <a:p>
-            <a:r>
-              <a:rPr lang="en-US" altLang="ja-JP"/>
-              <a:t>We should have think deeply about what algorithm we use</a:t>
-            </a:r>
-            <a:endParaRPr kumimoji="1" lang="en-US" altLang="ja-JP"/>
-          </a:p>
-        </p:txBody>
-      </p:sp>
-    </p:spTree>
-    <p:extLst>
-      <p:ext uri="{BB962C8B-B14F-4D97-AF65-F5344CB8AC3E}">
-        <p14:creationId xmlns:p14="http://schemas.microsoft.com/office/powerpoint/2010/main" val="1521060905"/>
-      </p:ext>
-    </p:extLst>
-  </p:cSld>
-  <p:clrMapOvr>
-    <a:masterClrMapping/>
-  </p:clrMapOvr>
-</p:sld>
-</file>
-
-<file path=ppt/slides/slide2.xml><?xml version="1.0" encoding="utf-8"?>
-<p:sld xmlns:a="http://schemas.openxmlformats.org/drawingml/2006/main" xmlns:r="http://schemas.openxmlformats.org/officeDocument/2006/relationships" xmlns:p="http://schemas.openxmlformats.org/presentationml/2006/main">
-  <p:cSld>
-    <p:spTree>
-      <p:nvGrpSpPr>
-        <p:cNvPr id="1" name=""/>
-        <p:cNvGrpSpPr/>
-        <p:nvPr/>
-      </p:nvGrpSpPr>
-      <p:grpSpPr>
-        <a:xfrm>
-          <a:off x="0" y="0"/>
-          <a:ext cx="0" cy="0"/>
-          <a:chOff x="0" y="0"/>
-          <a:chExt cx="0" cy="0"/>
-        </a:xfrm>
-      </p:grpSpPr>
-      <p:sp>
-        <p:nvSpPr>
-          <p:cNvPr id="2" name="タイトル 1">
-            <a:extLst>
-              <a:ext uri="{FF2B5EF4-FFF2-40B4-BE49-F238E27FC236}">
-                <a16:creationId xmlns:a16="http://schemas.microsoft.com/office/drawing/2014/main" id="{917E0DDB-F23B-7643-89CB-C024CD601435}"/>
-              </a:ext>
-            </a:extLst>
-          </p:cNvPr>
-          <p:cNvSpPr>
-            <a:spLocks noGrp="1"/>
-          </p:cNvSpPr>
-          <p:nvPr>
-            <p:ph type="title"/>
-          </p:nvPr>
-        </p:nvSpPr>
-        <p:spPr/>
-        <p:txBody>
-          <a:bodyPr/>
-          <a:lstStyle/>
-          <a:p>
-            <a:r>
-              <a:rPr kumimoji="1" lang="en-US" altLang="ja-JP"/>
-              <a:t>Team: SKYS</a:t>
-            </a:r>
-            <a:endParaRPr kumimoji="1" lang="ja-JP" altLang="en-US"/>
-          </a:p>
-        </p:txBody>
-      </p:sp>
-      <p:sp>
-        <p:nvSpPr>
-          <p:cNvPr id="3" name="コンテンツ プレースホルダー 2">
-            <a:extLst>
-              <a:ext uri="{FF2B5EF4-FFF2-40B4-BE49-F238E27FC236}">
-                <a16:creationId xmlns:a16="http://schemas.microsoft.com/office/drawing/2014/main" id="{58761F7D-E0A4-C247-BC07-2FDABB03D299}"/>
-              </a:ext>
-            </a:extLst>
-          </p:cNvPr>
-          <p:cNvSpPr>
-            <a:spLocks noGrp="1"/>
-          </p:cNvSpPr>
-          <p:nvPr>
-            <p:ph idx="1"/>
-          </p:nvPr>
-        </p:nvSpPr>
-        <p:spPr/>
-        <p:txBody>
-          <a:bodyPr/>
-          <a:lstStyle/>
-          <a:p>
-            <a:pPr marL="0" indent="0">
-              <a:buNone/>
-            </a:pPr>
-            <a:endParaRPr lang="en-US" altLang="ja-JP"/>
-          </a:p>
-          <a:p>
-            <a:pPr marL="0" indent="0">
-              <a:buNone/>
-            </a:pPr>
-            <a:r>
-              <a:rPr lang="en-US" altLang="ja-JP"/>
-              <a:t>Members</a:t>
-            </a:r>
-          </a:p>
-          <a:p>
-            <a:r>
-              <a:rPr lang="en-US" altLang="ja-JP"/>
-              <a:t>Sora Koshikawa(s1250133)</a:t>
-            </a:r>
-          </a:p>
-          <a:p>
-            <a:r>
-              <a:rPr kumimoji="1" lang="en-US" altLang="ja-JP"/>
-              <a:t>Kaito Kimura(s1250131)</a:t>
-            </a:r>
-            <a:endParaRPr kumimoji="1" lang="ja-JP" altLang="en-US"/>
-          </a:p>
-        </p:txBody>
-      </p:sp>
-    </p:spTree>
-    <p:extLst>
-      <p:ext uri="{BB962C8B-B14F-4D97-AF65-F5344CB8AC3E}">
-        <p14:creationId xmlns:p14="http://schemas.microsoft.com/office/powerpoint/2010/main" val="2707171593"/>
-      </p:ext>
-    </p:extLst>
-  </p:cSld>
-  <p:clrMapOvr>
-    <a:masterClrMapping/>
-  </p:clrMapOvr>
-</p:sld>
-</file>
-
-<file path=ppt/slides/slide3.xml><?xml version="1.0" encoding="utf-8"?>
-<p:sld xmlns:a="http://schemas.openxmlformats.org/drawingml/2006/main" xmlns:r="http://schemas.openxmlformats.org/officeDocument/2006/relationships" xmlns:p="http://schemas.openxmlformats.org/presentationml/2006/main">
-  <p:cSld>
-    <p:spTree>
-      <p:nvGrpSpPr>
-        <p:cNvPr id="1" name=""/>
-        <p:cNvGrpSpPr/>
-        <p:nvPr/>
-      </p:nvGrpSpPr>
-      <p:grpSpPr>
-        <a:xfrm>
-          <a:off x="0" y="0"/>
-          <a:ext cx="0" cy="0"/>
-          <a:chOff x="0" y="0"/>
-          <a:chExt cx="0" cy="0"/>
-        </a:xfrm>
-      </p:grpSpPr>
-      <p:sp>
-        <p:nvSpPr>
-          <p:cNvPr id="2" name="タイトル 1">
-            <a:extLst>
-              <a:ext uri="{FF2B5EF4-FFF2-40B4-BE49-F238E27FC236}">
-                <a16:creationId xmlns:a16="http://schemas.microsoft.com/office/drawing/2014/main" id="{780BEFC5-2A6E-D844-B4D2-C6AE9B8BC484}"/>
-              </a:ext>
-            </a:extLst>
-          </p:cNvPr>
-          <p:cNvSpPr>
-            <a:spLocks noGrp="1"/>
-          </p:cNvSpPr>
-          <p:nvPr>
-            <p:ph type="title"/>
-          </p:nvPr>
-        </p:nvSpPr>
-        <p:spPr/>
-        <p:txBody>
-          <a:bodyPr/>
-          <a:lstStyle/>
-          <a:p>
-            <a:r>
-              <a:rPr kumimoji="1" lang="en-US" altLang="ja-JP"/>
-              <a:t>Development Environment</a:t>
-            </a:r>
-            <a:endParaRPr kumimoji="1" lang="ja-JP" altLang="en-US"/>
-          </a:p>
-        </p:txBody>
-      </p:sp>
-      <p:sp>
-        <p:nvSpPr>
-          <p:cNvPr id="3" name="コンテンツ プレースホルダー 2">
-            <a:extLst>
-              <a:ext uri="{FF2B5EF4-FFF2-40B4-BE49-F238E27FC236}">
-                <a16:creationId xmlns:a16="http://schemas.microsoft.com/office/drawing/2014/main" id="{5086F5FE-FA1D-0E42-BA7B-7CA19368A9AE}"/>
-              </a:ext>
-            </a:extLst>
-          </p:cNvPr>
-          <p:cNvSpPr>
-            <a:spLocks noGrp="1"/>
-          </p:cNvSpPr>
-          <p:nvPr>
-            <p:ph idx="1"/>
-          </p:nvPr>
-        </p:nvSpPr>
-        <p:spPr/>
-        <p:txBody>
-          <a:bodyPr/>
-          <a:lstStyle/>
-          <a:p>
-            <a:r>
-              <a:rPr kumimoji="1" lang="en-US" altLang="ja-JP"/>
-              <a:t>Language: Python3</a:t>
-            </a:r>
-          </a:p>
-          <a:p>
-            <a:r>
-              <a:rPr lang="en-US" altLang="ja-JP"/>
-              <a:t>Editor, IDE: All members used Atom IDE for developing</a:t>
-            </a:r>
-          </a:p>
-          <a:p>
-            <a:r>
-              <a:rPr lang="en-US" altLang="ja-JP"/>
-              <a:t>Management: Github, Git</a:t>
-            </a:r>
-          </a:p>
-          <a:p>
-            <a:r>
-              <a:rPr kumimoji="1" lang="en-US" altLang="ja-JP"/>
-              <a:t>Librarys: matplotlib(for visualizing), venv(for using virtual environment)</a:t>
-            </a:r>
-          </a:p>
-          <a:p>
-            <a:endParaRPr lang="en-US" altLang="ja-JP"/>
-          </a:p>
-          <a:p>
-            <a:pPr marL="0" indent="0">
-              <a:buNone/>
-            </a:pPr>
-            <a:r>
-              <a:rPr kumimoji="1" lang="en-US" altLang="ja-JP"/>
-              <a:t>Why we chose Python?</a:t>
-            </a:r>
-          </a:p>
-          <a:p>
-            <a:pPr marL="0" indent="0">
-              <a:buNone/>
-            </a:pPr>
-            <a:endParaRPr kumimoji="1" lang="en-US" altLang="ja-JP"/>
-          </a:p>
-        </p:txBody>
-      </p:sp>
-    </p:spTree>
-    <p:extLst>
-      <p:ext uri="{BB962C8B-B14F-4D97-AF65-F5344CB8AC3E}">
-        <p14:creationId xmlns:p14="http://schemas.microsoft.com/office/powerpoint/2010/main" val="1874404191"/>
-      </p:ext>
-    </p:extLst>
-  </p:cSld>
-  <p:clrMapOvr>
-    <a:masterClrMapping/>
-  </p:clrMapOvr>
-</p:sld>
-</file>
-
-<file path=ppt/slides/slide4.xml><?xml version="1.0" encoding="utf-8"?>
-<p:sld xmlns:a="http://schemas.openxmlformats.org/drawingml/2006/main" xmlns:r="http://schemas.openxmlformats.org/officeDocument/2006/relationships" xmlns:p="http://schemas.openxmlformats.org/presentationml/2006/main">
-  <p:cSld>
-    <p:spTree>
-      <p:nvGrpSpPr>
-        <p:cNvPr id="1" name=""/>
-        <p:cNvGrpSpPr/>
-        <p:nvPr/>
-      </p:nvGrpSpPr>
-      <p:grpSpPr>
-        <a:xfrm>
-          <a:off x="0" y="0"/>
-          <a:ext cx="0" cy="0"/>
-          <a:chOff x="0" y="0"/>
-          <a:chExt cx="0" cy="0"/>
-        </a:xfrm>
-      </p:grpSpPr>
-      <p:sp>
-        <p:nvSpPr>
-          <p:cNvPr id="2" name="タイトル 1">
-            <a:extLst>
-              <a:ext uri="{FF2B5EF4-FFF2-40B4-BE49-F238E27FC236}">
-                <a16:creationId xmlns:a16="http://schemas.microsoft.com/office/drawing/2014/main" id="{E5521801-31A3-B042-89C9-475F0D4CD40B}"/>
-              </a:ext>
-            </a:extLst>
-          </p:cNvPr>
-          <p:cNvSpPr>
-            <a:spLocks noGrp="1"/>
-          </p:cNvSpPr>
-          <p:nvPr>
-            <p:ph type="title"/>
-          </p:nvPr>
-        </p:nvSpPr>
-        <p:spPr/>
-        <p:txBody>
-          <a:bodyPr/>
-          <a:lstStyle/>
-          <a:p>
-            <a:r>
-              <a:rPr kumimoji="1" lang="en-US" altLang="ja-JP"/>
-              <a:t>Project abstract</a:t>
-            </a:r>
-            <a:endParaRPr kumimoji="1" lang="ja-JP" altLang="en-US"/>
-          </a:p>
-        </p:txBody>
-      </p:sp>
-      <p:sp>
-        <p:nvSpPr>
-          <p:cNvPr id="3" name="コンテンツ プレースホルダー 2">
-            <a:extLst>
-              <a:ext uri="{FF2B5EF4-FFF2-40B4-BE49-F238E27FC236}">
-                <a16:creationId xmlns:a16="http://schemas.microsoft.com/office/drawing/2014/main" id="{70AB633E-0A70-BD48-AEEB-0B8E6CC2F84B}"/>
-              </a:ext>
-            </a:extLst>
-          </p:cNvPr>
-          <p:cNvSpPr>
-            <a:spLocks noGrp="1"/>
-          </p:cNvSpPr>
-          <p:nvPr>
-            <p:ph idx="1"/>
-          </p:nvPr>
-        </p:nvSpPr>
-        <p:spPr/>
-        <p:txBody>
-          <a:bodyPr/>
-          <a:lstStyle/>
-          <a:p>
-            <a:endParaRPr lang="en-US" altLang="ja-JP"/>
-          </a:p>
-          <a:p>
-            <a:r>
-              <a:rPr lang="en-US" altLang="ja-JP"/>
-              <a:t>The system constructs “roots network” and searchs root any point to any point or adds some points to network efficiently.</a:t>
-            </a:r>
-            <a:endParaRPr kumimoji="1" lang="en-US" altLang="ja-JP"/>
-          </a:p>
-          <a:p>
-            <a:r>
-              <a:rPr lang="en-US" altLang="ja-JP"/>
-              <a:t>Main algorithm is recursive function. </a:t>
-            </a:r>
-          </a:p>
-          <a:p>
-            <a:r>
-              <a:rPr lang="en-US" altLang="ja-JP"/>
-              <a:t>Improvement of the final phase is introduced in each algorithms part.</a:t>
-            </a:r>
-          </a:p>
-        </p:txBody>
-      </p:sp>
-    </p:spTree>
-    <p:extLst>
-      <p:ext uri="{BB962C8B-B14F-4D97-AF65-F5344CB8AC3E}">
-        <p14:creationId xmlns:p14="http://schemas.microsoft.com/office/powerpoint/2010/main" val="757628360"/>
-      </p:ext>
-    </p:extLst>
-  </p:cSld>
-  <p:clrMapOvr>
-    <a:masterClrMapping/>
-  </p:clrMapOvr>
-</p:sld>
-</file>
-
-<file path=ppt/slides/slide5.xml><?xml version="1.0" encoding="utf-8"?>
-<p:sld xmlns:a="http://schemas.openxmlformats.org/drawingml/2006/main" xmlns:r="http://schemas.openxmlformats.org/officeDocument/2006/relationships" xmlns:p="http://schemas.openxmlformats.org/presentationml/2006/main">
-  <p:cSld>
-    <p:spTree>
-      <p:nvGrpSpPr>
-        <p:cNvPr id="1" name=""/>
-        <p:cNvGrpSpPr/>
-        <p:nvPr/>
-      </p:nvGrpSpPr>
-      <p:grpSpPr>
-        <a:xfrm>
-          <a:off x="0" y="0"/>
-          <a:ext cx="0" cy="0"/>
-          <a:chOff x="0" y="0"/>
-          <a:chExt cx="0" cy="0"/>
-        </a:xfrm>
-      </p:grpSpPr>
-      <p:sp>
-        <p:nvSpPr>
-          <p:cNvPr id="2" name="タイトル 1">
-            <a:extLst>
-              <a:ext uri="{FF2B5EF4-FFF2-40B4-BE49-F238E27FC236}">
-                <a16:creationId xmlns:a16="http://schemas.microsoft.com/office/drawing/2014/main" id="{E451730B-412D-1F46-ACE9-B15BD50748DE}"/>
-              </a:ext>
-            </a:extLst>
-          </p:cNvPr>
-          <p:cNvSpPr>
-            <a:spLocks noGrp="1"/>
-          </p:cNvSpPr>
-          <p:nvPr>
-            <p:ph type="title"/>
-          </p:nvPr>
-        </p:nvSpPr>
-        <p:spPr/>
-        <p:txBody>
-          <a:bodyPr/>
-          <a:lstStyle/>
-          <a:p>
-            <a:r>
-              <a:rPr kumimoji="1" lang="en-US" altLang="ja-JP"/>
-              <a:t>Class Diagrams 1(abstract of source code)</a:t>
-            </a:r>
-            <a:endParaRPr kumimoji="1" lang="ja-JP" altLang="en-US"/>
-          </a:p>
-        </p:txBody>
-      </p:sp>
-      <p:pic>
-        <p:nvPicPr>
-          <p:cNvPr id="5" name="コンテンツ プレースホルダー 4">
-            <a:extLst>
-              <a:ext uri="{FF2B5EF4-FFF2-40B4-BE49-F238E27FC236}">
-                <a16:creationId xmlns:a16="http://schemas.microsoft.com/office/drawing/2014/main" id="{16E85C05-088C-2A49-9E18-A2BB62BC4A83}"/>
-              </a:ext>
-            </a:extLst>
-          </p:cNvPr>
-          <p:cNvPicPr>
-            <a:picLocks noGrp="1" noChangeAspect="1"/>
-          </p:cNvPicPr>
-          <p:nvPr>
-            <p:ph idx="1"/>
-          </p:nvPr>
-        </p:nvPicPr>
-        <p:blipFill>
-          <a:blip r:embed="rId2"/>
-          <a:stretch>
-            <a:fillRect/>
-          </a:stretch>
-        </p:blipFill>
-        <p:spPr>
-          <a:xfrm>
-            <a:off x="5688822" y="1498600"/>
-            <a:ext cx="3569478" cy="3074419"/>
-          </a:xfrm>
-        </p:spPr>
-      </p:pic>
-      <p:pic>
-        <p:nvPicPr>
-          <p:cNvPr id="7" name="図 6" descr="テキスト が含まれている画像&#10;&#10;自動的に生成された説明">
-            <a:extLst>
-              <a:ext uri="{FF2B5EF4-FFF2-40B4-BE49-F238E27FC236}">
-                <a16:creationId xmlns:a16="http://schemas.microsoft.com/office/drawing/2014/main" id="{70EACD8B-C3DA-CA4B-AC9A-BCBCA6F0723A}"/>
-              </a:ext>
-            </a:extLst>
-          </p:cNvPr>
-          <p:cNvPicPr>
-            <a:picLocks noChangeAspect="1"/>
-          </p:cNvPicPr>
-          <p:nvPr/>
-        </p:nvPicPr>
-        <p:blipFill>
-          <a:blip r:embed="rId3"/>
-          <a:stretch>
-            <a:fillRect/>
-          </a:stretch>
-        </p:blipFill>
-        <p:spPr>
-          <a:xfrm>
-            <a:off x="838200" y="1498600"/>
-            <a:ext cx="4234690" cy="4994275"/>
-          </a:xfrm>
-          <a:prstGeom prst="rect">
-            <a:avLst/>
-          </a:prstGeom>
-        </p:spPr>
-      </p:pic>
-      <p:pic>
-        <p:nvPicPr>
-          <p:cNvPr id="9" name="図 8" descr="スクリーンショット が含まれている画像&#10;&#10;自動的に生成された説明">
-            <a:extLst>
-              <a:ext uri="{FF2B5EF4-FFF2-40B4-BE49-F238E27FC236}">
-                <a16:creationId xmlns:a16="http://schemas.microsoft.com/office/drawing/2014/main" id="{E3B00CE0-5F3B-274F-AB74-111DC0ABA52A}"/>
-              </a:ext>
-            </a:extLst>
-          </p:cNvPr>
-          <p:cNvPicPr>
-            <a:picLocks noChangeAspect="1"/>
-          </p:cNvPicPr>
-          <p:nvPr/>
-        </p:nvPicPr>
-        <p:blipFill>
-          <a:blip r:embed="rId4"/>
-          <a:stretch>
-            <a:fillRect/>
-          </a:stretch>
-        </p:blipFill>
-        <p:spPr>
-          <a:xfrm>
-            <a:off x="5688822" y="4573019"/>
-            <a:ext cx="5219700" cy="1905000"/>
-          </a:xfrm>
-          <a:prstGeom prst="rect">
-            <a:avLst/>
-          </a:prstGeom>
-        </p:spPr>
-      </p:pic>
-    </p:spTree>
-    <p:extLst>
-      <p:ext uri="{BB962C8B-B14F-4D97-AF65-F5344CB8AC3E}">
-        <p14:creationId xmlns:p14="http://schemas.microsoft.com/office/powerpoint/2010/main" val="3442893593"/>
-      </p:ext>
-    </p:extLst>
-  </p:cSld>
-  <p:clrMapOvr>
-    <a:masterClrMapping/>
-  </p:clrMapOvr>
-</p:sld>
-</file>
-
-<file path=ppt/slides/slide6.xml><?xml version="1.0" encoding="utf-8"?>
-<p:sld xmlns:a="http://schemas.openxmlformats.org/drawingml/2006/main" xmlns:r="http://schemas.openxmlformats.org/officeDocument/2006/relationships" xmlns:p="http://schemas.openxmlformats.org/presentationml/2006/main">
-  <p:cSld>
-    <p:spTree>
-      <p:nvGrpSpPr>
-        <p:cNvPr id="1" name=""/>
-        <p:cNvGrpSpPr/>
-        <p:nvPr/>
-      </p:nvGrpSpPr>
-      <p:grpSpPr>
-        <a:xfrm>
-          <a:off x="0" y="0"/>
-          <a:ext cx="0" cy="0"/>
-          <a:chOff x="0" y="0"/>
-          <a:chExt cx="0" cy="0"/>
-        </a:xfrm>
-      </p:grpSpPr>
-      <p:sp>
-        <p:nvSpPr>
-          <p:cNvPr id="2" name="タイトル 1">
-            <a:extLst>
-              <a:ext uri="{FF2B5EF4-FFF2-40B4-BE49-F238E27FC236}">
-                <a16:creationId xmlns:a16="http://schemas.microsoft.com/office/drawing/2014/main" id="{03C49508-2BBC-A841-ADEE-E000455AC3BE}"/>
-              </a:ext>
-            </a:extLst>
-          </p:cNvPr>
-          <p:cNvSpPr>
-            <a:spLocks noGrp="1"/>
-          </p:cNvSpPr>
-          <p:nvPr>
-            <p:ph type="title"/>
-          </p:nvPr>
-        </p:nvSpPr>
-        <p:spPr/>
-        <p:txBody>
-          <a:bodyPr/>
-          <a:lstStyle/>
-          <a:p>
-            <a:r>
-              <a:rPr kumimoji="1" lang="en-US" altLang="ja-JP"/>
-              <a:t>Class Diagram2(abstract of source code)</a:t>
-            </a:r>
-            <a:endParaRPr kumimoji="1" lang="ja-JP" altLang="en-US"/>
-          </a:p>
-        </p:txBody>
-      </p:sp>
-      <p:pic>
-        <p:nvPicPr>
-          <p:cNvPr id="5" name="コンテンツ プレースホルダー 4" descr="スクリーンショット が含まれている画像&#10;&#10;自動的に生成された説明">
-            <a:extLst>
-              <a:ext uri="{FF2B5EF4-FFF2-40B4-BE49-F238E27FC236}">
-                <a16:creationId xmlns:a16="http://schemas.microsoft.com/office/drawing/2014/main" id="{CE6572E4-2FEC-0848-956C-C7968A6B4A4B}"/>
-              </a:ext>
-            </a:extLst>
-          </p:cNvPr>
-          <p:cNvPicPr>
-            <a:picLocks noGrp="1" noChangeAspect="1"/>
-          </p:cNvPicPr>
-          <p:nvPr>
-            <p:ph idx="1"/>
-          </p:nvPr>
-        </p:nvPicPr>
-        <p:blipFill>
-          <a:blip r:embed="rId2"/>
-          <a:stretch>
-            <a:fillRect/>
-          </a:stretch>
-        </p:blipFill>
-        <p:spPr>
-          <a:xfrm>
-            <a:off x="838200" y="1414411"/>
-            <a:ext cx="10177463" cy="4952085"/>
-          </a:xfrm>
-        </p:spPr>
-      </p:pic>
-    </p:spTree>
-    <p:extLst>
-      <p:ext uri="{BB962C8B-B14F-4D97-AF65-F5344CB8AC3E}">
-        <p14:creationId xmlns:p14="http://schemas.microsoft.com/office/powerpoint/2010/main" val="3886452691"/>
-      </p:ext>
-    </p:extLst>
-  </p:cSld>
-  <p:clrMapOvr>
-    <a:masterClrMapping/>
-  </p:clrMapOvr>
-</p:sld>
-</file>
-
-<file path=ppt/slides/slide7.xml><?xml version="1.0" encoding="utf-8"?>
-<p:sld xmlns:a="http://schemas.openxmlformats.org/drawingml/2006/main" xmlns:r="http://schemas.openxmlformats.org/officeDocument/2006/relationships" xmlns:p="http://schemas.openxmlformats.org/presentationml/2006/main">
-  <p:cSld>
-    <p:spTree>
-      <p:nvGrpSpPr>
-        <p:cNvPr id="1" name=""/>
-        <p:cNvGrpSpPr/>
-        <p:nvPr/>
-      </p:nvGrpSpPr>
-      <p:grpSpPr>
-        <a:xfrm>
-          <a:off x="0" y="0"/>
-          <a:ext cx="0" cy="0"/>
-          <a:chOff x="0" y="0"/>
-          <a:chExt cx="0" cy="0"/>
-        </a:xfrm>
-      </p:grpSpPr>
-      <p:sp>
-        <p:nvSpPr>
-          <p:cNvPr id="2" name="タイトル 1">
-            <a:extLst>
-              <a:ext uri="{FF2B5EF4-FFF2-40B4-BE49-F238E27FC236}">
-                <a16:creationId xmlns:a16="http://schemas.microsoft.com/office/drawing/2014/main" id="{121F334F-6F99-7B48-A02F-7E503EF3A6BE}"/>
-              </a:ext>
-            </a:extLst>
-          </p:cNvPr>
-          <p:cNvSpPr>
-            <a:spLocks noGrp="1"/>
-          </p:cNvSpPr>
-          <p:nvPr>
-            <p:ph type="title"/>
-          </p:nvPr>
-        </p:nvSpPr>
-        <p:spPr/>
-        <p:txBody>
-          <a:bodyPr/>
-          <a:lstStyle/>
-          <a:p>
-            <a:r>
-              <a:rPr kumimoji="1" lang="en-US" altLang="ja-JP"/>
-              <a:t>Demonstration</a:t>
-            </a:r>
-            <a:endParaRPr kumimoji="1" lang="ja-JP" altLang="en-US"/>
-          </a:p>
-        </p:txBody>
-      </p:sp>
-      <p:sp>
-        <p:nvSpPr>
-          <p:cNvPr id="3" name="コンテンツ プレースホルダー 2">
-            <a:extLst>
-              <a:ext uri="{FF2B5EF4-FFF2-40B4-BE49-F238E27FC236}">
-                <a16:creationId xmlns:a16="http://schemas.microsoft.com/office/drawing/2014/main" id="{0AA5F2EB-2275-7C46-8000-DCD3C2A5003E}"/>
-              </a:ext>
-            </a:extLst>
-          </p:cNvPr>
-          <p:cNvSpPr>
-            <a:spLocks noGrp="1"/>
-          </p:cNvSpPr>
-          <p:nvPr>
-            <p:ph idx="1"/>
-          </p:nvPr>
-        </p:nvSpPr>
-        <p:spPr/>
-        <p:txBody>
-          <a:bodyPr/>
-          <a:lstStyle/>
-          <a:p>
-            <a:r>
-              <a:rPr kumimoji="1" lang="ja-JP" altLang="en-US"/>
-              <a:t>映像貼る</a:t>
-            </a:r>
-            <a:endParaRPr lang="en-US" altLang="ja-JP"/>
-          </a:p>
-          <a:p>
-            <a:r>
-              <a:rPr kumimoji="1" lang="ja-JP" altLang="en-US"/>
-              <a:t>どこで挟むかは考えておく</a:t>
-            </a:r>
-            <a:endParaRPr kumimoji="1" lang="en-US" altLang="ja-JP"/>
-          </a:p>
-        </p:txBody>
-      </p:sp>
-    </p:spTree>
-    <p:extLst>
-      <p:ext uri="{BB962C8B-B14F-4D97-AF65-F5344CB8AC3E}">
-        <p14:creationId xmlns:p14="http://schemas.microsoft.com/office/powerpoint/2010/main" val="1188554558"/>
-      </p:ext>
-    </p:extLst>
-  </p:cSld>
-  <p:clrMapOvr>
-    <a:masterClrMapping/>
-  </p:clrMapOvr>
-</p:sld>
-</file>
-
-<file path=ppt/slides/slide8.xml><?xml version="1.0" encoding="utf-8"?>
-<p:sld xmlns:a="http://schemas.openxmlformats.org/drawingml/2006/main" xmlns:r="http://schemas.openxmlformats.org/officeDocument/2006/relationships" xmlns:p="http://schemas.openxmlformats.org/presentationml/2006/main">
-  <p:cSld>
-    <p:spTree>
-      <p:nvGrpSpPr>
-        <p:cNvPr id="1" name=""/>
-        <p:cNvGrpSpPr/>
-        <p:nvPr/>
-      </p:nvGrpSpPr>
-      <p:grpSpPr>
-        <a:xfrm>
-          <a:off x="0" y="0"/>
-          <a:ext cx="0" cy="0"/>
-          <a:chOff x="0" y="0"/>
-          <a:chExt cx="0" cy="0"/>
-        </a:xfrm>
-      </p:grpSpPr>
-      <p:sp>
-        <p:nvSpPr>
-          <p:cNvPr id="2" name="タイトル 1">
-            <a:extLst>
-              <a:ext uri="{FF2B5EF4-FFF2-40B4-BE49-F238E27FC236}">
-                <a16:creationId xmlns:a16="http://schemas.microsoft.com/office/drawing/2014/main" id="{3627DBE9-9343-B644-AD34-612E17C6470A}"/>
-              </a:ext>
-            </a:extLst>
-          </p:cNvPr>
-          <p:cNvSpPr>
-            <a:spLocks noGrp="1"/>
-          </p:cNvSpPr>
-          <p:nvPr>
-            <p:ph type="title"/>
-          </p:nvPr>
-        </p:nvSpPr>
-        <p:spPr/>
-        <p:txBody>
-          <a:bodyPr/>
-          <a:lstStyle/>
-          <a:p>
-            <a:r>
-              <a:rPr lang="en" altLang="ja-JP"/>
-              <a:t>Algorithms: Searching all in</a:t>
-            </a:r>
-            <a:r>
-              <a:rPr lang="en-US" altLang="ja-JP"/>
-              <a:t>tersections</a:t>
-            </a:r>
-            <a:endParaRPr kumimoji="1" lang="ja-JP" altLang="en-US"/>
-          </a:p>
-        </p:txBody>
-      </p:sp>
-      <p:sp>
-        <p:nvSpPr>
-          <p:cNvPr id="3" name="コンテンツ プレースホルダー 2">
-            <a:extLst>
-              <a:ext uri="{FF2B5EF4-FFF2-40B4-BE49-F238E27FC236}">
-                <a16:creationId xmlns:a16="http://schemas.microsoft.com/office/drawing/2014/main" id="{2E9AF24B-2D53-A948-AEA0-7AF7F0222F7B}"/>
-              </a:ext>
-            </a:extLst>
-          </p:cNvPr>
-          <p:cNvSpPr>
-            <a:spLocks noGrp="1"/>
-          </p:cNvSpPr>
-          <p:nvPr>
-            <p:ph idx="1"/>
-          </p:nvPr>
-        </p:nvSpPr>
-        <p:spPr/>
-        <p:txBody>
-          <a:bodyPr/>
-          <a:lstStyle/>
-          <a:p>
-            <a:pPr marL="514350" indent="-514350">
-              <a:buFont typeface="+mj-lt"/>
-              <a:buAutoNum type="arabicPeriod"/>
-            </a:pPr>
-            <a:endParaRPr kumimoji="1" lang="en-US" altLang="ja-JP"/>
-          </a:p>
-          <a:p>
-            <a:pPr marL="514350" indent="-514350">
-              <a:buFont typeface="+mj-lt"/>
-              <a:buAutoNum type="arabicPeriod"/>
-            </a:pPr>
-            <a:r>
-              <a:rPr kumimoji="1" lang="en-US" altLang="ja-JP"/>
-              <a:t>Find the intersection of 2 segments</a:t>
-            </a:r>
-          </a:p>
-          <a:p>
-            <a:pPr marL="514350" indent="-514350">
-              <a:buFont typeface="+mj-lt"/>
-              <a:buAutoNum type="arabicPeriod"/>
-            </a:pPr>
-            <a:r>
-              <a:rPr lang="en-US" altLang="ja-JP"/>
-              <a:t>Remove intersection if the point is end point</a:t>
-            </a:r>
-          </a:p>
-          <a:p>
-            <a:pPr marL="514350" indent="-514350">
-              <a:buFont typeface="+mj-lt"/>
-              <a:buAutoNum type="arabicPeriod"/>
-            </a:pPr>
-            <a:r>
-              <a:rPr lang="en-US" altLang="ja-JP"/>
-              <a:t>Append intersection to intersections list(sorted) and sort</a:t>
-            </a:r>
-          </a:p>
-          <a:p>
-            <a:pPr marL="514350" indent="-514350">
-              <a:buFont typeface="+mj-lt"/>
-              <a:buAutoNum type="arabicPeriod"/>
-            </a:pPr>
-            <a:endParaRPr lang="en-US" altLang="ja-JP"/>
-          </a:p>
-          <a:p>
-            <a:pPr marL="0" indent="0">
-              <a:buNone/>
-            </a:pPr>
-            <a:r>
-              <a:rPr lang="en-US" altLang="ja-JP"/>
-              <a:t>Improve efficiency</a:t>
-            </a:r>
-          </a:p>
-          <a:p>
-            <a:r>
-              <a:rPr lang="en-US" altLang="ja-JP"/>
-              <a:t>Using binary search for sort intersections list</a:t>
-            </a:r>
-          </a:p>
-        </p:txBody>
-      </p:sp>
-    </p:spTree>
-    <p:extLst>
-      <p:ext uri="{BB962C8B-B14F-4D97-AF65-F5344CB8AC3E}">
-        <p14:creationId xmlns:p14="http://schemas.microsoft.com/office/powerpoint/2010/main" val="474697545"/>
-      </p:ext>
-    </p:extLst>
-  </p:cSld>
-  <p:clrMapOvr>
-    <a:masterClrMapping/>
-  </p:clrMapOvr>
-</p:sld>
-</file>
-
-<file path=ppt/slides/slide9.xml><?xml version="1.0" encoding="utf-8"?>
-<p:sld xmlns:a="http://schemas.openxmlformats.org/drawingml/2006/main" xmlns:r="http://schemas.openxmlformats.org/officeDocument/2006/relationships" xmlns:p="http://schemas.openxmlformats.org/presentationml/2006/main">
-  <p:cSld>
-    <p:spTree>
-      <p:nvGrpSpPr>
-        <p:cNvPr id="1" name=""/>
-        <p:cNvGrpSpPr/>
-        <p:nvPr/>
-      </p:nvGrpSpPr>
-      <p:grpSpPr>
-        <a:xfrm>
-          <a:off x="0" y="0"/>
-          <a:ext cx="0" cy="0"/>
-          <a:chOff x="0" y="0"/>
-          <a:chExt cx="0" cy="0"/>
-        </a:xfrm>
-      </p:grpSpPr>
-      <p:sp>
-        <p:nvSpPr>
-          <p:cNvPr id="2" name="タイトル 1">
-            <a:extLst>
-              <a:ext uri="{FF2B5EF4-FFF2-40B4-BE49-F238E27FC236}">
                 <a16:creationId xmlns:a16="http://schemas.microsoft.com/office/drawing/2014/main" id="{FF3976AD-FFAD-724C-ACF5-2CDB78115B08}"/>
               </a:ext>
             </a:extLst>
@@ -6001,7 +4279,7 @@
             </a:pPr>
             <a:r>
               <a:rPr lang="en-US" altLang="ja-JP"/>
-              <a:t>All contacted points </a:t>
+              <a:t>Forward and backward points </a:t>
             </a:r>
             <a:r>
               <a:rPr lang="ja-JP" altLang="en-US"/>
@@ -6019,7 +4297,7 @@
             </a:pPr>
             <a:r>
               <a:rPr kumimoji="1" lang="en-US" altLang="ja-JP"/>
-              <a:t>if (start is fin) or (start in vias)  </a:t>
+              <a:t>if start is fin      </a:t>
             </a:r>
             <a:r>
               <a:rPr kumimoji="1" lang="ja-JP" altLang="en-US"/>
@@ -6027,7 +4305,39 @@
             </a:r>
             <a:r>
               <a:rPr kumimoji="1" lang="en-US" altLang="ja-JP"/>
-              <a:t>Go 4, else Back 1</a:t>
+              <a:t> Go 4</a:t>
+            </a:r>
+            <a:r>
+              <a:rPr kumimoji="1" lang="ja-JP" altLang="en-US"/>
+              <a:t>                 </a:t>
+            </a:r>
+            <a:r>
+              <a:rPr kumimoji="1" lang="en-US" altLang="ja-JP"/>
+              <a:t>elif start in vias </a:t>
+            </a:r>
+            <a:r>
+              <a:rPr kumimoji="1" lang="ja-JP" altLang="en-US"/>
+              <a:t>➜</a:t>
+            </a:r>
+            <a:r>
+              <a:rPr kumimoji="1" lang="en-US" altLang="ja-JP"/>
+              <a:t> Fin </a:t>
+            </a:r>
+            <a:r>
+              <a:rPr kumimoji="1" lang="ja-JP" altLang="en-US"/>
+              <a:t>           </a:t>
+            </a:r>
+            <a:r>
+              <a:rPr kumimoji="1" lang="en-US" altLang="ja-JP"/>
+              <a:t>else                   </a:t>
+            </a:r>
+            <a:r>
+              <a:rPr kumimoji="1" lang="ja-JP" altLang="en-US"/>
+              <a:t>➜</a:t>
+            </a:r>
+            <a:r>
+              <a:rPr kumimoji="1" lang="en-US" altLang="ja-JP"/>
+              <a:t> Back 1</a:t>
             </a:r>
           </a:p>
           <a:p>
@@ -7138,6 +5448,2823 @@
 </p:sld>
 </file>
 
+<file path=ppt/slides/slide11.xml><?xml version="1.0" encoding="utf-8"?>
+<p:sld xmlns:a="http://schemas.openxmlformats.org/drawingml/2006/main" xmlns:r="http://schemas.openxmlformats.org/officeDocument/2006/relationships" xmlns:p="http://schemas.openxmlformats.org/presentationml/2006/main">
+  <p:cSld>
+    <p:spTree>
+      <p:nvGrpSpPr>
+        <p:cNvPr id="1" name=""/>
+        <p:cNvGrpSpPr/>
+        <p:nvPr/>
+      </p:nvGrpSpPr>
+      <p:grpSpPr>
+        <a:xfrm>
+          <a:off x="0" y="0"/>
+          <a:ext cx="0" cy="0"/>
+          <a:chOff x="0" y="0"/>
+          <a:chExt cx="0" cy="0"/>
+        </a:xfrm>
+      </p:grpSpPr>
+      <p:sp>
+        <p:nvSpPr>
+          <p:cNvPr id="2" name="タイトル 1">
+            <a:extLst>
+              <a:ext uri="{FF2B5EF4-FFF2-40B4-BE49-F238E27FC236}">
+                <a16:creationId xmlns:a16="http://schemas.microsoft.com/office/drawing/2014/main" id="{D2D04897-4049-794E-B114-C4376DE92E1F}"/>
+              </a:ext>
+            </a:extLst>
+          </p:cNvPr>
+          <p:cNvSpPr>
+            <a:spLocks noGrp="1"/>
+          </p:cNvSpPr>
+          <p:nvPr>
+            <p:ph type="title"/>
+          </p:nvPr>
+        </p:nvSpPr>
+        <p:spPr/>
+        <p:txBody>
+          <a:bodyPr/>
+          <a:lstStyle/>
+          <a:p>
+            <a:r>
+              <a:rPr lang="en-US" altLang="ja-JP"/>
+              <a:t>Improvement efficiency</a:t>
+            </a:r>
+            <a:endParaRPr kumimoji="1" lang="ja-JP" altLang="en-US"/>
+          </a:p>
+        </p:txBody>
+      </p:sp>
+      <p:sp>
+        <p:nvSpPr>
+          <p:cNvPr id="3" name="コンテンツ プレースホルダー 2">
+            <a:extLst>
+              <a:ext uri="{FF2B5EF4-FFF2-40B4-BE49-F238E27FC236}">
+                <a16:creationId xmlns:a16="http://schemas.microsoft.com/office/drawing/2014/main" id="{D28DC560-FF1A-DD45-8697-680F5C7A2136}"/>
+              </a:ext>
+            </a:extLst>
+          </p:cNvPr>
+          <p:cNvSpPr>
+            <a:spLocks noGrp="1"/>
+          </p:cNvSpPr>
+          <p:nvPr>
+            <p:ph idx="1"/>
+          </p:nvPr>
+        </p:nvSpPr>
+        <p:spPr/>
+        <p:txBody>
+          <a:bodyPr/>
+          <a:lstStyle/>
+          <a:p>
+            <a:pPr marL="514350" indent="-514350">
+              <a:buFont typeface="+mj-lt"/>
+              <a:buAutoNum type="arabicPeriod"/>
+            </a:pPr>
+            <a:endParaRPr lang="en-US" altLang="ja-JP"/>
+          </a:p>
+          <a:p>
+            <a:r>
+              <a:rPr lang="en-US" altLang="ja-JP"/>
+              <a:t>Recursive function has distance information(start </a:t>
+            </a:r>
+            <a:r>
+              <a:rPr lang="ja-JP" altLang="en-US"/>
+              <a:t>➜</a:t>
+            </a:r>
+            <a:r>
+              <a:rPr lang="en-US" altLang="ja-JP"/>
+              <a:t> now position), so if the distance is bigger than roots[K].distance, stop the recursive. </a:t>
+            </a:r>
+            <a:r>
+              <a:rPr lang="ja-JP" altLang="en-US"/>
+              <a:t>➜</a:t>
+            </a:r>
+            <a:r>
+              <a:rPr lang="en-US" altLang="ja-JP"/>
+              <a:t> Waste recursive has been minimized.</a:t>
+            </a:r>
+          </a:p>
+          <a:p>
+            <a:r>
+              <a:rPr lang="en-US" altLang="ja-JP"/>
+              <a:t>High priority segments and points is going ahead.</a:t>
+            </a:r>
+          </a:p>
+          <a:p>
+            <a:r>
+              <a:rPr lang="en-US" altLang="ja-JP"/>
+              <a:t>If goal points have no contacted segments, Do not run recursive func.</a:t>
+            </a:r>
+          </a:p>
+        </p:txBody>
+      </p:sp>
+    </p:spTree>
+    <p:extLst>
+      <p:ext uri="{BB962C8B-B14F-4D97-AF65-F5344CB8AC3E}">
+        <p14:creationId xmlns:p14="http://schemas.microsoft.com/office/powerpoint/2010/main" val="612854101"/>
+      </p:ext>
+    </p:extLst>
+  </p:cSld>
+  <p:clrMapOvr>
+    <a:masterClrMapping/>
+  </p:clrMapOvr>
+</p:sld>
+</file>
+
+<file path=ppt/slides/slide12.xml><?xml version="1.0" encoding="utf-8"?>
+<p:sld xmlns:a="http://schemas.openxmlformats.org/drawingml/2006/main" xmlns:r="http://schemas.openxmlformats.org/officeDocument/2006/relationships" xmlns:p="http://schemas.openxmlformats.org/presentationml/2006/main">
+  <p:cSld>
+    <p:spTree>
+      <p:nvGrpSpPr>
+        <p:cNvPr id="1" name=""/>
+        <p:cNvGrpSpPr/>
+        <p:nvPr/>
+      </p:nvGrpSpPr>
+      <p:grpSpPr>
+        <a:xfrm>
+          <a:off x="0" y="0"/>
+          <a:ext cx="0" cy="0"/>
+          <a:chOff x="0" y="0"/>
+          <a:chExt cx="0" cy="0"/>
+        </a:xfrm>
+      </p:grpSpPr>
+      <p:sp>
+        <p:nvSpPr>
+          <p:cNvPr id="2" name="タイトル 1">
+            <a:extLst>
+              <a:ext uri="{FF2B5EF4-FFF2-40B4-BE49-F238E27FC236}">
+                <a16:creationId xmlns:a16="http://schemas.microsoft.com/office/drawing/2014/main" id="{5E849E72-EDB4-8A47-86D4-F6B3CDABBAF2}"/>
+              </a:ext>
+            </a:extLst>
+          </p:cNvPr>
+          <p:cNvSpPr>
+            <a:spLocks noGrp="1"/>
+          </p:cNvSpPr>
+          <p:nvPr>
+            <p:ph type="title"/>
+          </p:nvPr>
+        </p:nvSpPr>
+        <p:spPr/>
+        <p:txBody>
+          <a:bodyPr/>
+          <a:lstStyle/>
+          <a:p>
+            <a:r>
+              <a:rPr lang="en" altLang="ja-JP"/>
+              <a:t>Algorithms: Adding new point to network</a:t>
+            </a:r>
+            <a:endParaRPr kumimoji="1" lang="ja-JP" altLang="en-US"/>
+          </a:p>
+        </p:txBody>
+      </p:sp>
+      <p:sp>
+        <p:nvSpPr>
+          <p:cNvPr id="3" name="コンテンツ プレースホルダー 2">
+            <a:extLst>
+              <a:ext uri="{FF2B5EF4-FFF2-40B4-BE49-F238E27FC236}">
+                <a16:creationId xmlns:a16="http://schemas.microsoft.com/office/drawing/2014/main" id="{CCB6769D-A636-6E40-BB09-39C245935870}"/>
+              </a:ext>
+            </a:extLst>
+          </p:cNvPr>
+          <p:cNvSpPr>
+            <a:spLocks noGrp="1"/>
+          </p:cNvSpPr>
+          <p:nvPr>
+            <p:ph idx="1"/>
+          </p:nvPr>
+        </p:nvSpPr>
+        <p:spPr/>
+        <p:txBody>
+          <a:bodyPr/>
+          <a:lstStyle/>
+          <a:p>
+            <a:pPr marL="514350" indent="-514350">
+              <a:buFont typeface="+mj-lt"/>
+              <a:buAutoNum type="arabicPeriod"/>
+            </a:pPr>
+            <a:r>
+              <a:rPr lang="en-US" altLang="ja-JP"/>
+              <a:t>for segment in segments:</a:t>
+            </a:r>
+          </a:p>
+          <a:p>
+            <a:pPr marL="971550" lvl="1" indent="-514350">
+              <a:buFont typeface="+mj-lt"/>
+              <a:buAutoNum type="arabicPeriod"/>
+            </a:pPr>
+            <a:r>
+              <a:rPr lang="en-US" altLang="ja-JP"/>
+              <a:t>Find the straight line which cross segment with 90 degree</a:t>
+            </a:r>
+          </a:p>
+          <a:p>
+            <a:pPr marL="971550" lvl="1" indent="-514350">
+              <a:buFont typeface="+mj-lt"/>
+              <a:buAutoNum type="arabicPeriod"/>
+            </a:pPr>
+            <a:r>
+              <a:rPr lang="en-US" altLang="ja-JP"/>
+              <a:t>Find the intersection of the straight line and segment</a:t>
+            </a:r>
+          </a:p>
+          <a:p>
+            <a:pPr marL="971550" lvl="1" indent="-514350">
+              <a:buFont typeface="+mj-lt"/>
+              <a:buAutoNum type="arabicPeriod"/>
+            </a:pPr>
+            <a:r>
+              <a:rPr lang="en-US" altLang="ja-JP"/>
+              <a:t>if the intersection is not on segment, update intersetion to closer point between start point and end point of segment</a:t>
+            </a:r>
+          </a:p>
+          <a:p>
+            <a:pPr marL="971550" lvl="1" indent="-514350">
+              <a:buFont typeface="+mj-lt"/>
+              <a:buAutoNum type="arabicPeriod"/>
+            </a:pPr>
+            <a:r>
+              <a:rPr lang="en-US" altLang="ja-JP"/>
+              <a:t>append the intersection to intersrctions list</a:t>
+            </a:r>
+          </a:p>
+          <a:p>
+            <a:pPr marL="457200" indent="-457200">
+              <a:buFont typeface="+mj-lt"/>
+              <a:buAutoNum type="arabicPeriod"/>
+            </a:pPr>
+            <a:r>
+              <a:rPr lang="en-US" altLang="ja-JP"/>
+              <a:t>Find the point which has the minimum distance in intersections list</a:t>
+            </a:r>
+          </a:p>
+          <a:p>
+            <a:pPr marL="457200" indent="-457200">
+              <a:buFont typeface="+mj-lt"/>
+              <a:buAutoNum type="arabicPeriod"/>
+            </a:pPr>
+            <a:r>
+              <a:rPr lang="en-US" altLang="ja-JP"/>
+              <a:t>Add the intersection and segment to the network</a:t>
+            </a:r>
+          </a:p>
+          <a:p>
+            <a:pPr marL="0" indent="0">
+              <a:buNone/>
+            </a:pPr>
+            <a:endParaRPr kumimoji="1" lang="ja-JP" altLang="en-US"/>
+          </a:p>
+        </p:txBody>
+      </p:sp>
+    </p:spTree>
+    <p:extLst>
+      <p:ext uri="{BB962C8B-B14F-4D97-AF65-F5344CB8AC3E}">
+        <p14:creationId xmlns:p14="http://schemas.microsoft.com/office/powerpoint/2010/main" val="2049444118"/>
+      </p:ext>
+    </p:extLst>
+  </p:cSld>
+  <p:clrMapOvr>
+    <a:masterClrMapping/>
+  </p:clrMapOvr>
+</p:sld>
+</file>
+
+<file path=ppt/slides/slide13.xml><?xml version="1.0" encoding="utf-8"?>
+<p:sld xmlns:a="http://schemas.openxmlformats.org/drawingml/2006/main" xmlns:r="http://schemas.openxmlformats.org/officeDocument/2006/relationships" xmlns:p="http://schemas.openxmlformats.org/presentationml/2006/main">
+  <p:cSld>
+    <p:spTree>
+      <p:nvGrpSpPr>
+        <p:cNvPr id="1" name=""/>
+        <p:cNvGrpSpPr/>
+        <p:nvPr/>
+      </p:nvGrpSpPr>
+      <p:grpSpPr>
+        <a:xfrm>
+          <a:off x="0" y="0"/>
+          <a:ext cx="0" cy="0"/>
+          <a:chOff x="0" y="0"/>
+          <a:chExt cx="0" cy="0"/>
+        </a:xfrm>
+      </p:grpSpPr>
+      <p:sp>
+        <p:nvSpPr>
+          <p:cNvPr id="2" name="タイトル 1">
+            <a:extLst>
+              <a:ext uri="{FF2B5EF4-FFF2-40B4-BE49-F238E27FC236}">
+                <a16:creationId xmlns:a16="http://schemas.microsoft.com/office/drawing/2014/main" id="{7E91DCE7-2275-B744-AA7F-69A574B23BD8}"/>
+              </a:ext>
+            </a:extLst>
+          </p:cNvPr>
+          <p:cNvSpPr>
+            <a:spLocks noGrp="1"/>
+          </p:cNvSpPr>
+          <p:nvPr>
+            <p:ph type="title"/>
+          </p:nvPr>
+        </p:nvSpPr>
+        <p:spPr/>
+        <p:txBody>
+          <a:bodyPr/>
+          <a:lstStyle/>
+          <a:p>
+            <a:r>
+              <a:rPr kumimoji="1" lang="en-US" altLang="ja-JP"/>
+              <a:t>Algorithms: Detection of highways</a:t>
+            </a:r>
+            <a:endParaRPr kumimoji="1" lang="ja-JP" altLang="en-US"/>
+          </a:p>
+        </p:txBody>
+      </p:sp>
+      <p:sp>
+        <p:nvSpPr>
+          <p:cNvPr id="3" name="コンテンツ プレースホルダー 2">
+            <a:extLst>
+              <a:ext uri="{FF2B5EF4-FFF2-40B4-BE49-F238E27FC236}">
+                <a16:creationId xmlns:a16="http://schemas.microsoft.com/office/drawing/2014/main" id="{3E1E5795-B934-634D-9643-EF98302978EC}"/>
+              </a:ext>
+            </a:extLst>
+          </p:cNvPr>
+          <p:cNvSpPr>
+            <a:spLocks noGrp="1"/>
+          </p:cNvSpPr>
+          <p:nvPr>
+            <p:ph idx="1"/>
+          </p:nvPr>
+        </p:nvSpPr>
+        <p:spPr/>
+        <p:txBody>
+          <a:bodyPr/>
+          <a:lstStyle/>
+          <a:p>
+            <a:endParaRPr kumimoji="1" lang="ja-JP" altLang="en-US"/>
+          </a:p>
+        </p:txBody>
+      </p:sp>
+    </p:spTree>
+    <p:extLst>
+      <p:ext uri="{BB962C8B-B14F-4D97-AF65-F5344CB8AC3E}">
+        <p14:creationId xmlns:p14="http://schemas.microsoft.com/office/powerpoint/2010/main" val="1153158576"/>
+      </p:ext>
+    </p:extLst>
+  </p:cSld>
+  <p:clrMapOvr>
+    <a:masterClrMapping/>
+  </p:clrMapOvr>
+</p:sld>
+</file>
+
+<file path=ppt/slides/slide14.xml><?xml version="1.0" encoding="utf-8"?>
+<p:sld xmlns:a="http://schemas.openxmlformats.org/drawingml/2006/main" xmlns:r="http://schemas.openxmlformats.org/officeDocument/2006/relationships" xmlns:p="http://schemas.openxmlformats.org/presentationml/2006/main">
+  <p:cSld>
+    <p:spTree>
+      <p:nvGrpSpPr>
+        <p:cNvPr id="1" name=""/>
+        <p:cNvGrpSpPr/>
+        <p:nvPr/>
+      </p:nvGrpSpPr>
+      <p:grpSpPr>
+        <a:xfrm>
+          <a:off x="0" y="0"/>
+          <a:ext cx="0" cy="0"/>
+          <a:chOff x="0" y="0"/>
+          <a:chExt cx="0" cy="0"/>
+        </a:xfrm>
+      </p:grpSpPr>
+      <p:sp>
+        <p:nvSpPr>
+          <p:cNvPr id="2" name="タイトル 1">
+            <a:extLst>
+              <a:ext uri="{FF2B5EF4-FFF2-40B4-BE49-F238E27FC236}">
+                <a16:creationId xmlns:a16="http://schemas.microsoft.com/office/drawing/2014/main" id="{3E5E3CCC-D57A-2241-B4AB-186634CC942E}"/>
+              </a:ext>
+            </a:extLst>
+          </p:cNvPr>
+          <p:cNvSpPr>
+            <a:spLocks noGrp="1"/>
+          </p:cNvSpPr>
+          <p:nvPr>
+            <p:ph type="title"/>
+          </p:nvPr>
+        </p:nvSpPr>
+        <p:spPr/>
+        <p:txBody>
+          <a:bodyPr/>
+          <a:lstStyle/>
+          <a:p>
+            <a:r>
+              <a:rPr kumimoji="1" lang="en-US" altLang="ja-JP"/>
+              <a:t>Order of each algorithm</a:t>
+            </a:r>
+            <a:endParaRPr kumimoji="1" lang="ja-JP" altLang="en-US"/>
+          </a:p>
+        </p:txBody>
+      </p:sp>
+      <mc:AlternateContent xmlns:mc="http://schemas.openxmlformats.org/markup-compatibility/2006">
+        <mc:Choice xmlns:a14="http://schemas.microsoft.com/office/drawing/2010/main" Requires="a14">
+          <p:graphicFrame>
+            <p:nvGraphicFramePr>
+              <p:cNvPr id="4" name="コンテンツ プレースホルダー 3">
+                <a:extLst>
+                  <a:ext uri="{FF2B5EF4-FFF2-40B4-BE49-F238E27FC236}">
+                    <a16:creationId xmlns:a16="http://schemas.microsoft.com/office/drawing/2014/main" id="{EDE4CB62-8700-3046-97A9-529456DED4C7}"/>
+                  </a:ext>
+                </a:extLst>
+              </p:cNvPr>
+              <p:cNvGraphicFramePr>
+                <a:graphicFrameLocks noGrp="1"/>
+              </p:cNvGraphicFramePr>
+              <p:nvPr>
+                <p:ph idx="1"/>
+                <p:extLst>
+                  <p:ext uri="{D42A27DB-BD31-4B8C-83A1-F6EECF244321}">
+                    <p14:modId xmlns:p14="http://schemas.microsoft.com/office/powerpoint/2010/main" val="426978351"/>
+                  </p:ext>
+                </p:extLst>
+              </p:nvPr>
+            </p:nvGraphicFramePr>
+            <p:xfrm>
+              <a:off x="838200" y="1518891"/>
+              <a:ext cx="10515600" cy="4878734"/>
+            </p:xfrm>
+            <a:graphic>
+              <a:graphicData uri="http://schemas.openxmlformats.org/drawingml/2006/table">
+                <a:tbl>
+                  <a:tblPr firstRow="1" bandRow="1">
+                    <a:tableStyleId>{5C22544A-7EE6-4342-B048-85BDC9FD1C3A}</a:tableStyleId>
+                  </a:tblPr>
+                  <a:tblGrid>
+                    <a:gridCol w="5257800">
+                      <a:extLst>
+                        <a:ext uri="{9D8B030D-6E8A-4147-A177-3AD203B41FA5}">
+                          <a16:colId xmlns:a16="http://schemas.microsoft.com/office/drawing/2014/main" val="203278435"/>
+                        </a:ext>
+                      </a:extLst>
+                    </a:gridCol>
+                    <a:gridCol w="5257800">
+                      <a:extLst>
+                        <a:ext uri="{9D8B030D-6E8A-4147-A177-3AD203B41FA5}">
+                          <a16:colId xmlns:a16="http://schemas.microsoft.com/office/drawing/2014/main" val="1499582010"/>
+                        </a:ext>
+                      </a:extLst>
+                    </a:gridCol>
+                  </a:tblGrid>
+                  <a:tr h="696962">
+                    <a:tc>
+                      <a:txBody>
+                        <a:bodyPr/>
+                        <a:lstStyle/>
+                        <a:p>
+                          <a:r>
+                            <a:rPr kumimoji="1" lang="ja-JP" altLang="en-US" sz="2400"/>
+                            <a:t>アルゴリズム</a:t>
+                          </a:r>
+                        </a:p>
+                      </a:txBody>
+                      <a:tcPr anchor="ctr" anchorCtr="1"/>
+                    </a:tc>
+                    <a:tc>
+                      <a:txBody>
+                        <a:bodyPr/>
+                        <a:lstStyle/>
+                        <a:p>
+                          <a:r>
+                            <a:rPr kumimoji="1" lang="ja-JP" altLang="en-US" sz="2400"/>
+                            <a:t>計算量</a:t>
+                          </a:r>
+                        </a:p>
+                      </a:txBody>
+                      <a:tcPr anchor="ctr" anchorCtr="1"/>
+                    </a:tc>
+                    <a:extLst>
+                      <a:ext uri="{0D108BD9-81ED-4DB2-BD59-A6C34878D82A}">
+                        <a16:rowId xmlns:a16="http://schemas.microsoft.com/office/drawing/2014/main" val="3818681301"/>
+                      </a:ext>
+                    </a:extLst>
+                  </a:tr>
+                  <a:tr h="696962">
+                    <a:tc>
+                      <a:txBody>
+                        <a:bodyPr/>
+                        <a:lstStyle/>
+                        <a:p>
+                          <a:r>
+                            <a:rPr kumimoji="1" lang="en-US" altLang="ja-JP" sz="2400"/>
+                            <a:t>Find All Intersections v1</a:t>
+                          </a:r>
+                          <a:endParaRPr kumimoji="1" lang="ja-JP" altLang="en-US" sz="2400"/>
+                        </a:p>
+                      </a:txBody>
+                      <a:tcPr anchor="ctr" anchorCtr="1"/>
+                    </a:tc>
+                    <a:tc>
+                      <a:txBody>
+                        <a:bodyPr/>
+                        <a:lstStyle/>
+                        <a:p>
+                          <a14:m>
+                            <m:oMathPara xmlns:m="http://schemas.openxmlformats.org/officeDocument/2006/math">
+                              <m:oMathParaPr>
+                                <m:jc m:val="centerGroup"/>
+                              </m:oMathParaPr>
+                              <m:oMath xmlns:m="http://schemas.openxmlformats.org/officeDocument/2006/math">
+                                <m:sSup>
+                                  <m:sSupPr>
+                                    <m:ctrlPr>
+                                      <a:rPr kumimoji="1" lang="en-US" altLang="ja-JP" sz="2400" b="0" i="1">
+                                        <a:latin typeface="Cambria Math" panose="02040503050406030204" pitchFamily="18" charset="0"/>
+                                      </a:rPr>
+                                    </m:ctrlPr>
+                                  </m:sSupPr>
+                                  <m:e>
+                                    <m:r>
+                                      <a:rPr kumimoji="1" lang="en-US" altLang="ja-JP" sz="2400" b="0" i="1">
+                                        <a:latin typeface="Cambria Math" panose="02040503050406030204" pitchFamily="18" charset="0"/>
+                                      </a:rPr>
+                                      <m:t>𝑁</m:t>
+                                    </m:r>
+                                  </m:e>
+                                  <m:sup>
+                                    <m:r>
+                                      <a:rPr kumimoji="1" lang="en-US" altLang="ja-JP" sz="2400" b="0" i="1">
+                                        <a:latin typeface="Cambria Math" panose="02040503050406030204" pitchFamily="18" charset="0"/>
+                                      </a:rPr>
+                                      <m:t>3</m:t>
+                                    </m:r>
+                                  </m:sup>
+                                </m:sSup>
+                              </m:oMath>
+                            </m:oMathPara>
+                          </a14:m>
+                          <a:endParaRPr kumimoji="1" lang="en-US" altLang="ja-JP" sz="2400" b="0"/>
+                        </a:p>
+                      </a:txBody>
+                      <a:tcPr anchor="ctr" anchorCtr="1"/>
+                    </a:tc>
+                    <a:extLst>
+                      <a:ext uri="{0D108BD9-81ED-4DB2-BD59-A6C34878D82A}">
+                        <a16:rowId xmlns:a16="http://schemas.microsoft.com/office/drawing/2014/main" val="3831559802"/>
+                      </a:ext>
+                    </a:extLst>
+                  </a:tr>
+                  <a:tr h="696962">
+                    <a:tc>
+                      <a:txBody>
+                        <a:bodyPr/>
+                        <a:lstStyle/>
+                        <a:p>
+                          <a:pPr marL="0" marR="0" lvl="0" indent="0" algn="l" defTabSz="914400" rtl="0" eaLnBrk="1" fontAlgn="auto" latinLnBrk="0" hangingPunct="1">
+                            <a:lnSpc>
+                              <a:spcPct val="100000"/>
+                            </a:lnSpc>
+                            <a:spcBef>
+                              <a:spcPts val="0"/>
+                            </a:spcBef>
+                            <a:spcAft>
+                              <a:spcPts val="0"/>
+                            </a:spcAft>
+                            <a:buClrTx/>
+                            <a:buSzTx/>
+                            <a:buFontTx/>
+                            <a:buNone/>
+                            <a:tabLst/>
+                            <a:defRPr/>
+                          </a:pPr>
+                          <a:r>
+                            <a:rPr kumimoji="1" lang="en-US" altLang="ja-JP" sz="2400"/>
+                            <a:t>Find All Intersections v2</a:t>
+                          </a:r>
+                          <a:endParaRPr kumimoji="1" lang="ja-JP" altLang="en-US" sz="2400"/>
+                        </a:p>
+                      </a:txBody>
+                      <a:tcPr anchor="ctr" anchorCtr="1"/>
+                    </a:tc>
+                    <a:tc>
+                      <a:txBody>
+                        <a:bodyPr/>
+                        <a:lstStyle/>
+                        <a:p>
+                          <a14:m>
+                            <m:oMathPara xmlns:m="http://schemas.openxmlformats.org/officeDocument/2006/math">
+                              <m:oMathParaPr>
+                                <m:jc m:val="centerGroup"/>
+                              </m:oMathParaPr>
+                              <m:oMath xmlns:m="http://schemas.openxmlformats.org/officeDocument/2006/math">
+                                <m:sSup>
+                                  <m:sSupPr>
+                                    <m:ctrlPr>
+                                      <a:rPr kumimoji="1" lang="en-US" altLang="ja-JP" sz="2400" b="0" i="1">
+                                        <a:latin typeface="Cambria Math" panose="02040503050406030204" pitchFamily="18" charset="0"/>
+                                      </a:rPr>
+                                    </m:ctrlPr>
+                                  </m:sSupPr>
+                                  <m:e>
+                                    <m:r>
+                                      <a:rPr kumimoji="1" lang="en-US" altLang="ja-JP" sz="2400" b="0" i="1">
+                                        <a:latin typeface="Cambria Math" panose="02040503050406030204" pitchFamily="18" charset="0"/>
+                                      </a:rPr>
+                                      <m:t>𝑁</m:t>
+                                    </m:r>
+                                  </m:e>
+                                  <m:sup>
+                                    <m:r>
+                                      <a:rPr kumimoji="1" lang="en-US" altLang="ja-JP" sz="2400" b="0" i="1">
+                                        <a:latin typeface="Cambria Math" panose="02040503050406030204" pitchFamily="18" charset="0"/>
+                                      </a:rPr>
+                                      <m:t>2</m:t>
+                                    </m:r>
+                                  </m:sup>
+                                </m:sSup>
+                                <m:r>
+                                  <a:rPr kumimoji="1" lang="en-US" altLang="ja-JP" sz="2400" b="0" i="1">
+                                    <a:latin typeface="Cambria Math" panose="02040503050406030204" pitchFamily="18" charset="0"/>
+                                    <a:ea typeface="Cambria Math" panose="02040503050406030204" pitchFamily="18" charset="0"/>
+                                  </a:rPr>
+                                  <m:t>×</m:t>
+                                </m:r>
+                                <m:r>
+                                  <a:rPr kumimoji="1" lang="en-US" altLang="ja-JP" sz="2400" b="0" i="1">
+                                    <a:latin typeface="Cambria Math" panose="02040503050406030204" pitchFamily="18" charset="0"/>
+                                    <a:ea typeface="Cambria Math" panose="02040503050406030204" pitchFamily="18" charset="0"/>
+                                  </a:rPr>
+                                  <m:t>𝑙𝑜𝑔𝑁</m:t>
+                                </m:r>
+                              </m:oMath>
+                            </m:oMathPara>
+                          </a14:m>
+                          <a:endParaRPr kumimoji="1" lang="en-US" altLang="ja-JP" sz="2400" b="0">
+                            <a:ea typeface="Cambria Math" panose="02040503050406030204" pitchFamily="18" charset="0"/>
+                          </a:endParaRPr>
+                        </a:p>
+                      </a:txBody>
+                      <a:tcPr anchor="ctr" anchorCtr="1"/>
+                    </a:tc>
+                    <a:extLst>
+                      <a:ext uri="{0D108BD9-81ED-4DB2-BD59-A6C34878D82A}">
+                        <a16:rowId xmlns:a16="http://schemas.microsoft.com/office/drawing/2014/main" val="3362863563"/>
+                      </a:ext>
+                    </a:extLst>
+                  </a:tr>
+                  <a:tr h="696962">
+                    <a:tc>
+                      <a:txBody>
+                        <a:bodyPr/>
+                        <a:lstStyle/>
+                        <a:p>
+                          <a:pPr marL="0" marR="0" lvl="0" indent="0" algn="l" defTabSz="914400" rtl="0" eaLnBrk="1" fontAlgn="auto" latinLnBrk="0" hangingPunct="1">
+                            <a:lnSpc>
+                              <a:spcPct val="100000"/>
+                            </a:lnSpc>
+                            <a:spcBef>
+                              <a:spcPts val="0"/>
+                            </a:spcBef>
+                            <a:spcAft>
+                              <a:spcPts val="0"/>
+                            </a:spcAft>
+                            <a:buClrTx/>
+                            <a:buSzTx/>
+                            <a:buFontTx/>
+                            <a:buNone/>
+                            <a:tabLst/>
+                            <a:defRPr/>
+                          </a:pPr>
+                          <a:r>
+                            <a:rPr kumimoji="1" lang="en-US" altLang="ja-JP" sz="2400"/>
+                            <a:t>Find All Intersections v3</a:t>
+                          </a:r>
+                          <a:endParaRPr kumimoji="1" lang="ja-JP" altLang="en-US" sz="2400"/>
+                        </a:p>
+                      </a:txBody>
+                      <a:tcPr anchor="ctr" anchorCtr="1"/>
+                    </a:tc>
+                    <a:tc>
+                      <a:txBody>
+                        <a:bodyPr/>
+                        <a:lstStyle/>
+                        <a:p>
+                          <a14:m>
+                            <m:oMathPara xmlns:m="http://schemas.openxmlformats.org/officeDocument/2006/math">
+                              <m:oMathParaPr>
+                                <m:jc m:val="centerGroup"/>
+                              </m:oMathParaPr>
+                              <m:oMath xmlns:m="http://schemas.openxmlformats.org/officeDocument/2006/math">
+                                <m:sSup>
+                                  <m:sSupPr>
+                                    <m:ctrlPr>
+                                      <a:rPr kumimoji="1" lang="en-US" altLang="ja-JP" sz="2400" b="0" i="1">
+                                        <a:latin typeface="Cambria Math" panose="02040503050406030204" pitchFamily="18" charset="0"/>
+                                      </a:rPr>
+                                    </m:ctrlPr>
+                                  </m:sSupPr>
+                                  <m:e>
+                                    <m:r>
+                                      <a:rPr kumimoji="1" lang="en-US" altLang="ja-JP" sz="2400" b="0" i="1">
+                                        <a:latin typeface="Cambria Math" panose="02040503050406030204" pitchFamily="18" charset="0"/>
+                                      </a:rPr>
+                                      <m:t>𝑁</m:t>
+                                    </m:r>
+                                  </m:e>
+                                  <m:sup>
+                                    <m:r>
+                                      <a:rPr kumimoji="1" lang="en-US" altLang="ja-JP" sz="2400" b="0" i="1">
+                                        <a:latin typeface="Cambria Math" panose="02040503050406030204" pitchFamily="18" charset="0"/>
+                                      </a:rPr>
+                                      <m:t>2</m:t>
+                                    </m:r>
+                                  </m:sup>
+                                </m:sSup>
+                              </m:oMath>
+                            </m:oMathPara>
+                          </a14:m>
+                          <a:endParaRPr kumimoji="1" lang="en-US" altLang="ja-JP" sz="2400" b="0"/>
+                        </a:p>
+                      </a:txBody>
+                      <a:tcPr anchor="ctr" anchorCtr="1"/>
+                    </a:tc>
+                    <a:extLst>
+                      <a:ext uri="{0D108BD9-81ED-4DB2-BD59-A6C34878D82A}">
+                        <a16:rowId xmlns:a16="http://schemas.microsoft.com/office/drawing/2014/main" val="3266518731"/>
+                      </a:ext>
+                    </a:extLst>
+                  </a:tr>
+                  <a:tr h="696962">
+                    <a:tc>
+                      <a:txBody>
+                        <a:bodyPr/>
+                        <a:lstStyle/>
+                        <a:p>
+                          <a:r>
+                            <a:rPr kumimoji="1" lang="en-US" altLang="ja-JP" sz="2400"/>
+                            <a:t>Search All Roots</a:t>
+                          </a:r>
+                          <a:endParaRPr kumimoji="1" lang="ja-JP" altLang="en-US" sz="2400"/>
+                        </a:p>
+                      </a:txBody>
+                      <a:tcPr anchor="ctr" anchorCtr="1"/>
+                    </a:tc>
+                    <a:tc>
+                      <a:txBody>
+                        <a:bodyPr/>
+                        <a:lstStyle/>
+                        <a:p>
+                          <a:r>
+                            <a:rPr kumimoji="1" lang="en-US" altLang="ja-JP" sz="2400"/>
+                            <a:t>??</a:t>
+                          </a:r>
+                          <a:endParaRPr kumimoji="1" lang="ja-JP" altLang="en-US" sz="2400"/>
+                        </a:p>
+                      </a:txBody>
+                      <a:tcPr anchor="ctr" anchorCtr="1"/>
+                    </a:tc>
+                    <a:extLst>
+                      <a:ext uri="{0D108BD9-81ED-4DB2-BD59-A6C34878D82A}">
+                        <a16:rowId xmlns:a16="http://schemas.microsoft.com/office/drawing/2014/main" val="2095686809"/>
+                      </a:ext>
+                    </a:extLst>
+                  </a:tr>
+                  <a:tr h="696962">
+                    <a:tc>
+                      <a:txBody>
+                        <a:bodyPr/>
+                        <a:lstStyle/>
+                        <a:p>
+                          <a:r>
+                            <a:rPr kumimoji="1" lang="en-US" altLang="ja-JP" sz="2400"/>
+                            <a:t>Adding New Points</a:t>
+                          </a:r>
+                          <a:endParaRPr kumimoji="1" lang="ja-JP" altLang="en-US" sz="2400"/>
+                        </a:p>
+                      </a:txBody>
+                      <a:tcPr anchor="ctr" anchorCtr="1"/>
+                    </a:tc>
+                    <a:tc>
+                      <a:txBody>
+                        <a:bodyPr/>
+                        <a:lstStyle/>
+                        <a:p>
+                          <a14:m>
+                            <m:oMathPara xmlns:m="http://schemas.openxmlformats.org/officeDocument/2006/math">
+                              <m:oMathParaPr>
+                                <m:jc m:val="centerGroup"/>
+                              </m:oMathParaPr>
+                              <m:oMath xmlns:m="http://schemas.openxmlformats.org/officeDocument/2006/math">
+                                <m:r>
+                                  <a:rPr kumimoji="1" lang="en-US" altLang="ja-JP" sz="2400" b="0" i="1">
+                                    <a:latin typeface="Cambria Math" panose="02040503050406030204" pitchFamily="18" charset="0"/>
+                                  </a:rPr>
+                                  <m:t>𝑁</m:t>
+                                </m:r>
+                                <m:r>
+                                  <a:rPr kumimoji="1" lang="en-US" altLang="ja-JP" sz="2400" b="0" i="1">
+                                    <a:latin typeface="Cambria Math" panose="02040503050406030204" pitchFamily="18" charset="0"/>
+                                    <a:ea typeface="Cambria Math" panose="02040503050406030204" pitchFamily="18" charset="0"/>
+                                  </a:rPr>
+                                  <m:t>×</m:t>
+                                </m:r>
+                                <m:r>
+                                  <a:rPr kumimoji="1" lang="en-US" altLang="ja-JP" sz="2400" b="0" i="1">
+                                    <a:latin typeface="Cambria Math" panose="02040503050406030204" pitchFamily="18" charset="0"/>
+                                    <a:ea typeface="Cambria Math" panose="02040503050406030204" pitchFamily="18" charset="0"/>
+                                  </a:rPr>
+                                  <m:t>𝑀</m:t>
+                                </m:r>
+                              </m:oMath>
+                            </m:oMathPara>
+                          </a14:m>
+                          <a:endParaRPr kumimoji="1" lang="en-US" altLang="ja-JP" sz="2400" b="0">
+                            <a:ea typeface="Cambria Math" panose="02040503050406030204" pitchFamily="18" charset="0"/>
+                          </a:endParaRPr>
+                        </a:p>
+                      </a:txBody>
+                      <a:tcPr anchor="ctr" anchorCtr="1"/>
+                    </a:tc>
+                    <a:extLst>
+                      <a:ext uri="{0D108BD9-81ED-4DB2-BD59-A6C34878D82A}">
+                        <a16:rowId xmlns:a16="http://schemas.microsoft.com/office/drawing/2014/main" val="4185376917"/>
+                      </a:ext>
+                    </a:extLst>
+                  </a:tr>
+                  <a:tr h="696962">
+                    <a:tc>
+                      <a:txBody>
+                        <a:bodyPr/>
+                        <a:lstStyle/>
+                        <a:p>
+                          <a:r>
+                            <a:rPr kumimoji="1" lang="en-US" altLang="ja-JP" sz="2400"/>
+                            <a:t>Detection of highways</a:t>
+                          </a:r>
+                          <a:endParaRPr kumimoji="1" lang="ja-JP" altLang="en-US" sz="2400"/>
+                        </a:p>
+                      </a:txBody>
+                      <a:tcPr anchor="ctr" anchorCtr="1"/>
+                    </a:tc>
+                    <a:tc>
+                      <a:txBody>
+                        <a:bodyPr/>
+                        <a:lstStyle/>
+                        <a:p>
+                          <a:endParaRPr kumimoji="1" lang="en-US" altLang="ja-JP" sz="2400" b="0">
+                            <a:ea typeface="Cambria Math" panose="02040503050406030204" pitchFamily="18" charset="0"/>
+                          </a:endParaRPr>
+                        </a:p>
+                      </a:txBody>
+                      <a:tcPr anchor="ctr" anchorCtr="1"/>
+                    </a:tc>
+                    <a:extLst>
+                      <a:ext uri="{0D108BD9-81ED-4DB2-BD59-A6C34878D82A}">
+                        <a16:rowId xmlns:a16="http://schemas.microsoft.com/office/drawing/2014/main" val="4177185331"/>
+                      </a:ext>
+                    </a:extLst>
+                  </a:tr>
+                </a:tbl>
+              </a:graphicData>
+            </a:graphic>
+          </p:graphicFrame>
+        </mc:Choice>
+        <mc:Fallback>
+          <p:graphicFrame>
+            <p:nvGraphicFramePr>
+              <p:cNvPr id="4" name="コンテンツ プレースホルダー 3">
+                <a:extLst>
+                  <a:ext uri="{FF2B5EF4-FFF2-40B4-BE49-F238E27FC236}">
+                    <a16:creationId xmlns:a16="http://schemas.microsoft.com/office/drawing/2014/main" id="{EDE4CB62-8700-3046-97A9-529456DED4C7}"/>
+                  </a:ext>
+                </a:extLst>
+              </p:cNvPr>
+              <p:cNvGraphicFramePr>
+                <a:graphicFrameLocks noGrp="1"/>
+              </p:cNvGraphicFramePr>
+              <p:nvPr>
+                <p:ph idx="1"/>
+                <p:extLst>
+                  <p:ext uri="{D42A27DB-BD31-4B8C-83A1-F6EECF244321}">
+                    <p14:modId xmlns:p14="http://schemas.microsoft.com/office/powerpoint/2010/main" val="426978351"/>
+                  </p:ext>
+                </p:extLst>
+              </p:nvPr>
+            </p:nvGraphicFramePr>
+            <p:xfrm>
+              <a:off x="838200" y="1518891"/>
+              <a:ext cx="10515600" cy="4878734"/>
+            </p:xfrm>
+            <a:graphic>
+              <a:graphicData uri="http://schemas.openxmlformats.org/drawingml/2006/table">
+                <a:tbl>
+                  <a:tblPr firstRow="1" bandRow="1">
+                    <a:tableStyleId>{5C22544A-7EE6-4342-B048-85BDC9FD1C3A}</a:tableStyleId>
+                  </a:tblPr>
+                  <a:tblGrid>
+                    <a:gridCol w="5257800">
+                      <a:extLst>
+                        <a:ext uri="{9D8B030D-6E8A-4147-A177-3AD203B41FA5}">
+                          <a16:colId xmlns:a16="http://schemas.microsoft.com/office/drawing/2014/main" val="203278435"/>
+                        </a:ext>
+                      </a:extLst>
+                    </a:gridCol>
+                    <a:gridCol w="5257800">
+                      <a:extLst>
+                        <a:ext uri="{9D8B030D-6E8A-4147-A177-3AD203B41FA5}">
+                          <a16:colId xmlns:a16="http://schemas.microsoft.com/office/drawing/2014/main" val="1499582010"/>
+                        </a:ext>
+                      </a:extLst>
+                    </a:gridCol>
+                  </a:tblGrid>
+                  <a:tr h="696962">
+                    <a:tc>
+                      <a:txBody>
+                        <a:bodyPr/>
+                        <a:lstStyle/>
+                        <a:p>
+                          <a:r>
+                            <a:rPr kumimoji="1" lang="ja-JP" altLang="en-US" sz="2400"/>
+                            <a:t>アルゴリズム</a:t>
+                          </a:r>
+                        </a:p>
+                      </a:txBody>
+                      <a:tcPr anchor="ctr" anchorCtr="1"/>
+                    </a:tc>
+                    <a:tc>
+                      <a:txBody>
+                        <a:bodyPr/>
+                        <a:lstStyle/>
+                        <a:p>
+                          <a:r>
+                            <a:rPr kumimoji="1" lang="ja-JP" altLang="en-US" sz="2400"/>
+                            <a:t>計算量</a:t>
+                          </a:r>
+                        </a:p>
+                      </a:txBody>
+                      <a:tcPr anchor="ctr" anchorCtr="1"/>
+                    </a:tc>
+                    <a:extLst>
+                      <a:ext uri="{0D108BD9-81ED-4DB2-BD59-A6C34878D82A}">
+                        <a16:rowId xmlns:a16="http://schemas.microsoft.com/office/drawing/2014/main" val="3818681301"/>
+                      </a:ext>
+                    </a:extLst>
+                  </a:tr>
+                  <a:tr h="696962">
+                    <a:tc>
+                      <a:txBody>
+                        <a:bodyPr/>
+                        <a:lstStyle/>
+                        <a:p>
+                          <a:r>
+                            <a:rPr kumimoji="1" lang="en-US" altLang="ja-JP" sz="2400"/>
+                            <a:t>Find All Intersections v1</a:t>
+                          </a:r>
+                          <a:endParaRPr kumimoji="1" lang="ja-JP" altLang="en-US" sz="2400"/>
+                        </a:p>
+                      </a:txBody>
+                      <a:tcPr anchor="ctr" anchorCtr="1"/>
+                    </a:tc>
+                    <a:tc>
+                      <a:txBody>
+                        <a:bodyPr/>
+                        <a:lstStyle/>
+                        <a:p>
+                          <a:endParaRPr lang="ja-JP"/>
+                        </a:p>
+                      </a:txBody>
+                      <a:tcPr anchor="ctr" anchorCtr="1">
+                        <a:blipFill>
+                          <a:blip r:embed="rId2"/>
+                          <a:stretch>
+                            <a:fillRect l="-100242" t="-100000" r="-483" b="-501818"/>
+                          </a:stretch>
+                        </a:blipFill>
+                      </a:tcPr>
+                    </a:tc>
+                    <a:extLst>
+                      <a:ext uri="{0D108BD9-81ED-4DB2-BD59-A6C34878D82A}">
+                        <a16:rowId xmlns:a16="http://schemas.microsoft.com/office/drawing/2014/main" val="3831559802"/>
+                      </a:ext>
+                    </a:extLst>
+                  </a:tr>
+                  <a:tr h="696962">
+                    <a:tc>
+                      <a:txBody>
+                        <a:bodyPr/>
+                        <a:lstStyle/>
+                        <a:p>
+                          <a:pPr marL="0" marR="0" lvl="0" indent="0" algn="l" defTabSz="914400" rtl="0" eaLnBrk="1" fontAlgn="auto" latinLnBrk="0" hangingPunct="1">
+                            <a:lnSpc>
+                              <a:spcPct val="100000"/>
+                            </a:lnSpc>
+                            <a:spcBef>
+                              <a:spcPts val="0"/>
+                            </a:spcBef>
+                            <a:spcAft>
+                              <a:spcPts val="0"/>
+                            </a:spcAft>
+                            <a:buClrTx/>
+                            <a:buSzTx/>
+                            <a:buFontTx/>
+                            <a:buNone/>
+                            <a:tabLst/>
+                            <a:defRPr/>
+                          </a:pPr>
+                          <a:r>
+                            <a:rPr kumimoji="1" lang="en-US" altLang="ja-JP" sz="2400"/>
+                            <a:t>Find All Intersections v2</a:t>
+                          </a:r>
+                          <a:endParaRPr kumimoji="1" lang="ja-JP" altLang="en-US" sz="2400"/>
+                        </a:p>
+                      </a:txBody>
+                      <a:tcPr anchor="ctr" anchorCtr="1"/>
+                    </a:tc>
+                    <a:tc>
+                      <a:txBody>
+                        <a:bodyPr/>
+                        <a:lstStyle/>
+                        <a:p>
+                          <a:endParaRPr lang="ja-JP"/>
+                        </a:p>
+                      </a:txBody>
+                      <a:tcPr anchor="ctr" anchorCtr="1">
+                        <a:blipFill>
+                          <a:blip r:embed="rId2"/>
+                          <a:stretch>
+                            <a:fillRect l="-100242" t="-200000" r="-483" b="-401818"/>
+                          </a:stretch>
+                        </a:blipFill>
+                      </a:tcPr>
+                    </a:tc>
+                    <a:extLst>
+                      <a:ext uri="{0D108BD9-81ED-4DB2-BD59-A6C34878D82A}">
+                        <a16:rowId xmlns:a16="http://schemas.microsoft.com/office/drawing/2014/main" val="3362863563"/>
+                      </a:ext>
+                    </a:extLst>
+                  </a:tr>
+                  <a:tr h="696962">
+                    <a:tc>
+                      <a:txBody>
+                        <a:bodyPr/>
+                        <a:lstStyle/>
+                        <a:p>
+                          <a:pPr marL="0" marR="0" lvl="0" indent="0" algn="l" defTabSz="914400" rtl="0" eaLnBrk="1" fontAlgn="auto" latinLnBrk="0" hangingPunct="1">
+                            <a:lnSpc>
+                              <a:spcPct val="100000"/>
+                            </a:lnSpc>
+                            <a:spcBef>
+                              <a:spcPts val="0"/>
+                            </a:spcBef>
+                            <a:spcAft>
+                              <a:spcPts val="0"/>
+                            </a:spcAft>
+                            <a:buClrTx/>
+                            <a:buSzTx/>
+                            <a:buFontTx/>
+                            <a:buNone/>
+                            <a:tabLst/>
+                            <a:defRPr/>
+                          </a:pPr>
+                          <a:r>
+                            <a:rPr kumimoji="1" lang="en-US" altLang="ja-JP" sz="2400"/>
+                            <a:t>Find All Intersections v3</a:t>
+                          </a:r>
+                          <a:endParaRPr kumimoji="1" lang="ja-JP" altLang="en-US" sz="2400"/>
+                        </a:p>
+                      </a:txBody>
+                      <a:tcPr anchor="ctr" anchorCtr="1"/>
+                    </a:tc>
+                    <a:tc>
+                      <a:txBody>
+                        <a:bodyPr/>
+                        <a:lstStyle/>
+                        <a:p>
+                          <a:endParaRPr lang="ja-JP"/>
+                        </a:p>
+                      </a:txBody>
+                      <a:tcPr anchor="ctr" anchorCtr="1">
+                        <a:blipFill>
+                          <a:blip r:embed="rId2"/>
+                          <a:stretch>
+                            <a:fillRect l="-100242" t="-300000" r="-483" b="-301818"/>
+                          </a:stretch>
+                        </a:blipFill>
+                      </a:tcPr>
+                    </a:tc>
+                    <a:extLst>
+                      <a:ext uri="{0D108BD9-81ED-4DB2-BD59-A6C34878D82A}">
+                        <a16:rowId xmlns:a16="http://schemas.microsoft.com/office/drawing/2014/main" val="3266518731"/>
+                      </a:ext>
+                    </a:extLst>
+                  </a:tr>
+                  <a:tr h="696962">
+                    <a:tc>
+                      <a:txBody>
+                        <a:bodyPr/>
+                        <a:lstStyle/>
+                        <a:p>
+                          <a:r>
+                            <a:rPr kumimoji="1" lang="en-US" altLang="ja-JP" sz="2400"/>
+                            <a:t>Search All Roots</a:t>
+                          </a:r>
+                          <a:endParaRPr kumimoji="1" lang="ja-JP" altLang="en-US" sz="2400"/>
+                        </a:p>
+                      </a:txBody>
+                      <a:tcPr anchor="ctr" anchorCtr="1"/>
+                    </a:tc>
+                    <a:tc>
+                      <a:txBody>
+                        <a:bodyPr/>
+                        <a:lstStyle/>
+                        <a:p>
+                          <a:r>
+                            <a:rPr kumimoji="1" lang="en-US" altLang="ja-JP" sz="2400"/>
+                            <a:t>??</a:t>
+                          </a:r>
+                          <a:endParaRPr kumimoji="1" lang="ja-JP" altLang="en-US" sz="2400"/>
+                        </a:p>
+                      </a:txBody>
+                      <a:tcPr anchor="ctr" anchorCtr="1"/>
+                    </a:tc>
+                    <a:extLst>
+                      <a:ext uri="{0D108BD9-81ED-4DB2-BD59-A6C34878D82A}">
+                        <a16:rowId xmlns:a16="http://schemas.microsoft.com/office/drawing/2014/main" val="2095686809"/>
+                      </a:ext>
+                    </a:extLst>
+                  </a:tr>
+                  <a:tr h="696962">
+                    <a:tc>
+                      <a:txBody>
+                        <a:bodyPr/>
+                        <a:lstStyle/>
+                        <a:p>
+                          <a:r>
+                            <a:rPr kumimoji="1" lang="en-US" altLang="ja-JP" sz="2400"/>
+                            <a:t>Adding New Points</a:t>
+                          </a:r>
+                          <a:endParaRPr kumimoji="1" lang="ja-JP" altLang="en-US" sz="2400"/>
+                        </a:p>
+                      </a:txBody>
+                      <a:tcPr anchor="ctr" anchorCtr="1"/>
+                    </a:tc>
+                    <a:tc>
+                      <a:txBody>
+                        <a:bodyPr/>
+                        <a:lstStyle/>
+                        <a:p>
+                          <a:endParaRPr lang="ja-JP"/>
+                        </a:p>
+                      </a:txBody>
+                      <a:tcPr anchor="ctr" anchorCtr="1">
+                        <a:blipFill>
+                          <a:blip r:embed="rId2"/>
+                          <a:stretch>
+                            <a:fillRect l="-100242" t="-500000" r="-483" b="-101818"/>
+                          </a:stretch>
+                        </a:blipFill>
+                      </a:tcPr>
+                    </a:tc>
+                    <a:extLst>
+                      <a:ext uri="{0D108BD9-81ED-4DB2-BD59-A6C34878D82A}">
+                        <a16:rowId xmlns:a16="http://schemas.microsoft.com/office/drawing/2014/main" val="4185376917"/>
+                      </a:ext>
+                    </a:extLst>
+                  </a:tr>
+                  <a:tr h="696962">
+                    <a:tc>
+                      <a:txBody>
+                        <a:bodyPr/>
+                        <a:lstStyle/>
+                        <a:p>
+                          <a:r>
+                            <a:rPr kumimoji="1" lang="en-US" altLang="ja-JP" sz="2400"/>
+                            <a:t>Detection of highways</a:t>
+                          </a:r>
+                          <a:endParaRPr kumimoji="1" lang="ja-JP" altLang="en-US" sz="2400"/>
+                        </a:p>
+                      </a:txBody>
+                      <a:tcPr anchor="ctr" anchorCtr="1"/>
+                    </a:tc>
+                    <a:tc>
+                      <a:txBody>
+                        <a:bodyPr/>
+                        <a:lstStyle/>
+                        <a:p>
+                          <a:endParaRPr kumimoji="1" lang="en-US" altLang="ja-JP" sz="2400" b="0">
+                            <a:ea typeface="Cambria Math" panose="02040503050406030204" pitchFamily="18" charset="0"/>
+                          </a:endParaRPr>
+                        </a:p>
+                      </a:txBody>
+                      <a:tcPr anchor="ctr" anchorCtr="1"/>
+                    </a:tc>
+                    <a:extLst>
+                      <a:ext uri="{0D108BD9-81ED-4DB2-BD59-A6C34878D82A}">
+                        <a16:rowId xmlns:a16="http://schemas.microsoft.com/office/drawing/2014/main" val="4177185331"/>
+                      </a:ext>
+                    </a:extLst>
+                  </a:tr>
+                </a:tbl>
+              </a:graphicData>
+            </a:graphic>
+          </p:graphicFrame>
+        </mc:Fallback>
+      </mc:AlternateContent>
+    </p:spTree>
+    <p:extLst>
+      <p:ext uri="{BB962C8B-B14F-4D97-AF65-F5344CB8AC3E}">
+        <p14:creationId xmlns:p14="http://schemas.microsoft.com/office/powerpoint/2010/main" val="3193439304"/>
+      </p:ext>
+    </p:extLst>
+  </p:cSld>
+  <p:clrMapOvr>
+    <a:masterClrMapping/>
+  </p:clrMapOvr>
+</p:sld>
+</file>
+
+<file path=ppt/slides/slide15.xml><?xml version="1.0" encoding="utf-8"?>
+<p:sld xmlns:a="http://schemas.openxmlformats.org/drawingml/2006/main" xmlns:r="http://schemas.openxmlformats.org/officeDocument/2006/relationships" xmlns:p="http://schemas.openxmlformats.org/presentationml/2006/main">
+  <p:cSld>
+    <p:spTree>
+      <p:nvGrpSpPr>
+        <p:cNvPr id="1" name=""/>
+        <p:cNvGrpSpPr/>
+        <p:nvPr/>
+      </p:nvGrpSpPr>
+      <p:grpSpPr>
+        <a:xfrm>
+          <a:off x="0" y="0"/>
+          <a:ext cx="0" cy="0"/>
+          <a:chOff x="0" y="0"/>
+          <a:chExt cx="0" cy="0"/>
+        </a:xfrm>
+      </p:grpSpPr>
+      <p:sp>
+        <p:nvSpPr>
+          <p:cNvPr id="2" name="タイトル 1">
+            <a:extLst>
+              <a:ext uri="{FF2B5EF4-FFF2-40B4-BE49-F238E27FC236}">
+                <a16:creationId xmlns:a16="http://schemas.microsoft.com/office/drawing/2014/main" id="{1CE9DE30-B94F-BC42-ABDA-AA82443594CD}"/>
+              </a:ext>
+            </a:extLst>
+          </p:cNvPr>
+          <p:cNvSpPr>
+            <a:spLocks noGrp="1"/>
+          </p:cNvSpPr>
+          <p:nvPr>
+            <p:ph type="title"/>
+          </p:nvPr>
+        </p:nvSpPr>
+        <p:spPr/>
+        <p:txBody>
+          <a:bodyPr/>
+          <a:lstStyle/>
+          <a:p>
+            <a:r>
+              <a:rPr kumimoji="1" lang="en-US" altLang="ja-JP"/>
+              <a:t>Visualization</a:t>
+            </a:r>
+            <a:endParaRPr kumimoji="1" lang="ja-JP" altLang="en-US"/>
+          </a:p>
+        </p:txBody>
+      </p:sp>
+      <p:sp>
+        <p:nvSpPr>
+          <p:cNvPr id="5" name="テキスト ボックス 4">
+            <a:extLst>
+              <a:ext uri="{FF2B5EF4-FFF2-40B4-BE49-F238E27FC236}">
+                <a16:creationId xmlns:a16="http://schemas.microsoft.com/office/drawing/2014/main" id="{9741E0B2-2CB8-454A-99CA-41B53CC01626}"/>
+              </a:ext>
+            </a:extLst>
+          </p:cNvPr>
+          <p:cNvSpPr txBox="1"/>
+          <p:nvPr/>
+        </p:nvSpPr>
+        <p:spPr>
+          <a:xfrm>
+            <a:off x="6230217" y="2691588"/>
+            <a:ext cx="4561367" cy="1938992"/>
+          </a:xfrm>
+          <a:prstGeom prst="rect">
+            <a:avLst/>
+          </a:prstGeom>
+          <a:noFill/>
+        </p:spPr>
+        <p:txBody>
+          <a:bodyPr wrap="square" rtlCol="0">
+            <a:spAutoFit/>
+          </a:bodyPr>
+          <a:lstStyle/>
+          <a:p>
+            <a:r>
+              <a:rPr lang="en-US" altLang="ja-JP" sz="2400"/>
+              <a:t>Used Matplotlib for visualizing!</a:t>
+            </a:r>
+          </a:p>
+          <a:p>
+            <a:r>
+              <a:rPr lang="en-US" altLang="ja-JP" sz="2400"/>
+              <a:t>Plot:</a:t>
+            </a:r>
+          </a:p>
+          <a:p>
+            <a:pPr marL="342900" indent="-342900">
+              <a:buFont typeface="Arial" panose="020B0604020202020204" pitchFamily="34" charset="0"/>
+              <a:buChar char="•"/>
+            </a:pPr>
+            <a:r>
+              <a:rPr kumimoji="1" lang="en-US" altLang="ja-JP" sz="2400"/>
+              <a:t>Segments(Blue lines)</a:t>
+            </a:r>
+          </a:p>
+          <a:p>
+            <a:pPr marL="342900" indent="-342900">
+              <a:buFont typeface="Arial" panose="020B0604020202020204" pitchFamily="34" charset="0"/>
+              <a:buChar char="•"/>
+            </a:pPr>
+            <a:r>
+              <a:rPr lang="en-US" altLang="ja-JP" sz="2400"/>
+              <a:t>Points(Red points)</a:t>
+            </a:r>
+          </a:p>
+          <a:p>
+            <a:pPr marL="342900" indent="-342900">
+              <a:buFont typeface="Arial" panose="020B0604020202020204" pitchFamily="34" charset="0"/>
+              <a:buChar char="•"/>
+            </a:pPr>
+            <a:r>
+              <a:rPr kumimoji="1" lang="en-US" altLang="ja-JP" sz="2400"/>
+              <a:t>Intersetcions(Pink points)</a:t>
+            </a:r>
+            <a:endParaRPr kumimoji="1" lang="ja-JP" altLang="en-US" sz="2400"/>
+          </a:p>
+        </p:txBody>
+      </p:sp>
+      <p:pic>
+        <p:nvPicPr>
+          <p:cNvPr id="9" name="コンテンツ プレースホルダー 8" descr="地図, テキスト が含まれている画像&#10;&#10;自動的に生成された説明">
+            <a:extLst>
+              <a:ext uri="{FF2B5EF4-FFF2-40B4-BE49-F238E27FC236}">
+                <a16:creationId xmlns:a16="http://schemas.microsoft.com/office/drawing/2014/main" id="{C8264193-0144-5F43-B14D-0ADA121A57C9}"/>
+              </a:ext>
+            </a:extLst>
+          </p:cNvPr>
+          <p:cNvPicPr>
+            <a:picLocks noGrp="1" noChangeAspect="1"/>
+          </p:cNvPicPr>
+          <p:nvPr>
+            <p:ph idx="1"/>
+          </p:nvPr>
+        </p:nvPicPr>
+        <p:blipFill>
+          <a:blip r:embed="rId2"/>
+          <a:stretch>
+            <a:fillRect/>
+          </a:stretch>
+        </p:blipFill>
+        <p:spPr>
+          <a:xfrm>
+            <a:off x="277781" y="1867517"/>
+            <a:ext cx="5818219" cy="4351338"/>
+          </a:xfrm>
+        </p:spPr>
+      </p:pic>
+    </p:spTree>
+    <p:extLst>
+      <p:ext uri="{BB962C8B-B14F-4D97-AF65-F5344CB8AC3E}">
+        <p14:creationId xmlns:p14="http://schemas.microsoft.com/office/powerpoint/2010/main" val="293231606"/>
+      </p:ext>
+    </p:extLst>
+  </p:cSld>
+  <p:clrMapOvr>
+    <a:masterClrMapping/>
+  </p:clrMapOvr>
+</p:sld>
+</file>
+
+<file path=ppt/slides/slide16.xml><?xml version="1.0" encoding="utf-8"?>
+<p:sld xmlns:a="http://schemas.openxmlformats.org/drawingml/2006/main" xmlns:r="http://schemas.openxmlformats.org/officeDocument/2006/relationships" xmlns:p="http://schemas.openxmlformats.org/presentationml/2006/main">
+  <p:cSld>
+    <p:spTree>
+      <p:nvGrpSpPr>
+        <p:cNvPr id="1" name=""/>
+        <p:cNvGrpSpPr/>
+        <p:nvPr/>
+      </p:nvGrpSpPr>
+      <p:grpSpPr>
+        <a:xfrm>
+          <a:off x="0" y="0"/>
+          <a:ext cx="0" cy="0"/>
+          <a:chOff x="0" y="0"/>
+          <a:chExt cx="0" cy="0"/>
+        </a:xfrm>
+      </p:grpSpPr>
+      <p:sp>
+        <p:nvSpPr>
+          <p:cNvPr id="2" name="タイトル 1">
+            <a:extLst>
+              <a:ext uri="{FF2B5EF4-FFF2-40B4-BE49-F238E27FC236}">
+                <a16:creationId xmlns:a16="http://schemas.microsoft.com/office/drawing/2014/main" id="{E5276993-FED4-164D-AA5C-EC17E7957903}"/>
+              </a:ext>
+            </a:extLst>
+          </p:cNvPr>
+          <p:cNvSpPr>
+            <a:spLocks noGrp="1"/>
+          </p:cNvSpPr>
+          <p:nvPr>
+            <p:ph type="title"/>
+          </p:nvPr>
+        </p:nvSpPr>
+        <p:spPr/>
+        <p:txBody>
+          <a:bodyPr/>
+          <a:lstStyle/>
+          <a:p>
+            <a:r>
+              <a:rPr kumimoji="1" lang="en-US" altLang="ja-JP"/>
+              <a:t>Testdata generator</a:t>
+            </a:r>
+            <a:endParaRPr kumimoji="1" lang="ja-JP" altLang="en-US"/>
+          </a:p>
+        </p:txBody>
+      </p:sp>
+      <p:sp>
+        <p:nvSpPr>
+          <p:cNvPr id="3" name="コンテンツ プレースホルダー 2">
+            <a:extLst>
+              <a:ext uri="{FF2B5EF4-FFF2-40B4-BE49-F238E27FC236}">
+                <a16:creationId xmlns:a16="http://schemas.microsoft.com/office/drawing/2014/main" id="{FE6067C5-CA75-754B-9259-7B81259EBD2C}"/>
+              </a:ext>
+            </a:extLst>
+          </p:cNvPr>
+          <p:cNvSpPr>
+            <a:spLocks noGrp="1"/>
+          </p:cNvSpPr>
+          <p:nvPr>
+            <p:ph idx="1"/>
+          </p:nvPr>
+        </p:nvSpPr>
+        <p:spPr/>
+        <p:txBody>
+          <a:bodyPr/>
+          <a:lstStyle/>
+          <a:p>
+            <a:endParaRPr kumimoji="1" lang="en-US" altLang="ja-JP"/>
+          </a:p>
+          <a:p>
+            <a:r>
+              <a:rPr kumimoji="1" lang="en-US" altLang="ja-JP"/>
+              <a:t>We made testdata Generator for max input and minimun input.</a:t>
+            </a:r>
+          </a:p>
+          <a:p>
+            <a:r>
+              <a:rPr lang="en-US" altLang="ja-JP"/>
+              <a:t>We created other testdatas(for normal and special cases) by hand.</a:t>
+            </a:r>
+            <a:endParaRPr kumimoji="1" lang="ja-JP" altLang="en-US"/>
+          </a:p>
+        </p:txBody>
+      </p:sp>
+    </p:spTree>
+    <p:extLst>
+      <p:ext uri="{BB962C8B-B14F-4D97-AF65-F5344CB8AC3E}">
+        <p14:creationId xmlns:p14="http://schemas.microsoft.com/office/powerpoint/2010/main" val="2223965813"/>
+      </p:ext>
+    </p:extLst>
+  </p:cSld>
+  <p:clrMapOvr>
+    <a:masterClrMapping/>
+  </p:clrMapOvr>
+</p:sld>
+</file>
+
+<file path=ppt/slides/slide17.xml><?xml version="1.0" encoding="utf-8"?>
+<p:sld xmlns:a="http://schemas.openxmlformats.org/drawingml/2006/main" xmlns:r="http://schemas.openxmlformats.org/officeDocument/2006/relationships" xmlns:p="http://schemas.openxmlformats.org/presentationml/2006/main">
+  <p:cSld>
+    <p:spTree>
+      <p:nvGrpSpPr>
+        <p:cNvPr id="1" name=""/>
+        <p:cNvGrpSpPr/>
+        <p:nvPr/>
+      </p:nvGrpSpPr>
+      <p:grpSpPr>
+        <a:xfrm>
+          <a:off x="0" y="0"/>
+          <a:ext cx="0" cy="0"/>
+          <a:chOff x="0" y="0"/>
+          <a:chExt cx="0" cy="0"/>
+        </a:xfrm>
+      </p:grpSpPr>
+      <p:sp>
+        <p:nvSpPr>
+          <p:cNvPr id="2" name="タイトル 1">
+            <a:extLst>
+              <a:ext uri="{FF2B5EF4-FFF2-40B4-BE49-F238E27FC236}">
+                <a16:creationId xmlns:a16="http://schemas.microsoft.com/office/drawing/2014/main" id="{665EDAAD-51D2-B54F-B379-F758A2C61CBD}"/>
+              </a:ext>
+            </a:extLst>
+          </p:cNvPr>
+          <p:cNvSpPr>
+            <a:spLocks noGrp="1"/>
+          </p:cNvSpPr>
+          <p:nvPr>
+            <p:ph type="title"/>
+          </p:nvPr>
+        </p:nvSpPr>
+        <p:spPr/>
+        <p:txBody>
+          <a:bodyPr/>
+          <a:lstStyle/>
+          <a:p>
+            <a:r>
+              <a:rPr kumimoji="1" lang="en-US" altLang="ja-JP"/>
+              <a:t>Contribution</a:t>
+            </a:r>
+            <a:endParaRPr kumimoji="1" lang="ja-JP" altLang="en-US"/>
+          </a:p>
+        </p:txBody>
+      </p:sp>
+      <p:pic>
+        <p:nvPicPr>
+          <p:cNvPr id="5" name="コンテンツ プレースホルダー 4" descr="スクリーンショット が含まれている画像&#10;&#10;自動的に生成された説明">
+            <a:extLst>
+              <a:ext uri="{FF2B5EF4-FFF2-40B4-BE49-F238E27FC236}">
+                <a16:creationId xmlns:a16="http://schemas.microsoft.com/office/drawing/2014/main" id="{0C4C2A21-9694-5543-8BDE-C2FBCFB51CDA}"/>
+              </a:ext>
+            </a:extLst>
+          </p:cNvPr>
+          <p:cNvPicPr>
+            <a:picLocks noGrp="1" noChangeAspect="1"/>
+          </p:cNvPicPr>
+          <p:nvPr>
+            <p:ph idx="1"/>
+          </p:nvPr>
+        </p:nvPicPr>
+        <p:blipFill>
+          <a:blip r:embed="rId2"/>
+          <a:stretch>
+            <a:fillRect/>
+          </a:stretch>
+        </p:blipFill>
+        <p:spPr>
+          <a:xfrm>
+            <a:off x="838200" y="1371600"/>
+            <a:ext cx="5678996" cy="3763814"/>
+          </a:xfrm>
+        </p:spPr>
+      </p:pic>
+      <p:pic>
+        <p:nvPicPr>
+          <p:cNvPr id="6" name="図 5" descr="スクリーンショット が含まれている画像&#10;&#10;自動的に生成された説明">
+            <a:extLst>
+              <a:ext uri="{FF2B5EF4-FFF2-40B4-BE49-F238E27FC236}">
+                <a16:creationId xmlns:a16="http://schemas.microsoft.com/office/drawing/2014/main" id="{23E88CF0-5678-6848-BA83-CC6C234FE985}"/>
+              </a:ext>
+            </a:extLst>
+          </p:cNvPr>
+          <p:cNvPicPr>
+            <a:picLocks noChangeAspect="1"/>
+          </p:cNvPicPr>
+          <p:nvPr/>
+        </p:nvPicPr>
+        <p:blipFill>
+          <a:blip r:embed="rId3"/>
+          <a:stretch>
+            <a:fillRect/>
+          </a:stretch>
+        </p:blipFill>
+        <p:spPr>
+          <a:xfrm>
+            <a:off x="731874" y="5241739"/>
+            <a:ext cx="9956800" cy="1460500"/>
+          </a:xfrm>
+          <a:prstGeom prst="rect">
+            <a:avLst/>
+          </a:prstGeom>
+        </p:spPr>
+      </p:pic>
+      <p:sp>
+        <p:nvSpPr>
+          <p:cNvPr id="7" name="テキスト ボックス 6">
+            <a:extLst>
+              <a:ext uri="{FF2B5EF4-FFF2-40B4-BE49-F238E27FC236}">
+                <a16:creationId xmlns:a16="http://schemas.microsoft.com/office/drawing/2014/main" id="{4B881C3A-1181-8C49-AC21-483D3D6CF977}"/>
+              </a:ext>
+            </a:extLst>
+          </p:cNvPr>
+          <p:cNvSpPr txBox="1"/>
+          <p:nvPr/>
+        </p:nvSpPr>
+        <p:spPr>
+          <a:xfrm>
+            <a:off x="7124996" y="2583655"/>
+            <a:ext cx="3563678" cy="2031325"/>
+          </a:xfrm>
+          <a:prstGeom prst="rect">
+            <a:avLst/>
+          </a:prstGeom>
+          <a:noFill/>
+        </p:spPr>
+        <p:txBody>
+          <a:bodyPr wrap="square" rtlCol="0">
+            <a:spAutoFit/>
+          </a:bodyPr>
+          <a:lstStyle/>
+          <a:p>
+            <a:r>
+              <a:rPr kumimoji="1" lang="en-US" altLang="ja-JP" b="1"/>
+              <a:t>Sora Koshikawa</a:t>
+            </a:r>
+          </a:p>
+          <a:p>
+            <a:pPr marL="285750" indent="-285750">
+              <a:buFont typeface="Arial" panose="020B0604020202020204" pitchFamily="34" charset="0"/>
+              <a:buChar char="•"/>
+            </a:pPr>
+            <a:r>
+              <a:rPr lang="en-US" altLang="ja-JP"/>
+              <a:t>73 lines per 46hours</a:t>
+            </a:r>
+          </a:p>
+          <a:p>
+            <a:pPr marL="285750" indent="-285750">
+              <a:buFont typeface="Arial" panose="020B0604020202020204" pitchFamily="34" charset="0"/>
+              <a:buChar char="•"/>
+            </a:pPr>
+            <a:r>
+              <a:rPr kumimoji="1" lang="en-US" altLang="ja-JP"/>
+              <a:t>LOC is 1.58</a:t>
+            </a:r>
+          </a:p>
+          <a:p>
+            <a:pPr marL="285750" indent="-285750">
+              <a:buFont typeface="Arial" panose="020B0604020202020204" pitchFamily="34" charset="0"/>
+              <a:buChar char="•"/>
+            </a:pPr>
+            <a:endParaRPr lang="en-US" altLang="ja-JP"/>
+          </a:p>
+          <a:p>
+            <a:r>
+              <a:rPr kumimoji="1" lang="en-US" altLang="ja-JP" b="1"/>
+              <a:t>Kaito Kimura</a:t>
+            </a:r>
+          </a:p>
+          <a:p>
+            <a:pPr marL="285750" indent="-285750">
+              <a:buFont typeface="Arial" panose="020B0604020202020204" pitchFamily="34" charset="0"/>
+              <a:buChar char="•"/>
+            </a:pPr>
+            <a:r>
+              <a:rPr lang="en-US" altLang="ja-JP"/>
+              <a:t>1544 lines per 60 hours</a:t>
+            </a:r>
+          </a:p>
+          <a:p>
+            <a:pPr marL="285750" indent="-285750">
+              <a:buFont typeface="Arial" panose="020B0604020202020204" pitchFamily="34" charset="0"/>
+              <a:buChar char="•"/>
+            </a:pPr>
+            <a:r>
+              <a:rPr kumimoji="1" lang="en-US" altLang="ja-JP"/>
+              <a:t>LOC is 25.73</a:t>
+            </a:r>
+            <a:endParaRPr kumimoji="1" lang="ja-JP" altLang="en-US"/>
+          </a:p>
+        </p:txBody>
+      </p:sp>
+    </p:spTree>
+    <p:extLst>
+      <p:ext uri="{BB962C8B-B14F-4D97-AF65-F5344CB8AC3E}">
+        <p14:creationId xmlns:p14="http://schemas.microsoft.com/office/powerpoint/2010/main" val="1595393690"/>
+      </p:ext>
+    </p:extLst>
+  </p:cSld>
+  <p:clrMapOvr>
+    <a:masterClrMapping/>
+  </p:clrMapOvr>
+</p:sld>
+</file>
+
+<file path=ppt/slides/slide18.xml><?xml version="1.0" encoding="utf-8"?>
+<p:sld xmlns:a="http://schemas.openxmlformats.org/drawingml/2006/main" xmlns:r="http://schemas.openxmlformats.org/officeDocument/2006/relationships" xmlns:p="http://schemas.openxmlformats.org/presentationml/2006/main">
+  <p:cSld>
+    <p:spTree>
+      <p:nvGrpSpPr>
+        <p:cNvPr id="1" name=""/>
+        <p:cNvGrpSpPr/>
+        <p:nvPr/>
+      </p:nvGrpSpPr>
+      <p:grpSpPr>
+        <a:xfrm>
+          <a:off x="0" y="0"/>
+          <a:ext cx="0" cy="0"/>
+          <a:chOff x="0" y="0"/>
+          <a:chExt cx="0" cy="0"/>
+        </a:xfrm>
+      </p:grpSpPr>
+      <p:sp>
+        <p:nvSpPr>
+          <p:cNvPr id="2" name="タイトル 1">
+            <a:extLst>
+              <a:ext uri="{FF2B5EF4-FFF2-40B4-BE49-F238E27FC236}">
+                <a16:creationId xmlns:a16="http://schemas.microsoft.com/office/drawing/2014/main" id="{58C42460-3C29-014C-A0A9-B5A1BB589EFD}"/>
+              </a:ext>
+            </a:extLst>
+          </p:cNvPr>
+          <p:cNvSpPr>
+            <a:spLocks noGrp="1"/>
+          </p:cNvSpPr>
+          <p:nvPr>
+            <p:ph type="title"/>
+          </p:nvPr>
+        </p:nvSpPr>
+        <p:spPr/>
+        <p:txBody>
+          <a:bodyPr/>
+          <a:lstStyle/>
+          <a:p>
+            <a:r>
+              <a:rPr kumimoji="1" lang="en-US" altLang="ja-JP"/>
+              <a:t>Summary</a:t>
+            </a:r>
+            <a:endParaRPr kumimoji="1" lang="ja-JP" altLang="en-US"/>
+          </a:p>
+        </p:txBody>
+      </p:sp>
+      <p:sp>
+        <p:nvSpPr>
+          <p:cNvPr id="3" name="コンテンツ プレースホルダー 2">
+            <a:extLst>
+              <a:ext uri="{FF2B5EF4-FFF2-40B4-BE49-F238E27FC236}">
+                <a16:creationId xmlns:a16="http://schemas.microsoft.com/office/drawing/2014/main" id="{96132756-7891-1342-97C6-4DDCAA9EE6DF}"/>
+              </a:ext>
+            </a:extLst>
+          </p:cNvPr>
+          <p:cNvSpPr>
+            <a:spLocks noGrp="1"/>
+          </p:cNvSpPr>
+          <p:nvPr>
+            <p:ph idx="1"/>
+          </p:nvPr>
+        </p:nvSpPr>
+        <p:spPr/>
+        <p:txBody>
+          <a:bodyPr/>
+          <a:lstStyle/>
+          <a:p>
+            <a:endParaRPr kumimoji="1" lang="en-US" altLang="ja-JP"/>
+          </a:p>
+          <a:p>
+            <a:r>
+              <a:rPr kumimoji="1" lang="en-US" altLang="ja-JP"/>
+              <a:t>We thohght and impremented algorithm(Recursive) by self.</a:t>
+            </a:r>
+          </a:p>
+          <a:p>
+            <a:pPr lvl="1"/>
+            <a:r>
+              <a:rPr lang="en-US" altLang="ja-JP"/>
+              <a:t>Difficult, but it would be a good experience</a:t>
+            </a:r>
+          </a:p>
+          <a:p>
+            <a:pPr lvl="1"/>
+            <a:r>
+              <a:rPr kumimoji="1" lang="en-US" altLang="ja-JP"/>
+              <a:t>We could design the system well </a:t>
+            </a:r>
+            <a:r>
+              <a:rPr kumimoji="1" lang="ja-JP" altLang="en-US"/>
+              <a:t>➜</a:t>
+            </a:r>
+            <a:r>
+              <a:rPr kumimoji="1" lang="en-US" altLang="ja-JP"/>
+              <a:t> Imprement system efficiently</a:t>
+            </a:r>
+          </a:p>
+          <a:p>
+            <a:pPr lvl="1"/>
+            <a:r>
+              <a:rPr kumimoji="1" lang="en-US" altLang="ja-JP"/>
+              <a:t>Algorithm efficiency was so bad that the system could not treat the big size input(ex10, ex11)</a:t>
+            </a:r>
+            <a:endParaRPr lang="en-US" altLang="ja-JP"/>
+          </a:p>
+          <a:p>
+            <a:r>
+              <a:rPr lang="en-US" altLang="ja-JP"/>
+              <a:t>We should have think deeply about what algorithm we use</a:t>
+            </a:r>
+          </a:p>
+          <a:p>
+            <a:r>
+              <a:rPr kumimoji="1" lang="ja-JP" altLang="en-US"/>
+              <a:t>こしかわ流総括も書いといて</a:t>
+            </a:r>
+            <a:endParaRPr kumimoji="1" lang="en-US" altLang="ja-JP"/>
+          </a:p>
+        </p:txBody>
+      </p:sp>
+    </p:spTree>
+    <p:extLst>
+      <p:ext uri="{BB962C8B-B14F-4D97-AF65-F5344CB8AC3E}">
+        <p14:creationId xmlns:p14="http://schemas.microsoft.com/office/powerpoint/2010/main" val="1521060905"/>
+      </p:ext>
+    </p:extLst>
+  </p:cSld>
+  <p:clrMapOvr>
+    <a:masterClrMapping/>
+  </p:clrMapOvr>
+</p:sld>
+</file>
+
+<file path=ppt/slides/slide19.xml><?xml version="1.0" encoding="utf-8"?>
+<p:sld xmlns:a="http://schemas.openxmlformats.org/drawingml/2006/main" xmlns:r="http://schemas.openxmlformats.org/officeDocument/2006/relationships" xmlns:p="http://schemas.openxmlformats.org/presentationml/2006/main">
+  <p:cSld>
+    <p:spTree>
+      <p:nvGrpSpPr>
+        <p:cNvPr id="1" name=""/>
+        <p:cNvGrpSpPr/>
+        <p:nvPr/>
+      </p:nvGrpSpPr>
+      <p:grpSpPr>
+        <a:xfrm>
+          <a:off x="0" y="0"/>
+          <a:ext cx="0" cy="0"/>
+          <a:chOff x="0" y="0"/>
+          <a:chExt cx="0" cy="0"/>
+        </a:xfrm>
+      </p:grpSpPr>
+      <p:sp>
+        <p:nvSpPr>
+          <p:cNvPr id="3" name="コンテンツ プレースホルダー 2">
+            <a:extLst>
+              <a:ext uri="{FF2B5EF4-FFF2-40B4-BE49-F238E27FC236}">
+                <a16:creationId xmlns:a16="http://schemas.microsoft.com/office/drawing/2014/main" id="{9CEF9ED4-98C3-B04F-9FB6-16417D54D774}"/>
+              </a:ext>
+            </a:extLst>
+          </p:cNvPr>
+          <p:cNvSpPr>
+            <a:spLocks noGrp="1"/>
+          </p:cNvSpPr>
+          <p:nvPr>
+            <p:ph idx="1"/>
+          </p:nvPr>
+        </p:nvSpPr>
+        <p:spPr>
+          <a:xfrm>
+            <a:off x="838200" y="600074"/>
+            <a:ext cx="10515600" cy="5815013"/>
+          </a:xfrm>
+        </p:spPr>
+        <p:txBody>
+          <a:bodyPr anchor="ctr">
+            <a:normAutofit/>
+          </a:bodyPr>
+          <a:lstStyle/>
+          <a:p>
+            <a:pPr marL="0" indent="0" algn="ctr">
+              <a:buNone/>
+            </a:pPr>
+            <a:r>
+              <a:rPr kumimoji="1" lang="en-US" altLang="ja-JP" sz="4400" b="1"/>
+              <a:t>Thank you for listening!</a:t>
+            </a:r>
+          </a:p>
+        </p:txBody>
+      </p:sp>
+    </p:spTree>
+    <p:extLst>
+      <p:ext uri="{BB962C8B-B14F-4D97-AF65-F5344CB8AC3E}">
+        <p14:creationId xmlns:p14="http://schemas.microsoft.com/office/powerpoint/2010/main" val="3093634972"/>
+      </p:ext>
+    </p:extLst>
+  </p:cSld>
+  <p:clrMapOvr>
+    <a:masterClrMapping/>
+  </p:clrMapOvr>
+</p:sld>
+</file>
+
+<file path=ppt/slides/slide2.xml><?xml version="1.0" encoding="utf-8"?>
+<p:sld xmlns:a="http://schemas.openxmlformats.org/drawingml/2006/main" xmlns:r="http://schemas.openxmlformats.org/officeDocument/2006/relationships" xmlns:p="http://schemas.openxmlformats.org/presentationml/2006/main">
+  <p:cSld>
+    <p:spTree>
+      <p:nvGrpSpPr>
+        <p:cNvPr id="1" name=""/>
+        <p:cNvGrpSpPr/>
+        <p:nvPr/>
+      </p:nvGrpSpPr>
+      <p:grpSpPr>
+        <a:xfrm>
+          <a:off x="0" y="0"/>
+          <a:ext cx="0" cy="0"/>
+          <a:chOff x="0" y="0"/>
+          <a:chExt cx="0" cy="0"/>
+        </a:xfrm>
+      </p:grpSpPr>
+      <p:sp>
+        <p:nvSpPr>
+          <p:cNvPr id="2" name="タイトル 1">
+            <a:extLst>
+              <a:ext uri="{FF2B5EF4-FFF2-40B4-BE49-F238E27FC236}">
+                <a16:creationId xmlns:a16="http://schemas.microsoft.com/office/drawing/2014/main" id="{64E7B43B-7957-9847-A975-029EC8BA7E2A}"/>
+              </a:ext>
+            </a:extLst>
+          </p:cNvPr>
+          <p:cNvSpPr>
+            <a:spLocks noGrp="1"/>
+          </p:cNvSpPr>
+          <p:nvPr>
+            <p:ph type="ctrTitle"/>
+          </p:nvPr>
+        </p:nvSpPr>
+        <p:spPr/>
+        <p:txBody>
+          <a:bodyPr/>
+          <a:lstStyle/>
+          <a:p>
+            <a:r>
+              <a:rPr kumimoji="1" lang="en-US" altLang="ja-JP"/>
+              <a:t>Final Presentation</a:t>
+            </a:r>
+            <a:endParaRPr kumimoji="1" lang="ja-JP" altLang="en-US"/>
+          </a:p>
+        </p:txBody>
+      </p:sp>
+      <p:sp>
+        <p:nvSpPr>
+          <p:cNvPr id="3" name="字幕 2">
+            <a:extLst>
+              <a:ext uri="{FF2B5EF4-FFF2-40B4-BE49-F238E27FC236}">
+                <a16:creationId xmlns:a16="http://schemas.microsoft.com/office/drawing/2014/main" id="{1EA4710F-DC2F-9A46-BC29-95D9C10DB908}"/>
+              </a:ext>
+            </a:extLst>
+          </p:cNvPr>
+          <p:cNvSpPr>
+            <a:spLocks noGrp="1"/>
+          </p:cNvSpPr>
+          <p:nvPr>
+            <p:ph type="subTitle" idx="1"/>
+          </p:nvPr>
+        </p:nvSpPr>
+        <p:spPr/>
+        <p:txBody>
+          <a:bodyPr/>
+          <a:lstStyle/>
+          <a:p>
+            <a:endParaRPr kumimoji="1" lang="en-US" altLang="ja-JP"/>
+          </a:p>
+        </p:txBody>
+      </p:sp>
+    </p:spTree>
+    <p:extLst>
+      <p:ext uri="{BB962C8B-B14F-4D97-AF65-F5344CB8AC3E}">
+        <p14:creationId xmlns:p14="http://schemas.microsoft.com/office/powerpoint/2010/main" val="2600026600"/>
+      </p:ext>
+    </p:extLst>
+  </p:cSld>
+  <p:clrMapOvr>
+    <a:masterClrMapping/>
+  </p:clrMapOvr>
+</p:sld>
+</file>
+
+<file path=ppt/slides/slide3.xml><?xml version="1.0" encoding="utf-8"?>
+<p:sld xmlns:a="http://schemas.openxmlformats.org/drawingml/2006/main" xmlns:r="http://schemas.openxmlformats.org/officeDocument/2006/relationships" xmlns:p="http://schemas.openxmlformats.org/presentationml/2006/main">
+  <p:cSld>
+    <p:spTree>
+      <p:nvGrpSpPr>
+        <p:cNvPr id="1" name=""/>
+        <p:cNvGrpSpPr/>
+        <p:nvPr/>
+      </p:nvGrpSpPr>
+      <p:grpSpPr>
+        <a:xfrm>
+          <a:off x="0" y="0"/>
+          <a:ext cx="0" cy="0"/>
+          <a:chOff x="0" y="0"/>
+          <a:chExt cx="0" cy="0"/>
+        </a:xfrm>
+      </p:grpSpPr>
+      <p:sp>
+        <p:nvSpPr>
+          <p:cNvPr id="2" name="タイトル 1">
+            <a:extLst>
+              <a:ext uri="{FF2B5EF4-FFF2-40B4-BE49-F238E27FC236}">
+                <a16:creationId xmlns:a16="http://schemas.microsoft.com/office/drawing/2014/main" id="{917E0DDB-F23B-7643-89CB-C024CD601435}"/>
+              </a:ext>
+            </a:extLst>
+          </p:cNvPr>
+          <p:cNvSpPr>
+            <a:spLocks noGrp="1"/>
+          </p:cNvSpPr>
+          <p:nvPr>
+            <p:ph type="title"/>
+          </p:nvPr>
+        </p:nvSpPr>
+        <p:spPr/>
+        <p:txBody>
+          <a:bodyPr/>
+          <a:lstStyle/>
+          <a:p>
+            <a:r>
+              <a:rPr kumimoji="1" lang="en-US" altLang="ja-JP"/>
+              <a:t>Team: SKYS</a:t>
+            </a:r>
+            <a:endParaRPr kumimoji="1" lang="ja-JP" altLang="en-US"/>
+          </a:p>
+        </p:txBody>
+      </p:sp>
+      <p:sp>
+        <p:nvSpPr>
+          <p:cNvPr id="3" name="コンテンツ プレースホルダー 2">
+            <a:extLst>
+              <a:ext uri="{FF2B5EF4-FFF2-40B4-BE49-F238E27FC236}">
+                <a16:creationId xmlns:a16="http://schemas.microsoft.com/office/drawing/2014/main" id="{58761F7D-E0A4-C247-BC07-2FDABB03D299}"/>
+              </a:ext>
+            </a:extLst>
+          </p:cNvPr>
+          <p:cNvSpPr>
+            <a:spLocks noGrp="1"/>
+          </p:cNvSpPr>
+          <p:nvPr>
+            <p:ph idx="1"/>
+          </p:nvPr>
+        </p:nvSpPr>
+        <p:spPr/>
+        <p:txBody>
+          <a:bodyPr/>
+          <a:lstStyle/>
+          <a:p>
+            <a:pPr marL="0" indent="0">
+              <a:buNone/>
+            </a:pPr>
+            <a:endParaRPr lang="en-US" altLang="ja-JP"/>
+          </a:p>
+          <a:p>
+            <a:pPr marL="0" indent="0">
+              <a:buNone/>
+            </a:pPr>
+            <a:r>
+              <a:rPr lang="en-US" altLang="ja-JP"/>
+              <a:t>Members</a:t>
+            </a:r>
+          </a:p>
+          <a:p>
+            <a:r>
+              <a:rPr lang="en-US" altLang="ja-JP"/>
+              <a:t>Sora Koshikawa(s1250133)</a:t>
+            </a:r>
+          </a:p>
+          <a:p>
+            <a:r>
+              <a:rPr kumimoji="1" lang="en-US" altLang="ja-JP"/>
+              <a:t>Kaito Kimura(s1250131)</a:t>
+            </a:r>
+            <a:endParaRPr kumimoji="1" lang="ja-JP" altLang="en-US"/>
+          </a:p>
+        </p:txBody>
+      </p:sp>
+    </p:spTree>
+    <p:extLst>
+      <p:ext uri="{BB962C8B-B14F-4D97-AF65-F5344CB8AC3E}">
+        <p14:creationId xmlns:p14="http://schemas.microsoft.com/office/powerpoint/2010/main" val="2707171593"/>
+      </p:ext>
+    </p:extLst>
+  </p:cSld>
+  <p:clrMapOvr>
+    <a:masterClrMapping/>
+  </p:clrMapOvr>
+</p:sld>
+</file>
+
+<file path=ppt/slides/slide4.xml><?xml version="1.0" encoding="utf-8"?>
+<p:sld xmlns:a="http://schemas.openxmlformats.org/drawingml/2006/main" xmlns:r="http://schemas.openxmlformats.org/officeDocument/2006/relationships" xmlns:p="http://schemas.openxmlformats.org/presentationml/2006/main">
+  <p:cSld>
+    <p:spTree>
+      <p:nvGrpSpPr>
+        <p:cNvPr id="1" name=""/>
+        <p:cNvGrpSpPr/>
+        <p:nvPr/>
+      </p:nvGrpSpPr>
+      <p:grpSpPr>
+        <a:xfrm>
+          <a:off x="0" y="0"/>
+          <a:ext cx="0" cy="0"/>
+          <a:chOff x="0" y="0"/>
+          <a:chExt cx="0" cy="0"/>
+        </a:xfrm>
+      </p:grpSpPr>
+      <p:sp>
+        <p:nvSpPr>
+          <p:cNvPr id="2" name="タイトル 1">
+            <a:extLst>
+              <a:ext uri="{FF2B5EF4-FFF2-40B4-BE49-F238E27FC236}">
+                <a16:creationId xmlns:a16="http://schemas.microsoft.com/office/drawing/2014/main" id="{780BEFC5-2A6E-D844-B4D2-C6AE9B8BC484}"/>
+              </a:ext>
+            </a:extLst>
+          </p:cNvPr>
+          <p:cNvSpPr>
+            <a:spLocks noGrp="1"/>
+          </p:cNvSpPr>
+          <p:nvPr>
+            <p:ph type="title"/>
+          </p:nvPr>
+        </p:nvSpPr>
+        <p:spPr/>
+        <p:txBody>
+          <a:bodyPr/>
+          <a:lstStyle/>
+          <a:p>
+            <a:r>
+              <a:rPr kumimoji="1" lang="en-US" altLang="ja-JP"/>
+              <a:t>Development Environment</a:t>
+            </a:r>
+            <a:endParaRPr kumimoji="1" lang="ja-JP" altLang="en-US"/>
+          </a:p>
+        </p:txBody>
+      </p:sp>
+      <p:sp>
+        <p:nvSpPr>
+          <p:cNvPr id="3" name="コンテンツ プレースホルダー 2">
+            <a:extLst>
+              <a:ext uri="{FF2B5EF4-FFF2-40B4-BE49-F238E27FC236}">
+                <a16:creationId xmlns:a16="http://schemas.microsoft.com/office/drawing/2014/main" id="{5086F5FE-FA1D-0E42-BA7B-7CA19368A9AE}"/>
+              </a:ext>
+            </a:extLst>
+          </p:cNvPr>
+          <p:cNvSpPr>
+            <a:spLocks noGrp="1"/>
+          </p:cNvSpPr>
+          <p:nvPr>
+            <p:ph idx="1"/>
+          </p:nvPr>
+        </p:nvSpPr>
+        <p:spPr/>
+        <p:txBody>
+          <a:bodyPr/>
+          <a:lstStyle/>
+          <a:p>
+            <a:r>
+              <a:rPr kumimoji="1" lang="en-US" altLang="ja-JP"/>
+              <a:t>Language: Python3</a:t>
+            </a:r>
+          </a:p>
+          <a:p>
+            <a:r>
+              <a:rPr lang="en-US" altLang="ja-JP"/>
+              <a:t>Editor, IDE: All members used Atom IDE for developing</a:t>
+            </a:r>
+          </a:p>
+          <a:p>
+            <a:r>
+              <a:rPr lang="en-US" altLang="ja-JP"/>
+              <a:t>Management: Github, Git</a:t>
+            </a:r>
+          </a:p>
+          <a:p>
+            <a:r>
+              <a:rPr kumimoji="1" lang="en-US" altLang="ja-JP"/>
+              <a:t>Librarys: matplotlib(for visualizing), venv(for using virtual environment)</a:t>
+            </a:r>
+          </a:p>
+          <a:p>
+            <a:endParaRPr lang="en-US" altLang="ja-JP"/>
+          </a:p>
+          <a:p>
+            <a:pPr marL="0" indent="0">
+              <a:buNone/>
+            </a:pPr>
+            <a:r>
+              <a:rPr kumimoji="1" lang="en-US" altLang="ja-JP"/>
+              <a:t>Why we chose Python?</a:t>
+            </a:r>
+          </a:p>
+          <a:p>
+            <a:r>
+              <a:rPr kumimoji="1" lang="en-US" altLang="ja-JP"/>
+              <a:t>There are few restrictioins</a:t>
+            </a:r>
+            <a:r>
+              <a:rPr lang="en-US" altLang="ja-JP"/>
+              <a:t> </a:t>
+            </a:r>
+            <a:r>
+              <a:rPr lang="ja-JP" altLang="en-US"/>
+              <a:t>➜</a:t>
+            </a:r>
+            <a:r>
+              <a:rPr lang="en-US" altLang="ja-JP"/>
+              <a:t>Focus on imprelemt algorithms</a:t>
+            </a:r>
+            <a:endParaRPr kumimoji="1" lang="en-US" altLang="ja-JP"/>
+          </a:p>
+          <a:p>
+            <a:pPr marL="0" indent="0">
+              <a:buNone/>
+            </a:pPr>
+            <a:endParaRPr kumimoji="1" lang="en-US" altLang="ja-JP"/>
+          </a:p>
+        </p:txBody>
+      </p:sp>
+    </p:spTree>
+    <p:extLst>
+      <p:ext uri="{BB962C8B-B14F-4D97-AF65-F5344CB8AC3E}">
+        <p14:creationId xmlns:p14="http://schemas.microsoft.com/office/powerpoint/2010/main" val="1874404191"/>
+      </p:ext>
+    </p:extLst>
+  </p:cSld>
+  <p:clrMapOvr>
+    <a:masterClrMapping/>
+  </p:clrMapOvr>
+</p:sld>
+</file>
+
+<file path=ppt/slides/slide5.xml><?xml version="1.0" encoding="utf-8"?>
+<p:sld xmlns:a="http://schemas.openxmlformats.org/drawingml/2006/main" xmlns:r="http://schemas.openxmlformats.org/officeDocument/2006/relationships" xmlns:p="http://schemas.openxmlformats.org/presentationml/2006/main">
+  <p:cSld>
+    <p:spTree>
+      <p:nvGrpSpPr>
+        <p:cNvPr id="1" name=""/>
+        <p:cNvGrpSpPr/>
+        <p:nvPr/>
+      </p:nvGrpSpPr>
+      <p:grpSpPr>
+        <a:xfrm>
+          <a:off x="0" y="0"/>
+          <a:ext cx="0" cy="0"/>
+          <a:chOff x="0" y="0"/>
+          <a:chExt cx="0" cy="0"/>
+        </a:xfrm>
+      </p:grpSpPr>
+      <p:sp>
+        <p:nvSpPr>
+          <p:cNvPr id="2" name="タイトル 1">
+            <a:extLst>
+              <a:ext uri="{FF2B5EF4-FFF2-40B4-BE49-F238E27FC236}">
+                <a16:creationId xmlns:a16="http://schemas.microsoft.com/office/drawing/2014/main" id="{E5521801-31A3-B042-89C9-475F0D4CD40B}"/>
+              </a:ext>
+            </a:extLst>
+          </p:cNvPr>
+          <p:cNvSpPr>
+            <a:spLocks noGrp="1"/>
+          </p:cNvSpPr>
+          <p:nvPr>
+            <p:ph type="title"/>
+          </p:nvPr>
+        </p:nvSpPr>
+        <p:spPr/>
+        <p:txBody>
+          <a:bodyPr/>
+          <a:lstStyle/>
+          <a:p>
+            <a:r>
+              <a:rPr kumimoji="1" lang="en-US" altLang="ja-JP"/>
+              <a:t>Project abstract</a:t>
+            </a:r>
+            <a:endParaRPr kumimoji="1" lang="ja-JP" altLang="en-US"/>
+          </a:p>
+        </p:txBody>
+      </p:sp>
+      <p:sp>
+        <p:nvSpPr>
+          <p:cNvPr id="3" name="コンテンツ プレースホルダー 2">
+            <a:extLst>
+              <a:ext uri="{FF2B5EF4-FFF2-40B4-BE49-F238E27FC236}">
+                <a16:creationId xmlns:a16="http://schemas.microsoft.com/office/drawing/2014/main" id="{70AB633E-0A70-BD48-AEEB-0B8E6CC2F84B}"/>
+              </a:ext>
+            </a:extLst>
+          </p:cNvPr>
+          <p:cNvSpPr>
+            <a:spLocks noGrp="1"/>
+          </p:cNvSpPr>
+          <p:nvPr>
+            <p:ph idx="1"/>
+          </p:nvPr>
+        </p:nvSpPr>
+        <p:spPr/>
+        <p:txBody>
+          <a:bodyPr/>
+          <a:lstStyle/>
+          <a:p>
+            <a:endParaRPr lang="en-US" altLang="ja-JP"/>
+          </a:p>
+          <a:p>
+            <a:r>
+              <a:rPr lang="en-US" altLang="ja-JP"/>
+              <a:t>The system constructs “roots network” and searchs root any point to any point or adds some points to network efficiently.</a:t>
+            </a:r>
+            <a:endParaRPr kumimoji="1" lang="en-US" altLang="ja-JP"/>
+          </a:p>
+          <a:p>
+            <a:r>
+              <a:rPr lang="en-US" altLang="ja-JP"/>
+              <a:t>Main algorithm is recursive function. </a:t>
+            </a:r>
+          </a:p>
+          <a:p>
+            <a:r>
+              <a:rPr lang="en-US" altLang="ja-JP"/>
+              <a:t>Improvement of the final phase is introduced in each algorithms part.</a:t>
+            </a:r>
+          </a:p>
+        </p:txBody>
+      </p:sp>
+    </p:spTree>
+    <p:extLst>
+      <p:ext uri="{BB962C8B-B14F-4D97-AF65-F5344CB8AC3E}">
+        <p14:creationId xmlns:p14="http://schemas.microsoft.com/office/powerpoint/2010/main" val="757628360"/>
+      </p:ext>
+    </p:extLst>
+  </p:cSld>
+  <p:clrMapOvr>
+    <a:masterClrMapping/>
+  </p:clrMapOvr>
+</p:sld>
+</file>
+
+<file path=ppt/slides/slide6.xml><?xml version="1.0" encoding="utf-8"?>
+<p:sld xmlns:a="http://schemas.openxmlformats.org/drawingml/2006/main" xmlns:r="http://schemas.openxmlformats.org/officeDocument/2006/relationships" xmlns:p="http://schemas.openxmlformats.org/presentationml/2006/main">
+  <p:cSld>
+    <p:spTree>
+      <p:nvGrpSpPr>
+        <p:cNvPr id="1" name=""/>
+        <p:cNvGrpSpPr/>
+        <p:nvPr/>
+      </p:nvGrpSpPr>
+      <p:grpSpPr>
+        <a:xfrm>
+          <a:off x="0" y="0"/>
+          <a:ext cx="0" cy="0"/>
+          <a:chOff x="0" y="0"/>
+          <a:chExt cx="0" cy="0"/>
+        </a:xfrm>
+      </p:grpSpPr>
+      <p:sp>
+        <p:nvSpPr>
+          <p:cNvPr id="2" name="タイトル 1">
+            <a:extLst>
+              <a:ext uri="{FF2B5EF4-FFF2-40B4-BE49-F238E27FC236}">
+                <a16:creationId xmlns:a16="http://schemas.microsoft.com/office/drawing/2014/main" id="{E451730B-412D-1F46-ACE9-B15BD50748DE}"/>
+              </a:ext>
+            </a:extLst>
+          </p:cNvPr>
+          <p:cNvSpPr>
+            <a:spLocks noGrp="1"/>
+          </p:cNvSpPr>
+          <p:nvPr>
+            <p:ph type="title"/>
+          </p:nvPr>
+        </p:nvSpPr>
+        <p:spPr/>
+        <p:txBody>
+          <a:bodyPr/>
+          <a:lstStyle/>
+          <a:p>
+            <a:r>
+              <a:rPr kumimoji="1" lang="en-US" altLang="ja-JP"/>
+              <a:t>Class Diagrams 1(abstract of source code)</a:t>
+            </a:r>
+            <a:endParaRPr kumimoji="1" lang="ja-JP" altLang="en-US"/>
+          </a:p>
+        </p:txBody>
+      </p:sp>
+      <p:pic>
+        <p:nvPicPr>
+          <p:cNvPr id="5" name="コンテンツ プレースホルダー 4">
+            <a:extLst>
+              <a:ext uri="{FF2B5EF4-FFF2-40B4-BE49-F238E27FC236}">
+                <a16:creationId xmlns:a16="http://schemas.microsoft.com/office/drawing/2014/main" id="{16E85C05-088C-2A49-9E18-A2BB62BC4A83}"/>
+              </a:ext>
+            </a:extLst>
+          </p:cNvPr>
+          <p:cNvPicPr>
+            <a:picLocks noGrp="1" noChangeAspect="1"/>
+          </p:cNvPicPr>
+          <p:nvPr>
+            <p:ph idx="1"/>
+          </p:nvPr>
+        </p:nvPicPr>
+        <p:blipFill>
+          <a:blip r:embed="rId2"/>
+          <a:stretch>
+            <a:fillRect/>
+          </a:stretch>
+        </p:blipFill>
+        <p:spPr>
+          <a:xfrm>
+            <a:off x="5688822" y="1498600"/>
+            <a:ext cx="3569478" cy="3074419"/>
+          </a:xfrm>
+        </p:spPr>
+      </p:pic>
+      <p:pic>
+        <p:nvPicPr>
+          <p:cNvPr id="7" name="図 6" descr="テキスト が含まれている画像&#10;&#10;自動的に生成された説明">
+            <a:extLst>
+              <a:ext uri="{FF2B5EF4-FFF2-40B4-BE49-F238E27FC236}">
+                <a16:creationId xmlns:a16="http://schemas.microsoft.com/office/drawing/2014/main" id="{70EACD8B-C3DA-CA4B-AC9A-BCBCA6F0723A}"/>
+              </a:ext>
+            </a:extLst>
+          </p:cNvPr>
+          <p:cNvPicPr>
+            <a:picLocks noChangeAspect="1"/>
+          </p:cNvPicPr>
+          <p:nvPr/>
+        </p:nvPicPr>
+        <p:blipFill>
+          <a:blip r:embed="rId3"/>
+          <a:stretch>
+            <a:fillRect/>
+          </a:stretch>
+        </p:blipFill>
+        <p:spPr>
+          <a:xfrm>
+            <a:off x="838200" y="1498600"/>
+            <a:ext cx="4234690" cy="4994275"/>
+          </a:xfrm>
+          <a:prstGeom prst="rect">
+            <a:avLst/>
+          </a:prstGeom>
+        </p:spPr>
+      </p:pic>
+      <p:pic>
+        <p:nvPicPr>
+          <p:cNvPr id="9" name="図 8" descr="スクリーンショット が含まれている画像&#10;&#10;自動的に生成された説明">
+            <a:extLst>
+              <a:ext uri="{FF2B5EF4-FFF2-40B4-BE49-F238E27FC236}">
+                <a16:creationId xmlns:a16="http://schemas.microsoft.com/office/drawing/2014/main" id="{E3B00CE0-5F3B-274F-AB74-111DC0ABA52A}"/>
+              </a:ext>
+            </a:extLst>
+          </p:cNvPr>
+          <p:cNvPicPr>
+            <a:picLocks noChangeAspect="1"/>
+          </p:cNvPicPr>
+          <p:nvPr/>
+        </p:nvPicPr>
+        <p:blipFill>
+          <a:blip r:embed="rId4"/>
+          <a:stretch>
+            <a:fillRect/>
+          </a:stretch>
+        </p:blipFill>
+        <p:spPr>
+          <a:xfrm>
+            <a:off x="5688822" y="4573019"/>
+            <a:ext cx="5219700" cy="1905000"/>
+          </a:xfrm>
+          <a:prstGeom prst="rect">
+            <a:avLst/>
+          </a:prstGeom>
+        </p:spPr>
+      </p:pic>
+    </p:spTree>
+    <p:extLst>
+      <p:ext uri="{BB962C8B-B14F-4D97-AF65-F5344CB8AC3E}">
+        <p14:creationId xmlns:p14="http://schemas.microsoft.com/office/powerpoint/2010/main" val="3442893593"/>
+      </p:ext>
+    </p:extLst>
+  </p:cSld>
+  <p:clrMapOvr>
+    <a:masterClrMapping/>
+  </p:clrMapOvr>
+</p:sld>
+</file>
+
+<file path=ppt/slides/slide7.xml><?xml version="1.0" encoding="utf-8"?>
+<p:sld xmlns:a="http://schemas.openxmlformats.org/drawingml/2006/main" xmlns:r="http://schemas.openxmlformats.org/officeDocument/2006/relationships" xmlns:p="http://schemas.openxmlformats.org/presentationml/2006/main">
+  <p:cSld>
+    <p:spTree>
+      <p:nvGrpSpPr>
+        <p:cNvPr id="1" name=""/>
+        <p:cNvGrpSpPr/>
+        <p:nvPr/>
+      </p:nvGrpSpPr>
+      <p:grpSpPr>
+        <a:xfrm>
+          <a:off x="0" y="0"/>
+          <a:ext cx="0" cy="0"/>
+          <a:chOff x="0" y="0"/>
+          <a:chExt cx="0" cy="0"/>
+        </a:xfrm>
+      </p:grpSpPr>
+      <p:sp>
+        <p:nvSpPr>
+          <p:cNvPr id="2" name="タイトル 1">
+            <a:extLst>
+              <a:ext uri="{FF2B5EF4-FFF2-40B4-BE49-F238E27FC236}">
+                <a16:creationId xmlns:a16="http://schemas.microsoft.com/office/drawing/2014/main" id="{03C49508-2BBC-A841-ADEE-E000455AC3BE}"/>
+              </a:ext>
+            </a:extLst>
+          </p:cNvPr>
+          <p:cNvSpPr>
+            <a:spLocks noGrp="1"/>
+          </p:cNvSpPr>
+          <p:nvPr>
+            <p:ph type="title"/>
+          </p:nvPr>
+        </p:nvSpPr>
+        <p:spPr/>
+        <p:txBody>
+          <a:bodyPr/>
+          <a:lstStyle/>
+          <a:p>
+            <a:r>
+              <a:rPr kumimoji="1" lang="en-US" altLang="ja-JP"/>
+              <a:t>Class Diagram2(abstract of source code)</a:t>
+            </a:r>
+            <a:endParaRPr kumimoji="1" lang="ja-JP" altLang="en-US"/>
+          </a:p>
+        </p:txBody>
+      </p:sp>
+      <p:pic>
+        <p:nvPicPr>
+          <p:cNvPr id="5" name="コンテンツ プレースホルダー 4" descr="スクリーンショット が含まれている画像&#10;&#10;自動的に生成された説明">
+            <a:extLst>
+              <a:ext uri="{FF2B5EF4-FFF2-40B4-BE49-F238E27FC236}">
+                <a16:creationId xmlns:a16="http://schemas.microsoft.com/office/drawing/2014/main" id="{CE6572E4-2FEC-0848-956C-C7968A6B4A4B}"/>
+              </a:ext>
+            </a:extLst>
+          </p:cNvPr>
+          <p:cNvPicPr>
+            <a:picLocks noGrp="1" noChangeAspect="1"/>
+          </p:cNvPicPr>
+          <p:nvPr>
+            <p:ph idx="1"/>
+          </p:nvPr>
+        </p:nvPicPr>
+        <p:blipFill>
+          <a:blip r:embed="rId2"/>
+          <a:stretch>
+            <a:fillRect/>
+          </a:stretch>
+        </p:blipFill>
+        <p:spPr>
+          <a:xfrm>
+            <a:off x="838200" y="1414411"/>
+            <a:ext cx="10177463" cy="4952085"/>
+          </a:xfrm>
+        </p:spPr>
+      </p:pic>
+    </p:spTree>
+    <p:extLst>
+      <p:ext uri="{BB962C8B-B14F-4D97-AF65-F5344CB8AC3E}">
+        <p14:creationId xmlns:p14="http://schemas.microsoft.com/office/powerpoint/2010/main" val="3886452691"/>
+      </p:ext>
+    </p:extLst>
+  </p:cSld>
+  <p:clrMapOvr>
+    <a:masterClrMapping/>
+  </p:clrMapOvr>
+</p:sld>
+</file>
+
+<file path=ppt/slides/slide8.xml><?xml version="1.0" encoding="utf-8"?>
+<p:sld xmlns:a="http://schemas.openxmlformats.org/drawingml/2006/main" xmlns:r="http://schemas.openxmlformats.org/officeDocument/2006/relationships" xmlns:p="http://schemas.openxmlformats.org/presentationml/2006/main">
+  <p:cSld>
+    <p:spTree>
+      <p:nvGrpSpPr>
+        <p:cNvPr id="1" name=""/>
+        <p:cNvGrpSpPr/>
+        <p:nvPr/>
+      </p:nvGrpSpPr>
+      <p:grpSpPr>
+        <a:xfrm>
+          <a:off x="0" y="0"/>
+          <a:ext cx="0" cy="0"/>
+          <a:chOff x="0" y="0"/>
+          <a:chExt cx="0" cy="0"/>
+        </a:xfrm>
+      </p:grpSpPr>
+      <p:sp>
+        <p:nvSpPr>
+          <p:cNvPr id="2" name="タイトル 1">
+            <a:extLst>
+              <a:ext uri="{FF2B5EF4-FFF2-40B4-BE49-F238E27FC236}">
+                <a16:creationId xmlns:a16="http://schemas.microsoft.com/office/drawing/2014/main" id="{121F334F-6F99-7B48-A02F-7E503EF3A6BE}"/>
+              </a:ext>
+            </a:extLst>
+          </p:cNvPr>
+          <p:cNvSpPr>
+            <a:spLocks noGrp="1"/>
+          </p:cNvSpPr>
+          <p:nvPr>
+            <p:ph type="title"/>
+          </p:nvPr>
+        </p:nvSpPr>
+        <p:spPr/>
+        <p:txBody>
+          <a:bodyPr/>
+          <a:lstStyle/>
+          <a:p>
+            <a:r>
+              <a:rPr kumimoji="1" lang="en-US" altLang="ja-JP"/>
+              <a:t>Demonstration</a:t>
+            </a:r>
+            <a:endParaRPr kumimoji="1" lang="ja-JP" altLang="en-US"/>
+          </a:p>
+        </p:txBody>
+      </p:sp>
+      <p:sp>
+        <p:nvSpPr>
+          <p:cNvPr id="3" name="コンテンツ プレースホルダー 2">
+            <a:extLst>
+              <a:ext uri="{FF2B5EF4-FFF2-40B4-BE49-F238E27FC236}">
+                <a16:creationId xmlns:a16="http://schemas.microsoft.com/office/drawing/2014/main" id="{0AA5F2EB-2275-7C46-8000-DCD3C2A5003E}"/>
+              </a:ext>
+            </a:extLst>
+          </p:cNvPr>
+          <p:cNvSpPr>
+            <a:spLocks noGrp="1"/>
+          </p:cNvSpPr>
+          <p:nvPr>
+            <p:ph idx="1"/>
+          </p:nvPr>
+        </p:nvSpPr>
+        <p:spPr/>
+        <p:txBody>
+          <a:bodyPr/>
+          <a:lstStyle/>
+          <a:p>
+            <a:r>
+              <a:rPr kumimoji="1" lang="ja-JP" altLang="en-US"/>
+              <a:t>映像貼る</a:t>
+            </a:r>
+            <a:endParaRPr lang="en-US" altLang="ja-JP"/>
+          </a:p>
+          <a:p>
+            <a:r>
+              <a:rPr kumimoji="1" lang="ja-JP" altLang="en-US"/>
+              <a:t>どこで挟むかは考えておく</a:t>
+            </a:r>
+            <a:endParaRPr kumimoji="1" lang="en-US" altLang="ja-JP"/>
+          </a:p>
+        </p:txBody>
+      </p:sp>
+    </p:spTree>
+    <p:extLst>
+      <p:ext uri="{BB962C8B-B14F-4D97-AF65-F5344CB8AC3E}">
+        <p14:creationId xmlns:p14="http://schemas.microsoft.com/office/powerpoint/2010/main" val="1188554558"/>
+      </p:ext>
+    </p:extLst>
+  </p:cSld>
+  <p:clrMapOvr>
+    <a:masterClrMapping/>
+  </p:clrMapOvr>
+</p:sld>
+</file>
+
+<file path=ppt/slides/slide9.xml><?xml version="1.0" encoding="utf-8"?>
+<p:sld xmlns:a="http://schemas.openxmlformats.org/drawingml/2006/main" xmlns:r="http://schemas.openxmlformats.org/officeDocument/2006/relationships" xmlns:p="http://schemas.openxmlformats.org/presentationml/2006/main">
+  <p:cSld>
+    <p:spTree>
+      <p:nvGrpSpPr>
+        <p:cNvPr id="1" name=""/>
+        <p:cNvGrpSpPr/>
+        <p:nvPr/>
+      </p:nvGrpSpPr>
+      <p:grpSpPr>
+        <a:xfrm>
+          <a:off x="0" y="0"/>
+          <a:ext cx="0" cy="0"/>
+          <a:chOff x="0" y="0"/>
+          <a:chExt cx="0" cy="0"/>
+        </a:xfrm>
+      </p:grpSpPr>
+      <p:sp>
+        <p:nvSpPr>
+          <p:cNvPr id="2" name="タイトル 1">
+            <a:extLst>
+              <a:ext uri="{FF2B5EF4-FFF2-40B4-BE49-F238E27FC236}">
+                <a16:creationId xmlns:a16="http://schemas.microsoft.com/office/drawing/2014/main" id="{3627DBE9-9343-B644-AD34-612E17C6470A}"/>
+              </a:ext>
+            </a:extLst>
+          </p:cNvPr>
+          <p:cNvSpPr>
+            <a:spLocks noGrp="1"/>
+          </p:cNvSpPr>
+          <p:nvPr>
+            <p:ph type="title"/>
+          </p:nvPr>
+        </p:nvSpPr>
+        <p:spPr/>
+        <p:txBody>
+          <a:bodyPr/>
+          <a:lstStyle/>
+          <a:p>
+            <a:r>
+              <a:rPr lang="en" altLang="ja-JP"/>
+              <a:t>Algorithms: Searching all in</a:t>
+            </a:r>
+            <a:r>
+              <a:rPr lang="en-US" altLang="ja-JP"/>
+              <a:t>tersections</a:t>
+            </a:r>
+            <a:endParaRPr kumimoji="1" lang="ja-JP" altLang="en-US"/>
+          </a:p>
+        </p:txBody>
+      </p:sp>
+      <p:sp>
+        <p:nvSpPr>
+          <p:cNvPr id="3" name="コンテンツ プレースホルダー 2">
+            <a:extLst>
+              <a:ext uri="{FF2B5EF4-FFF2-40B4-BE49-F238E27FC236}">
+                <a16:creationId xmlns:a16="http://schemas.microsoft.com/office/drawing/2014/main" id="{2E9AF24B-2D53-A948-AEA0-7AF7F0222F7B}"/>
+              </a:ext>
+            </a:extLst>
+          </p:cNvPr>
+          <p:cNvSpPr>
+            <a:spLocks noGrp="1"/>
+          </p:cNvSpPr>
+          <p:nvPr>
+            <p:ph idx="1"/>
+          </p:nvPr>
+        </p:nvSpPr>
+        <p:spPr/>
+        <p:txBody>
+          <a:bodyPr/>
+          <a:lstStyle/>
+          <a:p>
+            <a:pPr marL="514350" indent="-514350">
+              <a:buFont typeface="+mj-lt"/>
+              <a:buAutoNum type="arabicPeriod"/>
+            </a:pPr>
+            <a:endParaRPr kumimoji="1" lang="en-US" altLang="ja-JP"/>
+          </a:p>
+          <a:p>
+            <a:pPr marL="514350" indent="-514350">
+              <a:buFont typeface="+mj-lt"/>
+              <a:buAutoNum type="arabicPeriod"/>
+            </a:pPr>
+            <a:r>
+              <a:rPr kumimoji="1" lang="en-US" altLang="ja-JP"/>
+              <a:t>Find the intersection of 2 segments</a:t>
+            </a:r>
+          </a:p>
+          <a:p>
+            <a:pPr marL="514350" indent="-514350">
+              <a:buFont typeface="+mj-lt"/>
+              <a:buAutoNum type="arabicPeriod"/>
+            </a:pPr>
+            <a:r>
+              <a:rPr lang="en-US" altLang="ja-JP"/>
+              <a:t>Remove intersection if the point is end point</a:t>
+            </a:r>
+          </a:p>
+          <a:p>
+            <a:pPr marL="514350" indent="-514350">
+              <a:buFont typeface="+mj-lt"/>
+              <a:buAutoNum type="arabicPeriod"/>
+            </a:pPr>
+            <a:r>
+              <a:rPr lang="en-US" altLang="ja-JP"/>
+              <a:t>Append intersection to intersections list(sorted) and sort</a:t>
+            </a:r>
+          </a:p>
+          <a:p>
+            <a:pPr marL="514350" indent="-514350">
+              <a:buFont typeface="+mj-lt"/>
+              <a:buAutoNum type="arabicPeriod"/>
+            </a:pPr>
+            <a:endParaRPr lang="en-US" altLang="ja-JP"/>
+          </a:p>
+          <a:p>
+            <a:pPr marL="0" indent="0">
+              <a:buNone/>
+            </a:pPr>
+            <a:r>
+              <a:rPr lang="en-US" altLang="ja-JP"/>
+              <a:t>Improve efficiency</a:t>
+            </a:r>
+          </a:p>
+          <a:p>
+            <a:pPr marL="514350" indent="-514350">
+              <a:buFont typeface="+mj-lt"/>
+              <a:buAutoNum type="arabicPeriod"/>
+            </a:pPr>
+            <a:r>
+              <a:rPr lang="en-US" altLang="ja-JP"/>
+              <a:t>Using binary search for sort intersections list</a:t>
+            </a:r>
+          </a:p>
+          <a:p>
+            <a:pPr marL="514350" indent="-514350">
+              <a:buFont typeface="+mj-lt"/>
+              <a:buAutoNum type="arabicPeriod"/>
+            </a:pPr>
+            <a:r>
+              <a:rPr lang="en-US" altLang="ja-JP"/>
+              <a:t>Change to Quicksort</a:t>
+            </a:r>
+          </a:p>
+        </p:txBody>
+      </p:sp>
+    </p:spTree>
+    <p:extLst>
+      <p:ext uri="{BB962C8B-B14F-4D97-AF65-F5344CB8AC3E}">
+        <p14:creationId xmlns:p14="http://schemas.microsoft.com/office/powerpoint/2010/main" val="474697545"/>
+      </p:ext>
+    </p:extLst>
+  </p:cSld>
+  <p:clrMapOvr>
+    <a:masterClrMapping/>
+  </p:clrMapOvr>
+</p:sld>
+</file>
+
 <file path=ppt/theme/theme1.xml><?xml version="1.0" encoding="utf-8"?>
 <a:theme xmlns:a="http://schemas.openxmlformats.org/drawingml/2006/main" name="Office テーマ">
   <a:themeElements>
